--- a/バイオ技術_第1日目.pptx
+++ b/バイオ技術_第1日目.pptx
@@ -15,26 +15,27 @@
     <p:sldId id="286" r:id="rId9"/>
     <p:sldId id="288" r:id="rId10"/>
     <p:sldId id="308" r:id="rId11"/>
-    <p:sldId id="267" r:id="rId12"/>
-    <p:sldId id="309" r:id="rId13"/>
-    <p:sldId id="310" r:id="rId14"/>
-    <p:sldId id="311" r:id="rId15"/>
-    <p:sldId id="312" r:id="rId16"/>
-    <p:sldId id="328" r:id="rId17"/>
-    <p:sldId id="330" r:id="rId18"/>
-    <p:sldId id="274" r:id="rId19"/>
-    <p:sldId id="276" r:id="rId20"/>
-    <p:sldId id="302" r:id="rId21"/>
-    <p:sldId id="280" r:id="rId22"/>
-    <p:sldId id="279" r:id="rId23"/>
-    <p:sldId id="281" r:id="rId24"/>
-    <p:sldId id="282" r:id="rId25"/>
-    <p:sldId id="329" r:id="rId26"/>
-    <p:sldId id="284" r:id="rId27"/>
-    <p:sldId id="2146851130" r:id="rId28"/>
-    <p:sldId id="326" r:id="rId29"/>
-    <p:sldId id="2146851131" r:id="rId30"/>
-    <p:sldId id="325" r:id="rId31"/>
+    <p:sldId id="2146851132" r:id="rId12"/>
+    <p:sldId id="267" r:id="rId13"/>
+    <p:sldId id="309" r:id="rId14"/>
+    <p:sldId id="310" r:id="rId15"/>
+    <p:sldId id="311" r:id="rId16"/>
+    <p:sldId id="312" r:id="rId17"/>
+    <p:sldId id="328" r:id="rId18"/>
+    <p:sldId id="330" r:id="rId19"/>
+    <p:sldId id="274" r:id="rId20"/>
+    <p:sldId id="276" r:id="rId21"/>
+    <p:sldId id="302" r:id="rId22"/>
+    <p:sldId id="280" r:id="rId23"/>
+    <p:sldId id="279" r:id="rId24"/>
+    <p:sldId id="281" r:id="rId25"/>
+    <p:sldId id="282" r:id="rId26"/>
+    <p:sldId id="329" r:id="rId27"/>
+    <p:sldId id="284" r:id="rId28"/>
+    <p:sldId id="2146851130" r:id="rId29"/>
+    <p:sldId id="326" r:id="rId30"/>
+    <p:sldId id="2146851131" r:id="rId31"/>
+    <p:sldId id="325" r:id="rId32"/>
   </p:sldIdLst>
   <p:sldSz cx="12192000" cy="6858000"/>
   <p:notesSz cx="6858000" cy="9144000"/>
@@ -330,7 +331,7 @@
           <a:p>
             <a:fld id="{4C822B3A-0432-4A17-9759-C2F25A9B548E}" type="datetime1">
               <a:rPr kumimoji="1" lang="ja-JP" altLang="en-US" smtClean="0"/>
-              <a:t>2025/7/21</a:t>
+              <a:t>2025/8/2</a:t>
             </a:fld>
             <a:endParaRPr kumimoji="1" lang="ja-JP" altLang="en-US"/>
           </a:p>
@@ -470,7 +471,7 @@
           <a:p>
             <a:fld id="{A494C097-342E-4F43-8CA6-3DBDB1664F4C}" type="datetime1">
               <a:rPr kumimoji="1" lang="ja-JP" altLang="en-US" smtClean="0"/>
-              <a:t>2025/7/21</a:t>
+              <a:t>2025/8/2</a:t>
             </a:fld>
             <a:endParaRPr kumimoji="1" lang="ja-JP" altLang="en-US"/>
           </a:p>
@@ -620,7 +621,7 @@
           <a:p>
             <a:fld id="{2B835E32-2D46-4DE1-B330-9D3FB84D851E}" type="datetime1">
               <a:rPr kumimoji="1" lang="ja-JP" altLang="en-US" smtClean="0"/>
-              <a:t>2025/7/21</a:t>
+              <a:t>2025/8/2</a:t>
             </a:fld>
             <a:endParaRPr kumimoji="1" lang="ja-JP" altLang="en-US"/>
           </a:p>
@@ -765,7 +766,7 @@
           <a:p>
             <a:fld id="{002AD361-968A-4FBF-9FD3-AF363EA9937D}" type="datetime1">
               <a:rPr kumimoji="1" lang="ja-JP" altLang="en-US" smtClean="0"/>
-              <a:t>2025/7/21</a:t>
+              <a:t>2025/8/2</a:t>
             </a:fld>
             <a:endParaRPr kumimoji="1" lang="ja-JP" altLang="en-US"/>
           </a:p>
@@ -1010,7 +1011,7 @@
           <a:p>
             <a:fld id="{AA1C3AEF-A7F9-45D4-9A71-E38CA601D7D4}" type="datetime1">
               <a:rPr kumimoji="1" lang="ja-JP" altLang="en-US" smtClean="0"/>
-              <a:t>2025/7/21</a:t>
+              <a:t>2025/8/2</a:t>
             </a:fld>
             <a:endParaRPr kumimoji="1" lang="ja-JP" altLang="en-US"/>
           </a:p>
@@ -1239,7 +1240,7 @@
           <a:p>
             <a:fld id="{3AD70BF7-6F02-4157-9154-AD19503795D2}" type="datetime1">
               <a:rPr kumimoji="1" lang="ja-JP" altLang="en-US" smtClean="0"/>
-              <a:t>2025/7/21</a:t>
+              <a:t>2025/8/2</a:t>
             </a:fld>
             <a:endParaRPr kumimoji="1" lang="ja-JP" altLang="en-US"/>
           </a:p>
@@ -1602,7 +1603,7 @@
           <a:p>
             <a:fld id="{6F0B75B1-8360-44EF-9CE4-FA35BCEF221F}" type="datetime1">
               <a:rPr kumimoji="1" lang="ja-JP" altLang="en-US" smtClean="0"/>
-              <a:t>2025/7/21</a:t>
+              <a:t>2025/8/2</a:t>
             </a:fld>
             <a:endParaRPr kumimoji="1" lang="ja-JP" altLang="en-US"/>
           </a:p>
@@ -1719,7 +1720,7 @@
           <a:p>
             <a:fld id="{1D7333A9-23D0-4CE2-AE57-8C99AF0EAEF9}" type="datetime1">
               <a:rPr kumimoji="1" lang="ja-JP" altLang="en-US" smtClean="0"/>
-              <a:t>2025/7/21</a:t>
+              <a:t>2025/8/2</a:t>
             </a:fld>
             <a:endParaRPr kumimoji="1" lang="ja-JP" altLang="en-US"/>
           </a:p>
@@ -1814,7 +1815,7 @@
           <a:p>
             <a:fld id="{07321BCF-D9B3-4EAA-AB0E-A39A1078809E}" type="datetime1">
               <a:rPr kumimoji="1" lang="ja-JP" altLang="en-US" smtClean="0"/>
-              <a:t>2025/7/21</a:t>
+              <a:t>2025/8/2</a:t>
             </a:fld>
             <a:endParaRPr kumimoji="1" lang="ja-JP" altLang="en-US"/>
           </a:p>
@@ -2061,7 +2062,7 @@
           <a:p>
             <a:fld id="{BBD93D85-1D1F-43E8-8FC0-5AAF98DAF8F8}" type="datetime1">
               <a:rPr kumimoji="1" lang="ja-JP" altLang="en-US" smtClean="0"/>
-              <a:t>2025/7/21</a:t>
+              <a:t>2025/8/2</a:t>
             </a:fld>
             <a:endParaRPr kumimoji="1" lang="ja-JP" altLang="en-US"/>
           </a:p>
@@ -2316,7 +2317,7 @@
           <a:p>
             <a:fld id="{FC5E36A4-CF1C-426F-BC93-245F4AC7F9CC}" type="datetime1">
               <a:rPr kumimoji="1" lang="ja-JP" altLang="en-US" smtClean="0"/>
-              <a:t>2025/7/21</a:t>
+              <a:t>2025/8/2</a:t>
             </a:fld>
             <a:endParaRPr kumimoji="1" lang="ja-JP" altLang="en-US"/>
           </a:p>
@@ -2559,7 +2560,7 @@
           <a:p>
             <a:fld id="{B5C09AC7-2B02-4A21-833F-9D7920DB6664}" type="datetime1">
               <a:rPr kumimoji="1" lang="ja-JP" altLang="en-US" smtClean="0"/>
-              <a:t>2025/7/21</a:t>
+              <a:t>2025/8/2</a:t>
             </a:fld>
             <a:endParaRPr kumimoji="1" lang="ja-JP" altLang="en-US"/>
           </a:p>
@@ -3617,6 +3618,322 @@
           <p:cNvPr id="2" name="タイトル 1">
             <a:extLst>
               <a:ext uri="{FF2B5EF4-FFF2-40B4-BE49-F238E27FC236}">
+                <a16:creationId xmlns:a16="http://schemas.microsoft.com/office/drawing/2014/main" id="{8FF43D53-FB81-3BCC-BE92-72D5A2C6E20F}"/>
+              </a:ext>
+            </a:extLst>
+          </p:cNvPr>
+          <p:cNvSpPr>
+            <a:spLocks noGrp="1"/>
+          </p:cNvSpPr>
+          <p:nvPr>
+            <p:ph type="title"/>
+          </p:nvPr>
+        </p:nvSpPr>
+        <p:spPr/>
+        <p:txBody>
+          <a:bodyPr>
+            <a:normAutofit fontScale="90000"/>
+          </a:bodyPr>
+          <a:lstStyle/>
+          <a:p>
+            <a:r>
+              <a:rPr kumimoji="1" lang="ja-JP" altLang="en-US" dirty="0"/>
+              <a:t>ファイル一式をダウンロード</a:t>
+            </a:r>
+          </a:p>
+        </p:txBody>
+      </p:sp>
+      <p:sp>
+        <p:nvSpPr>
+          <p:cNvPr id="3" name="コンテンツ プレースホルダー 2">
+            <a:extLst>
+              <a:ext uri="{FF2B5EF4-FFF2-40B4-BE49-F238E27FC236}">
+                <a16:creationId xmlns:a16="http://schemas.microsoft.com/office/drawing/2014/main" id="{5D126E3F-1003-BF98-E10A-3120DC979D7A}"/>
+              </a:ext>
+            </a:extLst>
+          </p:cNvPr>
+          <p:cNvSpPr>
+            <a:spLocks noGrp="1"/>
+          </p:cNvSpPr>
+          <p:nvPr>
+            <p:ph idx="1"/>
+          </p:nvPr>
+        </p:nvSpPr>
+        <p:spPr>
+          <a:xfrm>
+            <a:off x="609600" y="1126436"/>
+            <a:ext cx="10972800" cy="972952"/>
+          </a:xfrm>
+        </p:spPr>
+        <p:txBody>
+          <a:bodyPr>
+            <a:normAutofit fontScale="92500" lnSpcReduction="10000"/>
+          </a:bodyPr>
+          <a:lstStyle/>
+          <a:p>
+            <a:r>
+              <a:rPr lang="ja-JP" altLang="en-US" dirty="0"/>
+              <a:t>以下の</a:t>
+            </a:r>
+            <a:r>
+              <a:rPr lang="en-US" altLang="ja-JP" dirty="0"/>
+              <a:t>URL</a:t>
+            </a:r>
+            <a:r>
+              <a:rPr lang="ja-JP" altLang="en-US" dirty="0"/>
+              <a:t>から講義で使うファイル一式をダウンロードする</a:t>
+            </a:r>
+            <a:endParaRPr lang="en-US" altLang="ja-JP" dirty="0"/>
+          </a:p>
+          <a:p>
+            <a:pPr lvl="1"/>
+            <a:r>
+              <a:rPr lang="en-US" altLang="ja-JP" dirty="0"/>
+              <a:t>https://github.com/iwata97/bioinfo</a:t>
+            </a:r>
+            <a:endParaRPr kumimoji="1" lang="ja-JP" altLang="en-US" dirty="0"/>
+          </a:p>
+        </p:txBody>
+      </p:sp>
+      <p:sp>
+        <p:nvSpPr>
+          <p:cNvPr id="4" name="スライド番号プレースホルダー 3">
+            <a:extLst>
+              <a:ext uri="{FF2B5EF4-FFF2-40B4-BE49-F238E27FC236}">
+                <a16:creationId xmlns:a16="http://schemas.microsoft.com/office/drawing/2014/main" id="{EF7F5F50-C85F-E743-6D03-9E71EA6B9D81}"/>
+              </a:ext>
+            </a:extLst>
+          </p:cNvPr>
+          <p:cNvSpPr>
+            <a:spLocks noGrp="1"/>
+          </p:cNvSpPr>
+          <p:nvPr>
+            <p:ph type="sldNum" sz="quarter" idx="12"/>
+          </p:nvPr>
+        </p:nvSpPr>
+        <p:spPr/>
+        <p:txBody>
+          <a:bodyPr/>
+          <a:lstStyle/>
+          <a:p>
+            <a:fld id="{895CAF78-E814-F147-85DE-99D10320521C}" type="slidenum">
+              <a:rPr kumimoji="1" lang="ja-JP" altLang="en-US" smtClean="0"/>
+              <a:t>11</a:t>
+            </a:fld>
+            <a:endParaRPr kumimoji="1" lang="ja-JP" altLang="en-US"/>
+          </a:p>
+        </p:txBody>
+      </p:sp>
+      <p:pic>
+        <p:nvPicPr>
+          <p:cNvPr id="6" name="図 5">
+            <a:extLst>
+              <a:ext uri="{FF2B5EF4-FFF2-40B4-BE49-F238E27FC236}">
+                <a16:creationId xmlns:a16="http://schemas.microsoft.com/office/drawing/2014/main" id="{06EC6970-73BE-1167-D165-1BB6C102C107}"/>
+              </a:ext>
+            </a:extLst>
+          </p:cNvPr>
+          <p:cNvPicPr>
+            <a:picLocks noChangeAspect="1"/>
+          </p:cNvPicPr>
+          <p:nvPr/>
+        </p:nvPicPr>
+        <p:blipFill>
+          <a:blip r:embed="rId2"/>
+          <a:stretch>
+            <a:fillRect/>
+          </a:stretch>
+        </p:blipFill>
+        <p:spPr>
+          <a:xfrm>
+            <a:off x="2139829" y="2313992"/>
+            <a:ext cx="6726356" cy="4544008"/>
+          </a:xfrm>
+          <a:prstGeom prst="rect">
+            <a:avLst/>
+          </a:prstGeom>
+        </p:spPr>
+      </p:pic>
+      <p:sp>
+        <p:nvSpPr>
+          <p:cNvPr id="7" name="正方形/長方形 6">
+            <a:extLst>
+              <a:ext uri="{FF2B5EF4-FFF2-40B4-BE49-F238E27FC236}">
+                <a16:creationId xmlns:a16="http://schemas.microsoft.com/office/drawing/2014/main" id="{D6308DAD-3E92-85C7-38F1-8A5FAA4CDFC7}"/>
+              </a:ext>
+            </a:extLst>
+          </p:cNvPr>
+          <p:cNvSpPr/>
+          <p:nvPr/>
+        </p:nvSpPr>
+        <p:spPr>
+          <a:xfrm>
+            <a:off x="4977102" y="4367550"/>
+            <a:ext cx="733234" cy="325750"/>
+          </a:xfrm>
+          <a:prstGeom prst="rect">
+            <a:avLst/>
+          </a:prstGeom>
+          <a:noFill/>
+          <a:ln w="38100">
+            <a:solidFill>
+              <a:srgbClr val="FF0000"/>
+            </a:solidFill>
+          </a:ln>
+          <a:effectLst/>
+        </p:spPr>
+        <p:style>
+          <a:lnRef idx="1">
+            <a:schemeClr val="accent1"/>
+          </a:lnRef>
+          <a:fillRef idx="3">
+            <a:schemeClr val="accent1"/>
+          </a:fillRef>
+          <a:effectRef idx="2">
+            <a:schemeClr val="accent1"/>
+          </a:effectRef>
+          <a:fontRef idx="minor">
+            <a:schemeClr val="lt1"/>
+          </a:fontRef>
+        </p:style>
+        <p:txBody>
+          <a:bodyPr rtlCol="0" anchor="ctr"/>
+          <a:lstStyle/>
+          <a:p>
+            <a:pPr algn="ctr"/>
+            <a:endParaRPr kumimoji="1" lang="ja-JP" altLang="en-US"/>
+          </a:p>
+        </p:txBody>
+      </p:sp>
+      <p:sp>
+        <p:nvSpPr>
+          <p:cNvPr id="8" name="矢印: 右 7">
+            <a:extLst>
+              <a:ext uri="{FF2B5EF4-FFF2-40B4-BE49-F238E27FC236}">
+                <a16:creationId xmlns:a16="http://schemas.microsoft.com/office/drawing/2014/main" id="{BB114147-BA27-C401-B322-C89383B2843C}"/>
+              </a:ext>
+            </a:extLst>
+          </p:cNvPr>
+          <p:cNvSpPr/>
+          <p:nvPr/>
+        </p:nvSpPr>
+        <p:spPr>
+          <a:xfrm rot="10800000">
+            <a:off x="5778375" y="4306831"/>
+            <a:ext cx="635249" cy="447188"/>
+          </a:xfrm>
+          <a:prstGeom prst="rightArrow">
+            <a:avLst/>
+          </a:prstGeom>
+          <a:solidFill>
+            <a:srgbClr val="FF0000"/>
+          </a:solidFill>
+          <a:ln>
+            <a:solidFill>
+              <a:srgbClr val="FF0000"/>
+            </a:solidFill>
+          </a:ln>
+          <a:effectLst/>
+        </p:spPr>
+        <p:style>
+          <a:lnRef idx="1">
+            <a:schemeClr val="accent1"/>
+          </a:lnRef>
+          <a:fillRef idx="3">
+            <a:schemeClr val="accent1"/>
+          </a:fillRef>
+          <a:effectRef idx="2">
+            <a:schemeClr val="accent1"/>
+          </a:effectRef>
+          <a:fontRef idx="minor">
+            <a:schemeClr val="lt1"/>
+          </a:fontRef>
+        </p:style>
+        <p:txBody>
+          <a:bodyPr rtlCol="0" anchor="ctr"/>
+          <a:lstStyle/>
+          <a:p>
+            <a:pPr algn="ctr"/>
+            <a:endParaRPr kumimoji="1" lang="ja-JP" altLang="en-US"/>
+          </a:p>
+        </p:txBody>
+      </p:sp>
+      <p:sp>
+        <p:nvSpPr>
+          <p:cNvPr id="9" name="テキスト ボックス 8">
+            <a:extLst>
+              <a:ext uri="{FF2B5EF4-FFF2-40B4-BE49-F238E27FC236}">
+                <a16:creationId xmlns:a16="http://schemas.microsoft.com/office/drawing/2014/main" id="{97551126-8837-EB0F-D413-F45BD537DFCB}"/>
+              </a:ext>
+            </a:extLst>
+          </p:cNvPr>
+          <p:cNvSpPr txBox="1"/>
+          <p:nvPr/>
+        </p:nvSpPr>
+        <p:spPr>
+          <a:xfrm>
+            <a:off x="4977102" y="4828385"/>
+            <a:ext cx="3403496" cy="461665"/>
+          </a:xfrm>
+          <a:prstGeom prst="rect">
+            <a:avLst/>
+          </a:prstGeom>
+          <a:solidFill>
+            <a:schemeClr val="bg1"/>
+          </a:solidFill>
+        </p:spPr>
+        <p:txBody>
+          <a:bodyPr wrap="none" rtlCol="0">
+            <a:spAutoFit/>
+          </a:bodyPr>
+          <a:lstStyle/>
+          <a:p>
+            <a:r>
+              <a:rPr kumimoji="1" lang="ja-JP" altLang="en-US" sz="2400" dirty="0">
+                <a:solidFill>
+                  <a:srgbClr val="FF0000"/>
+                </a:solidFill>
+              </a:rPr>
+              <a:t>クリックして一式ダウンロード</a:t>
+            </a:r>
+          </a:p>
+        </p:txBody>
+      </p:sp>
+    </p:spTree>
+    <p:extLst>
+      <p:ext uri="{BB962C8B-B14F-4D97-AF65-F5344CB8AC3E}">
+        <p14:creationId xmlns:p14="http://schemas.microsoft.com/office/powerpoint/2010/main" val="1924233065"/>
+      </p:ext>
+    </p:extLst>
+  </p:cSld>
+  <p:clrMapOvr>
+    <a:masterClrMapping/>
+  </p:clrMapOvr>
+</p:sld>
+</file>
+
+<file path=ppt/slides/slide12.xml><?xml version="1.0" encoding="utf-8"?>
+<p:sld xmlns:a="http://schemas.openxmlformats.org/drawingml/2006/main" xmlns:r="http://schemas.openxmlformats.org/officeDocument/2006/relationships" xmlns:p="http://schemas.openxmlformats.org/presentationml/2006/main">
+  <p:cSld>
+    <p:spTree>
+      <p:nvGrpSpPr>
+        <p:cNvPr id="1" name=""/>
+        <p:cNvGrpSpPr/>
+        <p:nvPr/>
+      </p:nvGrpSpPr>
+      <p:grpSpPr>
+        <a:xfrm>
+          <a:off x="0" y="0"/>
+          <a:ext cx="0" cy="0"/>
+          <a:chOff x="0" y="0"/>
+          <a:chExt cx="0" cy="0"/>
+        </a:xfrm>
+      </p:grpSpPr>
+      <p:sp>
+        <p:nvSpPr>
+          <p:cNvPr id="2" name="タイトル 1">
+            <a:extLst>
+              <a:ext uri="{FF2B5EF4-FFF2-40B4-BE49-F238E27FC236}">
                 <a16:creationId xmlns:a16="http://schemas.microsoft.com/office/drawing/2014/main" id="{AF24CD27-40C8-A54F-6943-C23225A0309A}"/>
               </a:ext>
             </a:extLst>
@@ -3745,7 +4062,7 @@
           <a:p>
             <a:fld id="{895CAF78-E814-F147-85DE-99D10320521C}" type="slidenum">
               <a:rPr kumimoji="1" lang="ja-JP" altLang="en-US" smtClean="0"/>
-              <a:t>11</a:t>
+              <a:t>12</a:t>
             </a:fld>
             <a:endParaRPr kumimoji="1" lang="ja-JP" altLang="en-US"/>
           </a:p>
@@ -3965,15 +4282,27 @@
           <a:lstStyle/>
           <a:p>
             <a:r>
-              <a:rPr kumimoji="1" lang="ja-JP" altLang="en-US" dirty="0"/>
+              <a:rPr kumimoji="1" lang="ja-JP" altLang="en-US" dirty="0">
+                <a:solidFill>
+                  <a:srgbClr val="FF0000"/>
+                </a:solidFill>
+              </a:rPr>
               <a:t>鳥大</a:t>
             </a:r>
             <a:r>
-              <a:rPr kumimoji="1" lang="en-US" altLang="ja-JP" dirty="0"/>
+              <a:rPr kumimoji="1" lang="en-US" altLang="ja-JP" dirty="0">
+                <a:solidFill>
+                  <a:srgbClr val="FF0000"/>
+                </a:solidFill>
+              </a:rPr>
               <a:t>ID</a:t>
             </a:r>
             <a:r>
-              <a:rPr kumimoji="1" lang="ja-JP" altLang="en-US" dirty="0"/>
+              <a:rPr kumimoji="1" lang="ja-JP" altLang="en-US" dirty="0">
+                <a:solidFill>
+                  <a:srgbClr val="FF0000"/>
+                </a:solidFill>
+              </a:rPr>
               <a:t>を確認</a:t>
             </a:r>
           </a:p>
@@ -3992,7 +4321,7 @@
 </p:sld>
 </file>
 
-<file path=ppt/slides/slide12.xml><?xml version="1.0" encoding="utf-8"?>
+<file path=ppt/slides/slide13.xml><?xml version="1.0" encoding="utf-8"?>
 <p:sld xmlns:a="http://schemas.openxmlformats.org/drawingml/2006/main" xmlns:r="http://schemas.openxmlformats.org/officeDocument/2006/relationships" xmlns:p="http://schemas.openxmlformats.org/presentationml/2006/main">
   <p:cSld>
     <p:spTree>
@@ -4083,7 +4412,7 @@
           <a:p>
             <a:fld id="{895CAF78-E814-F147-85DE-99D10320521C}" type="slidenum">
               <a:rPr kumimoji="1" lang="ja-JP" altLang="en-US" smtClean="0"/>
-              <a:t>12</a:t>
+              <a:t>13</a:t>
             </a:fld>
             <a:endParaRPr kumimoji="1" lang="ja-JP" altLang="en-US"/>
           </a:p>
@@ -4246,7 +4575,7 @@
 </p:sld>
 </file>
 
-<file path=ppt/slides/slide13.xml><?xml version="1.0" encoding="utf-8"?>
+<file path=ppt/slides/slide14.xml><?xml version="1.0" encoding="utf-8"?>
 <p:sld xmlns:a="http://schemas.openxmlformats.org/drawingml/2006/main" xmlns:r="http://schemas.openxmlformats.org/officeDocument/2006/relationships" xmlns:p="http://schemas.openxmlformats.org/presentationml/2006/main">
   <p:cSld>
     <p:spTree>
@@ -4333,7 +4662,7 @@
           <a:p>
             <a:fld id="{895CAF78-E814-F147-85DE-99D10320521C}" type="slidenum">
               <a:rPr kumimoji="1" lang="ja-JP" altLang="en-US" smtClean="0"/>
-              <a:t>13</a:t>
+              <a:t>14</a:t>
             </a:fld>
             <a:endParaRPr kumimoji="1" lang="ja-JP" altLang="en-US"/>
           </a:p>
@@ -4549,7 +4878,7 @@
 </p:sld>
 </file>
 
-<file path=ppt/slides/slide14.xml><?xml version="1.0" encoding="utf-8"?>
+<file path=ppt/slides/slide15.xml><?xml version="1.0" encoding="utf-8"?>
 <p:sld xmlns:a="http://schemas.openxmlformats.org/drawingml/2006/main" xmlns:r="http://schemas.openxmlformats.org/officeDocument/2006/relationships" xmlns:p="http://schemas.openxmlformats.org/presentationml/2006/main">
   <p:cSld>
     <p:spTree>
@@ -4636,7 +4965,7 @@
           <a:p>
             <a:fld id="{895CAF78-E814-F147-85DE-99D10320521C}" type="slidenum">
               <a:rPr kumimoji="1" lang="ja-JP" altLang="en-US" smtClean="0"/>
-              <a:t>14</a:t>
+              <a:t>15</a:t>
             </a:fld>
             <a:endParaRPr kumimoji="1" lang="ja-JP" altLang="en-US"/>
           </a:p>
@@ -4686,8 +5015,8 @@
         </p:nvSpPr>
         <p:spPr>
           <a:xfrm>
-            <a:off x="3292206" y="6027374"/>
-            <a:ext cx="1533182" cy="511539"/>
+            <a:off x="3431561" y="4375856"/>
+            <a:ext cx="963158" cy="345434"/>
           </a:xfrm>
           <a:prstGeom prst="rect">
             <a:avLst/>
@@ -4737,8 +5066,8 @@
         </p:nvSpPr>
         <p:spPr>
           <a:xfrm>
-            <a:off x="5502965" y="6023030"/>
-            <a:ext cx="4270721" cy="461665"/>
+            <a:off x="3839030" y="4893169"/>
+            <a:ext cx="2845651" cy="461665"/>
           </a:xfrm>
           <a:prstGeom prst="rect">
             <a:avLst/>
@@ -4759,7 +5088,7 @@
                   <a:srgbClr val="FF0000"/>
                 </a:solidFill>
               </a:rPr>
-              <a:t>「ノートブックを新規作成」をクリック</a:t>
+              <a:t>「アップロード」をクリック</a:t>
             </a:r>
           </a:p>
         </p:txBody>
@@ -4778,7 +5107,7 @@
         </p:nvSpPr>
         <p:spPr>
           <a:xfrm>
-            <a:off x="2553715" y="6059549"/>
+            <a:off x="2660910" y="4324979"/>
             <a:ext cx="635249" cy="447188"/>
           </a:xfrm>
           <a:prstGeom prst="rightArrow">
@@ -4830,7 +5159,7 @@
 </p:sld>
 </file>
 
-<file path=ppt/slides/slide15.xml><?xml version="1.0" encoding="utf-8"?>
+<file path=ppt/slides/slide16.xml><?xml version="1.0" encoding="utf-8"?>
 <p:sld xmlns:a="http://schemas.openxmlformats.org/drawingml/2006/main" xmlns:r="http://schemas.openxmlformats.org/officeDocument/2006/relationships" xmlns:p="http://schemas.openxmlformats.org/presentationml/2006/main">
   <p:cSld>
     <p:spTree>
@@ -4912,7 +5241,7 @@
           <a:p>
             <a:fld id="{895CAF78-E814-F147-85DE-99D10320521C}" type="slidenum">
               <a:rPr kumimoji="1" lang="ja-JP" altLang="en-US" smtClean="0"/>
-              <a:t>15</a:t>
+              <a:t>16</a:t>
             </a:fld>
             <a:endParaRPr kumimoji="1" lang="ja-JP" altLang="en-US"/>
           </a:p>
@@ -4920,10 +5249,10 @@
       </p:sp>
       <p:pic>
         <p:nvPicPr>
-          <p:cNvPr id="5" name="図 4">
+          <p:cNvPr id="7" name="図 6">
             <a:extLst>
               <a:ext uri="{FF2B5EF4-FFF2-40B4-BE49-F238E27FC236}">
-                <a16:creationId xmlns:a16="http://schemas.microsoft.com/office/drawing/2014/main" id="{4AAAFCDB-70A0-B901-7B0C-5C69B189FFFC}"/>
+                <a16:creationId xmlns:a16="http://schemas.microsoft.com/office/drawing/2014/main" id="{9850C28B-3266-C38F-64E6-C17FE7819C13}"/>
               </a:ext>
             </a:extLst>
           </p:cNvPr>
@@ -4940,8 +5269,8 @@
         </p:blipFill>
         <p:spPr>
           <a:xfrm>
-            <a:off x="1053235" y="1170432"/>
-            <a:ext cx="9567168" cy="5687568"/>
+            <a:off x="2576123" y="1188425"/>
+            <a:ext cx="6488047" cy="5050678"/>
           </a:xfrm>
           <a:prstGeom prst="rect">
             <a:avLst/>
@@ -4950,7 +5279,7 @@
       </p:pic>
       <p:sp>
         <p:nvSpPr>
-          <p:cNvPr id="6" name="テキスト ボックス 5">
+          <p:cNvPr id="8" name="テキスト ボックス 7">
             <a:extLst>
               <a:ext uri="{FF2B5EF4-FFF2-40B4-BE49-F238E27FC236}">
                 <a16:creationId xmlns:a16="http://schemas.microsoft.com/office/drawing/2014/main" id="{A0ACE1BD-E56E-9C72-4B9F-9084856AFAE6}"/>
@@ -4962,13 +5291,15 @@
         </p:nvSpPr>
         <p:spPr>
           <a:xfrm>
-            <a:off x="2613991" y="5210514"/>
-            <a:ext cx="5981125" cy="954107"/>
+            <a:off x="4554759" y="4041298"/>
+            <a:ext cx="5271892" cy="523220"/>
           </a:xfrm>
           <a:prstGeom prst="rect">
             <a:avLst/>
           </a:prstGeom>
-          <a:noFill/>
+          <a:solidFill>
+            <a:schemeClr val="bg1"/>
+          </a:solidFill>
         </p:spPr>
         <p:txBody>
           <a:bodyPr wrap="none" rtlCol="0">
@@ -4982,30 +5313,15 @@
                   <a:srgbClr val="FF0000"/>
                 </a:solidFill>
               </a:rPr>
-              <a:t>ここで、簡単な足し算引き算などを実施</a:t>
-            </a:r>
-            <a:endParaRPr kumimoji="1" lang="en-US" altLang="ja-JP" sz="2800" dirty="0">
-              <a:solidFill>
-                <a:srgbClr val="FF0000"/>
-              </a:solidFill>
-            </a:endParaRPr>
-          </a:p>
-          <a:p>
-            <a:r>
-              <a:rPr kumimoji="1" lang="ja-JP" altLang="en-US" sz="2800" dirty="0">
-                <a:solidFill>
-                  <a:srgbClr val="FF0000"/>
-                </a:solidFill>
-              </a:rPr>
-              <a:t>簡単な </a:t>
+              <a:t>ダウンロードした</a:t>
             </a:r>
             <a:r>
-              <a:rPr kumimoji="1" lang="en-US" altLang="ja-JP" sz="2800" dirty="0">
+              <a:rPr kumimoji="1" lang="en-US" altLang="ja-JP" sz="2800" dirty="0" err="1">
                 <a:solidFill>
                   <a:srgbClr val="FF0000"/>
                 </a:solidFill>
               </a:rPr>
-              <a:t>notebook </a:t>
+              <a:t>ipynb</a:t>
             </a:r>
             <a:r>
               <a:rPr kumimoji="1" lang="ja-JP" altLang="en-US" sz="2800" dirty="0">
@@ -5013,8 +5329,112 @@
                   <a:srgbClr val="FF0000"/>
                 </a:solidFill>
               </a:rPr>
-              <a:t>の使い方をレクチャー</a:t>
+              <a:t>ファイルを選択</a:t>
             </a:r>
+          </a:p>
+        </p:txBody>
+      </p:sp>
+      <p:sp>
+        <p:nvSpPr>
+          <p:cNvPr id="9" name="正方形/長方形 8">
+            <a:extLst>
+              <a:ext uri="{FF2B5EF4-FFF2-40B4-BE49-F238E27FC236}">
+                <a16:creationId xmlns:a16="http://schemas.microsoft.com/office/drawing/2014/main" id="{8073F659-0FCA-4278-0019-3049158E7819}"/>
+              </a:ext>
+            </a:extLst>
+          </p:cNvPr>
+          <p:cNvSpPr/>
+          <p:nvPr/>
+        </p:nvSpPr>
+        <p:spPr>
+          <a:xfrm>
+            <a:off x="6100119" y="3368330"/>
+            <a:ext cx="635249" cy="345434"/>
+          </a:xfrm>
+          <a:prstGeom prst="rect">
+            <a:avLst/>
+          </a:prstGeom>
+          <a:noFill/>
+          <a:ln w="38100">
+            <a:solidFill>
+              <a:srgbClr val="FF0000"/>
+            </a:solidFill>
+          </a:ln>
+          <a:effectLst/>
+        </p:spPr>
+        <p:style>
+          <a:lnRef idx="1">
+            <a:schemeClr val="accent1"/>
+          </a:lnRef>
+          <a:fillRef idx="3">
+            <a:schemeClr val="accent1"/>
+          </a:fillRef>
+          <a:effectRef idx="2">
+            <a:schemeClr val="accent1"/>
+          </a:effectRef>
+          <a:fontRef idx="minor">
+            <a:schemeClr val="lt1"/>
+          </a:fontRef>
+        </p:style>
+        <p:txBody>
+          <a:bodyPr rtlCol="0" anchor="ctr"/>
+          <a:lstStyle/>
+          <a:p>
+            <a:pPr algn="ctr"/>
+            <a:endParaRPr kumimoji="1" lang="ja-JP" altLang="en-US"/>
+          </a:p>
+        </p:txBody>
+      </p:sp>
+      <p:sp>
+        <p:nvSpPr>
+          <p:cNvPr id="10" name="矢印: 右 9">
+            <a:extLst>
+              <a:ext uri="{FF2B5EF4-FFF2-40B4-BE49-F238E27FC236}">
+                <a16:creationId xmlns:a16="http://schemas.microsoft.com/office/drawing/2014/main" id="{25473D7A-6298-71D7-1262-DD33EBEF6090}"/>
+              </a:ext>
+            </a:extLst>
+          </p:cNvPr>
+          <p:cNvSpPr/>
+          <p:nvPr/>
+        </p:nvSpPr>
+        <p:spPr>
+          <a:xfrm>
+            <a:off x="5282813" y="3317453"/>
+            <a:ext cx="635249" cy="447188"/>
+          </a:xfrm>
+          <a:prstGeom prst="rightArrow">
+            <a:avLst/>
+          </a:prstGeom>
+          <a:solidFill>
+            <a:srgbClr val="FF0000"/>
+          </a:solidFill>
+          <a:ln>
+            <a:solidFill>
+              <a:srgbClr val="FF0000"/>
+            </a:solidFill>
+          </a:ln>
+          <a:effectLst/>
+        </p:spPr>
+        <p:style>
+          <a:lnRef idx="1">
+            <a:schemeClr val="accent1"/>
+          </a:lnRef>
+          <a:fillRef idx="3">
+            <a:schemeClr val="accent1"/>
+          </a:fillRef>
+          <a:effectRef idx="2">
+            <a:schemeClr val="accent1"/>
+          </a:effectRef>
+          <a:fontRef idx="minor">
+            <a:schemeClr val="lt1"/>
+          </a:fontRef>
+        </p:style>
+        <p:txBody>
+          <a:bodyPr rtlCol="0" anchor="ctr"/>
+          <a:lstStyle/>
+          <a:p>
+            <a:pPr algn="ctr"/>
+            <a:endParaRPr kumimoji="1" lang="ja-JP" altLang="en-US"/>
           </a:p>
         </p:txBody>
       </p:sp>
@@ -5031,7 +5451,7 @@
 </p:sld>
 </file>
 
-<file path=ppt/slides/slide16.xml><?xml version="1.0" encoding="utf-8"?>
+<file path=ppt/slides/slide17.xml><?xml version="1.0" encoding="utf-8"?>
 <p:sld xmlns:a="http://schemas.openxmlformats.org/drawingml/2006/main" xmlns:r="http://schemas.openxmlformats.org/officeDocument/2006/relationships" xmlns:p="http://schemas.openxmlformats.org/presentationml/2006/main">
   <p:cSld>
     <p:spTree>
@@ -5132,7 +5552,7 @@
           <a:p>
             <a:fld id="{895CAF78-E814-F147-85DE-99D10320521C}" type="slidenum">
               <a:rPr kumimoji="1" lang="ja-JP" altLang="en-US" smtClean="0"/>
-              <a:t>16</a:t>
+              <a:t>17</a:t>
             </a:fld>
             <a:endParaRPr kumimoji="1" lang="ja-JP" altLang="en-US"/>
           </a:p>
@@ -5151,7 +5571,7 @@
 </p:sld>
 </file>
 
-<file path=ppt/slides/slide17.xml><?xml version="1.0" encoding="utf-8"?>
+<file path=ppt/slides/slide18.xml><?xml version="1.0" encoding="utf-8"?>
 <p:sld xmlns:a="http://schemas.openxmlformats.org/drawingml/2006/main" xmlns:r="http://schemas.openxmlformats.org/officeDocument/2006/relationships" xmlns:p="http://schemas.openxmlformats.org/presentationml/2006/main">
   <p:cSld>
     <p:spTree>
@@ -5221,7 +5641,7 @@
           <a:p>
             <a:fld id="{895CAF78-E814-F147-85DE-99D10320521C}" type="slidenum">
               <a:rPr kumimoji="1" lang="ja-JP" altLang="en-US" smtClean="0"/>
-              <a:t>17</a:t>
+              <a:t>18</a:t>
             </a:fld>
             <a:endParaRPr kumimoji="1" lang="ja-JP" altLang="en-US"/>
           </a:p>
@@ -11109,7 +11529,7 @@
 </p:sld>
 </file>
 
-<file path=ppt/slides/slide18.xml><?xml version="1.0" encoding="utf-8"?>
+<file path=ppt/slides/slide19.xml><?xml version="1.0" encoding="utf-8"?>
 <p:sld xmlns:a="http://schemas.openxmlformats.org/drawingml/2006/main" xmlns:r="http://schemas.openxmlformats.org/officeDocument/2006/relationships" xmlns:p="http://schemas.openxmlformats.org/presentationml/2006/main">
   <p:cSld>
     <p:spTree>
@@ -11183,7 +11603,7 @@
           <a:p>
             <a:fld id="{895CAF78-E814-F147-85DE-99D10320521C}" type="slidenum">
               <a:rPr kumimoji="1" lang="ja-JP" altLang="en-US" smtClean="0"/>
-              <a:t>18</a:t>
+              <a:t>19</a:t>
             </a:fld>
             <a:endParaRPr kumimoji="1" lang="ja-JP" altLang="en-US"/>
           </a:p>
@@ -34262,7 +34682,933 @@
 </p:sld>
 </file>
 
-<file path=ppt/slides/slide19.xml><?xml version="1.0" encoding="utf-8"?>
+<file path=ppt/slides/slide2.xml><?xml version="1.0" encoding="utf-8"?>
+<p:sld xmlns:a="http://schemas.openxmlformats.org/drawingml/2006/main" xmlns:r="http://schemas.openxmlformats.org/officeDocument/2006/relationships" xmlns:p="http://schemas.openxmlformats.org/presentationml/2006/main">
+  <p:cSld>
+    <p:spTree>
+      <p:nvGrpSpPr>
+        <p:cNvPr id="1" name=""/>
+        <p:cNvGrpSpPr/>
+        <p:nvPr/>
+      </p:nvGrpSpPr>
+      <p:grpSpPr>
+        <a:xfrm>
+          <a:off x="0" y="0"/>
+          <a:ext cx="0" cy="0"/>
+          <a:chOff x="0" y="0"/>
+          <a:chExt cx="0" cy="0"/>
+        </a:xfrm>
+      </p:grpSpPr>
+      <p:sp>
+        <p:nvSpPr>
+          <p:cNvPr id="5" name="タイトル 4">
+            <a:extLst>
+              <a:ext uri="{FF2B5EF4-FFF2-40B4-BE49-F238E27FC236}">
+                <a16:creationId xmlns:a16="http://schemas.microsoft.com/office/drawing/2014/main" id="{C1FC9F18-50DA-105C-A313-171C2AD0C0F1}"/>
+              </a:ext>
+            </a:extLst>
+          </p:cNvPr>
+          <p:cNvSpPr>
+            <a:spLocks noGrp="1"/>
+          </p:cNvSpPr>
+          <p:nvPr>
+            <p:ph type="title"/>
+          </p:nvPr>
+        </p:nvSpPr>
+        <p:spPr/>
+        <p:txBody>
+          <a:bodyPr>
+            <a:normAutofit fontScale="90000"/>
+          </a:bodyPr>
+          <a:lstStyle/>
+          <a:p>
+            <a:r>
+              <a:rPr lang="ja-JP" altLang="en-US" dirty="0"/>
+              <a:t>バイオ技術：シラバス</a:t>
+            </a:r>
+          </a:p>
+        </p:txBody>
+      </p:sp>
+      <p:sp>
+        <p:nvSpPr>
+          <p:cNvPr id="4" name="スライド番号プレースホルダー 3">
+            <a:extLst>
+              <a:ext uri="{FF2B5EF4-FFF2-40B4-BE49-F238E27FC236}">
+                <a16:creationId xmlns:a16="http://schemas.microsoft.com/office/drawing/2014/main" id="{ADAB212A-6199-0385-7143-9DED346BE670}"/>
+              </a:ext>
+            </a:extLst>
+          </p:cNvPr>
+          <p:cNvSpPr>
+            <a:spLocks noGrp="1"/>
+          </p:cNvSpPr>
+          <p:nvPr>
+            <p:ph type="sldNum" sz="quarter" idx="12"/>
+          </p:nvPr>
+        </p:nvSpPr>
+        <p:spPr/>
+        <p:txBody>
+          <a:bodyPr/>
+          <a:lstStyle/>
+          <a:p>
+            <a:fld id="{895CAF78-E814-F147-85DE-99D10320521C}" type="slidenum">
+              <a:rPr kumimoji="1" lang="ja-JP" altLang="en-US" smtClean="0"/>
+              <a:t>2</a:t>
+            </a:fld>
+            <a:endParaRPr kumimoji="1" lang="ja-JP" altLang="en-US"/>
+          </a:p>
+        </p:txBody>
+      </p:sp>
+      <p:graphicFrame>
+        <p:nvGraphicFramePr>
+          <p:cNvPr id="2" name="表 1">
+            <a:extLst>
+              <a:ext uri="{FF2B5EF4-FFF2-40B4-BE49-F238E27FC236}">
+                <a16:creationId xmlns:a16="http://schemas.microsoft.com/office/drawing/2014/main" id="{528F8E4B-FDBE-2FEA-64C3-2D095EE957DB}"/>
+              </a:ext>
+            </a:extLst>
+          </p:cNvPr>
+          <p:cNvGraphicFramePr>
+            <a:graphicFrameLocks noGrp="1"/>
+          </p:cNvGraphicFramePr>
+          <p:nvPr>
+            <p:extLst>
+              <p:ext uri="{D42A27DB-BD31-4B8C-83A1-F6EECF244321}">
+                <p14:modId xmlns:p14="http://schemas.microsoft.com/office/powerpoint/2010/main" val="2524501889"/>
+              </p:ext>
+            </p:extLst>
+          </p:nvPr>
+        </p:nvGraphicFramePr>
+        <p:xfrm>
+          <a:off x="1285388" y="1234440"/>
+          <a:ext cx="9621223" cy="4389120"/>
+        </p:xfrm>
+        <a:graphic>
+          <a:graphicData uri="http://schemas.openxmlformats.org/drawingml/2006/table">
+            <a:tbl>
+              <a:tblPr firstRow="1" bandRow="1">
+                <a:tableStyleId>{93296810-A885-4BE3-A3E7-6D5BEEA58F35}</a:tableStyleId>
+              </a:tblPr>
+              <a:tblGrid>
+                <a:gridCol w="941058">
+                  <a:extLst>
+                    <a:ext uri="{9D8B030D-6E8A-4147-A177-3AD203B41FA5}">
+                      <a16:colId xmlns:a16="http://schemas.microsoft.com/office/drawing/2014/main" val="2758469367"/>
+                    </a:ext>
+                  </a:extLst>
+                </a:gridCol>
+                <a:gridCol w="791651">
+                  <a:extLst>
+                    <a:ext uri="{9D8B030D-6E8A-4147-A177-3AD203B41FA5}">
+                      <a16:colId xmlns:a16="http://schemas.microsoft.com/office/drawing/2014/main" val="1809397895"/>
+                    </a:ext>
+                  </a:extLst>
+                </a:gridCol>
+                <a:gridCol w="2346643">
+                  <a:extLst>
+                    <a:ext uri="{9D8B030D-6E8A-4147-A177-3AD203B41FA5}">
+                      <a16:colId xmlns:a16="http://schemas.microsoft.com/office/drawing/2014/main" val="3098326455"/>
+                    </a:ext>
+                  </a:extLst>
+                </a:gridCol>
+                <a:gridCol w="5541871">
+                  <a:extLst>
+                    <a:ext uri="{9D8B030D-6E8A-4147-A177-3AD203B41FA5}">
+                      <a16:colId xmlns:a16="http://schemas.microsoft.com/office/drawing/2014/main" val="2533419394"/>
+                    </a:ext>
+                  </a:extLst>
+                </a:gridCol>
+              </a:tblGrid>
+              <a:tr h="0">
+                <a:tc>
+                  <a:txBody>
+                    <a:bodyPr/>
+                    <a:lstStyle/>
+                    <a:p>
+                      <a:r>
+                        <a:rPr kumimoji="1" lang="ja-JP" altLang="en-US" sz="1800" dirty="0"/>
+                        <a:t>日付</a:t>
+                      </a:r>
+                    </a:p>
+                  </a:txBody>
+                  <a:tcPr anchor="ctr"/>
+                </a:tc>
+                <a:tc>
+                  <a:txBody>
+                    <a:bodyPr/>
+                    <a:lstStyle/>
+                    <a:p>
+                      <a:r>
+                        <a:rPr kumimoji="1" lang="ja-JP" altLang="en-US" sz="1800" dirty="0"/>
+                        <a:t>回数</a:t>
+                      </a:r>
+                    </a:p>
+                  </a:txBody>
+                  <a:tcPr anchor="ctr"/>
+                </a:tc>
+                <a:tc>
+                  <a:txBody>
+                    <a:bodyPr/>
+                    <a:lstStyle/>
+                    <a:p>
+                      <a:r>
+                        <a:rPr kumimoji="1" lang="ja-JP" altLang="en-US" sz="1800" dirty="0"/>
+                        <a:t>授業内容</a:t>
+                      </a:r>
+                    </a:p>
+                  </a:txBody>
+                  <a:tcPr anchor="ctr"/>
+                </a:tc>
+                <a:tc>
+                  <a:txBody>
+                    <a:bodyPr/>
+                    <a:lstStyle/>
+                    <a:p>
+                      <a:r>
+                        <a:rPr kumimoji="1" lang="ja-JP" altLang="en-US" sz="1800" dirty="0"/>
+                        <a:t>キーワード</a:t>
+                      </a:r>
+                      <a:endParaRPr kumimoji="1" lang="en-US" altLang="ja-JP" sz="1800" dirty="0"/>
+                    </a:p>
+                  </a:txBody>
+                  <a:tcPr anchor="ctr"/>
+                </a:tc>
+                <a:extLst>
+                  <a:ext uri="{0D108BD9-81ED-4DB2-BD59-A6C34878D82A}">
+                    <a16:rowId xmlns:a16="http://schemas.microsoft.com/office/drawing/2014/main" val="3770844526"/>
+                  </a:ext>
+                </a:extLst>
+              </a:tr>
+              <a:tr h="165127">
+                <a:tc>
+                  <a:txBody>
+                    <a:bodyPr/>
+                    <a:lstStyle/>
+                    <a:p>
+                      <a:pPr algn="ctr"/>
+                      <a:r>
+                        <a:rPr kumimoji="1" lang="en-US" altLang="ja-JP" sz="1800" b="0" dirty="0"/>
+                        <a:t>1</a:t>
+                      </a:r>
+                      <a:r>
+                        <a:rPr kumimoji="1" lang="ja-JP" altLang="en-US" sz="1800" b="0" dirty="0"/>
+                        <a:t>日目</a:t>
+                      </a:r>
+                    </a:p>
+                  </a:txBody>
+                  <a:tcPr anchor="ctr"/>
+                </a:tc>
+                <a:tc>
+                  <a:txBody>
+                    <a:bodyPr/>
+                    <a:lstStyle/>
+                    <a:p>
+                      <a:pPr algn="ctr"/>
+                      <a:r>
+                        <a:rPr kumimoji="1" lang="en-US" altLang="ja-JP" sz="1800" b="0" dirty="0"/>
+                        <a:t>1</a:t>
+                      </a:r>
+                      <a:endParaRPr kumimoji="1" lang="ja-JP" altLang="en-US" sz="1800" b="0" dirty="0"/>
+                    </a:p>
+                  </a:txBody>
+                  <a:tcPr anchor="ctr"/>
+                </a:tc>
+                <a:tc>
+                  <a:txBody>
+                    <a:bodyPr/>
+                    <a:lstStyle/>
+                    <a:p>
+                      <a:r>
+                        <a:rPr kumimoji="1" lang="en-US" altLang="ja-JP" sz="1800" b="0" dirty="0" err="1"/>
+                        <a:t>Colab</a:t>
+                      </a:r>
+                      <a:r>
+                        <a:rPr kumimoji="1" lang="ja-JP" altLang="en-US" sz="1800" b="0" dirty="0"/>
+                        <a:t>の準備</a:t>
+                      </a:r>
+                    </a:p>
+                  </a:txBody>
+                  <a:tcPr anchor="ctr"/>
+                </a:tc>
+                <a:tc>
+                  <a:txBody>
+                    <a:bodyPr/>
+                    <a:lstStyle/>
+                    <a:p>
+                      <a:r>
+                        <a:rPr kumimoji="1" lang="en-US" altLang="ja-JP" sz="1800" b="0" dirty="0" err="1"/>
+                        <a:t>colab</a:t>
+                      </a:r>
+                      <a:r>
+                        <a:rPr kumimoji="1" lang="ja-JP" altLang="en-US" sz="1800" b="0" dirty="0"/>
+                        <a:t>の使い方</a:t>
+                      </a:r>
+                      <a:endParaRPr kumimoji="1" lang="en-US" altLang="ja-JP" sz="1800" b="0" dirty="0"/>
+                    </a:p>
+                    <a:p>
+                      <a:r>
+                        <a:rPr kumimoji="1" lang="en-US" altLang="ja-JP" sz="1800" b="0" dirty="0"/>
+                        <a:t>TPM</a:t>
+                      </a:r>
+                      <a:r>
+                        <a:rPr kumimoji="1" lang="ja-JP" altLang="en-US" sz="1800" b="0" dirty="0"/>
+                        <a:t>データの読み込み、発現分布の確認</a:t>
+                      </a:r>
+                      <a:endParaRPr kumimoji="1" lang="ja-JP" altLang="en-US" sz="1800" b="1" dirty="0"/>
+                    </a:p>
+                  </a:txBody>
+                  <a:tcPr anchor="ctr"/>
+                </a:tc>
+                <a:extLst>
+                  <a:ext uri="{0D108BD9-81ED-4DB2-BD59-A6C34878D82A}">
+                    <a16:rowId xmlns:a16="http://schemas.microsoft.com/office/drawing/2014/main" val="73351816"/>
+                  </a:ext>
+                </a:extLst>
+              </a:tr>
+              <a:tr h="165127">
+                <a:tc>
+                  <a:txBody>
+                    <a:bodyPr/>
+                    <a:lstStyle/>
+                    <a:p>
+                      <a:pPr algn="ctr"/>
+                      <a:endParaRPr kumimoji="1" lang="ja-JP" altLang="en-US" sz="1800" b="0" dirty="0"/>
+                    </a:p>
+                  </a:txBody>
+                  <a:tcPr anchor="ctr"/>
+                </a:tc>
+                <a:tc>
+                  <a:txBody>
+                    <a:bodyPr/>
+                    <a:lstStyle/>
+                    <a:p>
+                      <a:pPr algn="ctr"/>
+                      <a:r>
+                        <a:rPr kumimoji="1" lang="en-US" altLang="ja-JP" sz="1800" b="0" dirty="0"/>
+                        <a:t>2</a:t>
+                      </a:r>
+                      <a:endParaRPr kumimoji="1" lang="ja-JP" altLang="en-US" sz="1800" b="0" dirty="0"/>
+                    </a:p>
+                  </a:txBody>
+                  <a:tcPr anchor="ctr"/>
+                </a:tc>
+                <a:tc>
+                  <a:txBody>
+                    <a:bodyPr/>
+                    <a:lstStyle/>
+                    <a:p>
+                      <a:r>
+                        <a:rPr kumimoji="1" lang="en-US" altLang="ja-JP" sz="1800" b="0" dirty="0"/>
+                        <a:t>RNA-seq</a:t>
+                      </a:r>
+                      <a:r>
+                        <a:rPr kumimoji="1" lang="ja-JP" altLang="en-US" sz="1800" b="0" dirty="0"/>
+                        <a:t>データ解析</a:t>
+                      </a:r>
+                    </a:p>
+                  </a:txBody>
+                  <a:tcPr anchor="ctr"/>
+                </a:tc>
+                <a:tc>
+                  <a:txBody>
+                    <a:bodyPr/>
+                    <a:lstStyle/>
+                    <a:p>
+                      <a:r>
+                        <a:rPr kumimoji="1" lang="ja-JP" altLang="en-US" sz="1800" b="0" dirty="0"/>
+                        <a:t>サンプル間の類似度（階層的クラスタリング）</a:t>
+                      </a:r>
+                      <a:endParaRPr kumimoji="1" lang="en-US" altLang="ja-JP" sz="1800" b="0" dirty="0"/>
+                    </a:p>
+                    <a:p>
+                      <a:pPr marL="0" marR="0" lvl="0" indent="0" algn="l" defTabSz="457200" rtl="0" eaLnBrk="1" fontAlgn="auto" latinLnBrk="0" hangingPunct="1">
+                        <a:lnSpc>
+                          <a:spcPct val="100000"/>
+                        </a:lnSpc>
+                        <a:spcBef>
+                          <a:spcPts val="0"/>
+                        </a:spcBef>
+                        <a:spcAft>
+                          <a:spcPts val="0"/>
+                        </a:spcAft>
+                        <a:buClrTx/>
+                        <a:buSzTx/>
+                        <a:buFontTx/>
+                        <a:buNone/>
+                        <a:tabLst/>
+                        <a:defRPr/>
+                      </a:pPr>
+                      <a:r>
+                        <a:rPr kumimoji="1" lang="ja-JP" altLang="en-US" sz="1800" b="0" dirty="0"/>
+                        <a:t>発現変動遺伝子の抽出（ボルケーノプロット）</a:t>
+                      </a:r>
+                    </a:p>
+                  </a:txBody>
+                  <a:tcPr anchor="ctr"/>
+                </a:tc>
+                <a:extLst>
+                  <a:ext uri="{0D108BD9-81ED-4DB2-BD59-A6C34878D82A}">
+                    <a16:rowId xmlns:a16="http://schemas.microsoft.com/office/drawing/2014/main" val="783916811"/>
+                  </a:ext>
+                </a:extLst>
+              </a:tr>
+              <a:tr h="165127">
+                <a:tc>
+                  <a:txBody>
+                    <a:bodyPr/>
+                    <a:lstStyle/>
+                    <a:p>
+                      <a:pPr algn="ctr"/>
+                      <a:endParaRPr kumimoji="1" lang="ja-JP" altLang="en-US" sz="1800" b="0" dirty="0"/>
+                    </a:p>
+                  </a:txBody>
+                  <a:tcPr anchor="ctr"/>
+                </a:tc>
+                <a:tc>
+                  <a:txBody>
+                    <a:bodyPr/>
+                    <a:lstStyle/>
+                    <a:p>
+                      <a:pPr algn="ctr"/>
+                      <a:r>
+                        <a:rPr kumimoji="1" lang="en-US" altLang="ja-JP" sz="1800" b="0" dirty="0"/>
+                        <a:t>3</a:t>
+                      </a:r>
+                      <a:endParaRPr kumimoji="1" lang="ja-JP" altLang="en-US" sz="1800" b="0" dirty="0"/>
+                    </a:p>
+                  </a:txBody>
+                  <a:tcPr anchor="ctr"/>
+                </a:tc>
+                <a:tc>
+                  <a:txBody>
+                    <a:bodyPr/>
+                    <a:lstStyle/>
+                    <a:p>
+                      <a:r>
+                        <a:rPr kumimoji="1" lang="ja-JP" altLang="en-US" sz="1800" b="0" dirty="0"/>
+                        <a:t>シングルセルデータ解析</a:t>
+                      </a:r>
+                    </a:p>
+                  </a:txBody>
+                  <a:tcPr anchor="ctr"/>
+                </a:tc>
+                <a:tc>
+                  <a:txBody>
+                    <a:bodyPr/>
+                    <a:lstStyle/>
+                    <a:p>
+                      <a:pPr marL="0" marR="0" lvl="0" indent="0" algn="l" defTabSz="457200" rtl="0" eaLnBrk="1" fontAlgn="auto" latinLnBrk="0" hangingPunct="1">
+                        <a:lnSpc>
+                          <a:spcPct val="100000"/>
+                        </a:lnSpc>
+                        <a:spcBef>
+                          <a:spcPts val="0"/>
+                        </a:spcBef>
+                        <a:spcAft>
+                          <a:spcPts val="0"/>
+                        </a:spcAft>
+                        <a:buClrTx/>
+                        <a:buSzTx/>
+                        <a:buFontTx/>
+                        <a:buNone/>
+                        <a:tabLst/>
+                        <a:defRPr/>
+                      </a:pPr>
+                      <a:r>
+                        <a:rPr kumimoji="1" lang="ja-JP" altLang="en-US" sz="1800" b="0" dirty="0"/>
+                        <a:t>シングルセル解析の意義、データの取り扱い</a:t>
+                      </a:r>
+                    </a:p>
+                    <a:p>
+                      <a:r>
+                        <a:rPr kumimoji="1" lang="ja-JP" altLang="en-US" sz="1800" b="0" dirty="0"/>
+                        <a:t>次元削減（</a:t>
+                      </a:r>
+                      <a:r>
+                        <a:rPr kumimoji="1" lang="en-US" altLang="ja-JP" sz="1800" b="0" dirty="0"/>
+                        <a:t>PCA</a:t>
+                      </a:r>
+                      <a:r>
+                        <a:rPr kumimoji="1" lang="ja-JP" altLang="en-US" sz="1800" b="0" dirty="0"/>
+                        <a:t>、</a:t>
+                      </a:r>
+                      <a:r>
+                        <a:rPr kumimoji="1" lang="en-US" altLang="ja-JP" sz="1800" b="0" dirty="0"/>
+                        <a:t>t-SNE</a:t>
+                      </a:r>
+                      <a:r>
+                        <a:rPr kumimoji="1" lang="ja-JP" altLang="en-US" sz="1800" b="0" dirty="0"/>
+                        <a:t>、</a:t>
+                      </a:r>
+                      <a:r>
+                        <a:rPr kumimoji="1" lang="en-US" altLang="ja-JP" sz="1800" b="0" dirty="0"/>
+                        <a:t>UMAP</a:t>
+                      </a:r>
+                      <a:r>
+                        <a:rPr kumimoji="1" lang="ja-JP" altLang="en-US" sz="1800" b="0" dirty="0"/>
+                        <a:t>）</a:t>
+                      </a:r>
+                    </a:p>
+                  </a:txBody>
+                  <a:tcPr anchor="ctr"/>
+                </a:tc>
+                <a:extLst>
+                  <a:ext uri="{0D108BD9-81ED-4DB2-BD59-A6C34878D82A}">
+                    <a16:rowId xmlns:a16="http://schemas.microsoft.com/office/drawing/2014/main" val="3648206193"/>
+                  </a:ext>
+                </a:extLst>
+              </a:tr>
+              <a:tr h="0">
+                <a:tc>
+                  <a:txBody>
+                    <a:bodyPr/>
+                    <a:lstStyle/>
+                    <a:p>
+                      <a:pPr algn="ctr"/>
+                      <a:endParaRPr kumimoji="1" lang="ja-JP" altLang="en-US" sz="1800" b="0" dirty="0"/>
+                    </a:p>
+                  </a:txBody>
+                  <a:tcPr anchor="ctr"/>
+                </a:tc>
+                <a:tc>
+                  <a:txBody>
+                    <a:bodyPr/>
+                    <a:lstStyle/>
+                    <a:p>
+                      <a:pPr algn="ctr"/>
+                      <a:r>
+                        <a:rPr kumimoji="1" lang="en-US" altLang="ja-JP" sz="1800" b="0" dirty="0"/>
+                        <a:t>4</a:t>
+                      </a:r>
+                      <a:endParaRPr kumimoji="1" lang="ja-JP" altLang="en-US" sz="1800" b="0" dirty="0"/>
+                    </a:p>
+                  </a:txBody>
+                  <a:tcPr anchor="ctr"/>
+                </a:tc>
+                <a:tc>
+                  <a:txBody>
+                    <a:bodyPr/>
+                    <a:lstStyle/>
+                    <a:p>
+                      <a:r>
+                        <a:rPr kumimoji="1" lang="ja-JP" altLang="en-US" sz="1800" b="0" dirty="0"/>
+                        <a:t>質問コーナー</a:t>
+                      </a:r>
+                    </a:p>
+                  </a:txBody>
+                  <a:tcPr anchor="ctr"/>
+                </a:tc>
+                <a:tc>
+                  <a:txBody>
+                    <a:bodyPr/>
+                    <a:lstStyle/>
+                    <a:p>
+                      <a:endParaRPr kumimoji="1" lang="ja-JP" altLang="en-US" sz="1800" b="0" dirty="0"/>
+                    </a:p>
+                  </a:txBody>
+                  <a:tcPr anchor="ctr"/>
+                </a:tc>
+                <a:extLst>
+                  <a:ext uri="{0D108BD9-81ED-4DB2-BD59-A6C34878D82A}">
+                    <a16:rowId xmlns:a16="http://schemas.microsoft.com/office/drawing/2014/main" val="1720809971"/>
+                  </a:ext>
+                </a:extLst>
+              </a:tr>
+              <a:tr h="165127">
+                <a:tc>
+                  <a:txBody>
+                    <a:bodyPr/>
+                    <a:lstStyle/>
+                    <a:p>
+                      <a:pPr algn="ctr"/>
+                      <a:r>
+                        <a:rPr kumimoji="1" lang="en-US" altLang="ja-JP" sz="1800" b="0" dirty="0"/>
+                        <a:t>2</a:t>
+                      </a:r>
+                      <a:r>
+                        <a:rPr kumimoji="1" lang="ja-JP" altLang="en-US" sz="1800" b="0" dirty="0"/>
+                        <a:t>日目</a:t>
+                      </a:r>
+                    </a:p>
+                  </a:txBody>
+                  <a:tcPr anchor="ctr"/>
+                </a:tc>
+                <a:tc>
+                  <a:txBody>
+                    <a:bodyPr/>
+                    <a:lstStyle/>
+                    <a:p>
+                      <a:pPr algn="ctr"/>
+                      <a:r>
+                        <a:rPr kumimoji="1" lang="en-US" altLang="ja-JP" sz="1800" b="0" dirty="0"/>
+                        <a:t>5</a:t>
+                      </a:r>
+                      <a:endParaRPr kumimoji="1" lang="ja-JP" altLang="en-US" sz="1800" b="0" dirty="0"/>
+                    </a:p>
+                  </a:txBody>
+                  <a:tcPr anchor="ctr"/>
+                </a:tc>
+                <a:tc>
+                  <a:txBody>
+                    <a:bodyPr/>
+                    <a:lstStyle/>
+                    <a:p>
+                      <a:r>
+                        <a:rPr kumimoji="1" lang="ja-JP" altLang="en-US" sz="1800" b="0" dirty="0"/>
+                        <a:t>機械学習法の概要</a:t>
+                      </a:r>
+                    </a:p>
+                  </a:txBody>
+                  <a:tcPr anchor="ctr"/>
+                </a:tc>
+                <a:tc>
+                  <a:txBody>
+                    <a:bodyPr/>
+                    <a:lstStyle/>
+                    <a:p>
+                      <a:r>
+                        <a:rPr kumimoji="1" lang="ja-JP" altLang="en-US" sz="1800" b="0" dirty="0"/>
+                        <a:t>機械学習の基礎</a:t>
+                      </a:r>
+                      <a:endParaRPr kumimoji="1" lang="en-US" altLang="ja-JP" sz="1800" b="0" dirty="0"/>
+                    </a:p>
+                    <a:p>
+                      <a:r>
+                        <a:rPr kumimoji="1" lang="ja-JP" altLang="en-US" sz="1800" b="0" dirty="0"/>
+                        <a:t>分類・予測</a:t>
+                      </a:r>
+                    </a:p>
+                  </a:txBody>
+                  <a:tcPr anchor="ctr"/>
+                </a:tc>
+                <a:extLst>
+                  <a:ext uri="{0D108BD9-81ED-4DB2-BD59-A6C34878D82A}">
+                    <a16:rowId xmlns:a16="http://schemas.microsoft.com/office/drawing/2014/main" val="3520846079"/>
+                  </a:ext>
+                </a:extLst>
+              </a:tr>
+              <a:tr h="0">
+                <a:tc>
+                  <a:txBody>
+                    <a:bodyPr/>
+                    <a:lstStyle/>
+                    <a:p>
+                      <a:pPr algn="ctr"/>
+                      <a:endParaRPr kumimoji="1" lang="ja-JP" altLang="en-US" sz="1800" b="0" dirty="0"/>
+                    </a:p>
+                  </a:txBody>
+                  <a:tcPr anchor="ctr"/>
+                </a:tc>
+                <a:tc>
+                  <a:txBody>
+                    <a:bodyPr/>
+                    <a:lstStyle/>
+                    <a:p>
+                      <a:pPr algn="ctr"/>
+                      <a:r>
+                        <a:rPr kumimoji="1" lang="en-US" altLang="ja-JP" sz="1800" b="0" dirty="0"/>
+                        <a:t>6</a:t>
+                      </a:r>
+                      <a:endParaRPr kumimoji="1" lang="ja-JP" altLang="en-US" sz="1800" b="0" dirty="0"/>
+                    </a:p>
+                  </a:txBody>
+                  <a:tcPr anchor="ctr"/>
+                </a:tc>
+                <a:tc>
+                  <a:txBody>
+                    <a:bodyPr/>
+                    <a:lstStyle/>
+                    <a:p>
+                      <a:r>
+                        <a:rPr kumimoji="1" lang="ja-JP" altLang="en-US" sz="1800" b="0" dirty="0"/>
+                        <a:t>画像</a:t>
+                      </a:r>
+                      <a:r>
+                        <a:rPr kumimoji="1" lang="en-US" altLang="ja-JP" sz="1800" b="0" dirty="0"/>
+                        <a:t>AI</a:t>
+                      </a:r>
+                      <a:r>
+                        <a:rPr kumimoji="1" lang="ja-JP" altLang="en-US" sz="1800" b="0" dirty="0"/>
+                        <a:t>の概要</a:t>
+                      </a:r>
+                    </a:p>
+                  </a:txBody>
+                  <a:tcPr anchor="ctr"/>
+                </a:tc>
+                <a:tc>
+                  <a:txBody>
+                    <a:bodyPr/>
+                    <a:lstStyle/>
+                    <a:p>
+                      <a:pPr marL="0" marR="0" lvl="0" indent="0" algn="l" defTabSz="457200" rtl="0" eaLnBrk="1" fontAlgn="auto" latinLnBrk="0" hangingPunct="1">
+                        <a:lnSpc>
+                          <a:spcPct val="100000"/>
+                        </a:lnSpc>
+                        <a:spcBef>
+                          <a:spcPts val="0"/>
+                        </a:spcBef>
+                        <a:spcAft>
+                          <a:spcPts val="0"/>
+                        </a:spcAft>
+                        <a:buClrTx/>
+                        <a:buSzTx/>
+                        <a:buFontTx/>
+                        <a:buNone/>
+                        <a:tabLst/>
+                        <a:defRPr/>
+                      </a:pPr>
+                      <a:r>
+                        <a:rPr kumimoji="1" lang="ja-JP" altLang="en-US" sz="1800" b="0" dirty="0"/>
+                        <a:t>画像判別・画像分類</a:t>
+                      </a:r>
+                    </a:p>
+                  </a:txBody>
+                  <a:tcPr anchor="ctr"/>
+                </a:tc>
+                <a:extLst>
+                  <a:ext uri="{0D108BD9-81ED-4DB2-BD59-A6C34878D82A}">
+                    <a16:rowId xmlns:a16="http://schemas.microsoft.com/office/drawing/2014/main" val="2215375432"/>
+                  </a:ext>
+                </a:extLst>
+              </a:tr>
+              <a:tr h="0">
+                <a:tc>
+                  <a:txBody>
+                    <a:bodyPr/>
+                    <a:lstStyle/>
+                    <a:p>
+                      <a:pPr algn="ctr"/>
+                      <a:endParaRPr kumimoji="1" lang="ja-JP" altLang="en-US" sz="1800" b="0" dirty="0"/>
+                    </a:p>
+                  </a:txBody>
+                  <a:tcPr anchor="ctr"/>
+                </a:tc>
+                <a:tc>
+                  <a:txBody>
+                    <a:bodyPr/>
+                    <a:lstStyle/>
+                    <a:p>
+                      <a:pPr algn="ctr"/>
+                      <a:r>
+                        <a:rPr kumimoji="1" lang="en-US" altLang="ja-JP" sz="1800" b="0" dirty="0"/>
+                        <a:t>7</a:t>
+                      </a:r>
+                      <a:endParaRPr kumimoji="1" lang="ja-JP" altLang="en-US" sz="1800" b="0" dirty="0"/>
+                    </a:p>
+                  </a:txBody>
+                  <a:tcPr anchor="ctr"/>
+                </a:tc>
+                <a:tc>
+                  <a:txBody>
+                    <a:bodyPr/>
+                    <a:lstStyle/>
+                    <a:p>
+                      <a:pPr marL="0" marR="0" lvl="0" indent="0" algn="l" defTabSz="457200" rtl="0" eaLnBrk="1" fontAlgn="auto" latinLnBrk="0" hangingPunct="1">
+                        <a:lnSpc>
+                          <a:spcPct val="100000"/>
+                        </a:lnSpc>
+                        <a:spcBef>
+                          <a:spcPts val="0"/>
+                        </a:spcBef>
+                        <a:spcAft>
+                          <a:spcPts val="0"/>
+                        </a:spcAft>
+                        <a:buClrTx/>
+                        <a:buSzTx/>
+                        <a:buFontTx/>
+                        <a:buNone/>
+                        <a:tabLst/>
+                        <a:defRPr/>
+                      </a:pPr>
+                      <a:r>
+                        <a:rPr kumimoji="1" lang="ja-JP" altLang="en-US" sz="1800" b="0" i="0" u="none" strike="noStrike" kern="1200" cap="none" spc="0" normalizeH="0" baseline="0" noProof="0">
+                          <a:ln>
+                            <a:noFill/>
+                          </a:ln>
+                          <a:solidFill>
+                            <a:prstClr val="black"/>
+                          </a:solidFill>
+                          <a:effectLst/>
+                          <a:uLnTx/>
+                          <a:uFillTx/>
+                          <a:latin typeface="Meiryo UI"/>
+                          <a:ea typeface="Meiryo UI"/>
+                          <a:cs typeface="+mn-cs"/>
+                        </a:rPr>
+                        <a:t>応用</a:t>
+                      </a:r>
+                      <a:endParaRPr kumimoji="1" lang="ja-JP" altLang="en-US" sz="1800" b="0" i="0" u="none" strike="noStrike" kern="1200" cap="none" spc="0" normalizeH="0" baseline="0" noProof="0" dirty="0">
+                        <a:ln>
+                          <a:noFill/>
+                        </a:ln>
+                        <a:solidFill>
+                          <a:prstClr val="black"/>
+                        </a:solidFill>
+                        <a:effectLst/>
+                        <a:uLnTx/>
+                        <a:uFillTx/>
+                        <a:latin typeface="Meiryo UI"/>
+                        <a:ea typeface="Meiryo UI"/>
+                        <a:cs typeface="+mn-cs"/>
+                      </a:endParaRPr>
+                    </a:p>
+                  </a:txBody>
+                  <a:tcPr anchor="ctr"/>
+                </a:tc>
+                <a:tc>
+                  <a:txBody>
+                    <a:bodyPr/>
+                    <a:lstStyle/>
+                    <a:p>
+                      <a:endParaRPr kumimoji="1" lang="ja-JP" altLang="en-US" sz="1800" b="0" dirty="0"/>
+                    </a:p>
+                  </a:txBody>
+                  <a:tcPr anchor="ctr"/>
+                </a:tc>
+                <a:extLst>
+                  <a:ext uri="{0D108BD9-81ED-4DB2-BD59-A6C34878D82A}">
+                    <a16:rowId xmlns:a16="http://schemas.microsoft.com/office/drawing/2014/main" val="2343400593"/>
+                  </a:ext>
+                </a:extLst>
+              </a:tr>
+              <a:tr h="0">
+                <a:tc>
+                  <a:txBody>
+                    <a:bodyPr/>
+                    <a:lstStyle/>
+                    <a:p>
+                      <a:pPr algn="ctr"/>
+                      <a:endParaRPr kumimoji="1" lang="ja-JP" altLang="en-US" sz="1800" b="0" dirty="0"/>
+                    </a:p>
+                  </a:txBody>
+                  <a:tcPr anchor="ctr"/>
+                </a:tc>
+                <a:tc>
+                  <a:txBody>
+                    <a:bodyPr/>
+                    <a:lstStyle/>
+                    <a:p>
+                      <a:pPr algn="ctr"/>
+                      <a:r>
+                        <a:rPr kumimoji="1" lang="en-US" altLang="ja-JP" sz="1800" b="0" dirty="0"/>
+                        <a:t>8</a:t>
+                      </a:r>
+                      <a:endParaRPr kumimoji="1" lang="ja-JP" altLang="en-US" sz="1800" b="0" dirty="0"/>
+                    </a:p>
+                  </a:txBody>
+                  <a:tcPr anchor="ctr"/>
+                </a:tc>
+                <a:tc>
+                  <a:txBody>
+                    <a:bodyPr/>
+                    <a:lstStyle/>
+                    <a:p>
+                      <a:pPr marL="0" marR="0" lvl="0" indent="0" algn="l" defTabSz="457200" rtl="0" eaLnBrk="1" fontAlgn="auto" latinLnBrk="0" hangingPunct="1">
+                        <a:lnSpc>
+                          <a:spcPct val="100000"/>
+                        </a:lnSpc>
+                        <a:spcBef>
+                          <a:spcPts val="0"/>
+                        </a:spcBef>
+                        <a:spcAft>
+                          <a:spcPts val="0"/>
+                        </a:spcAft>
+                        <a:buClrTx/>
+                        <a:buSzTx/>
+                        <a:buFontTx/>
+                        <a:buNone/>
+                        <a:tabLst/>
+                        <a:defRPr/>
+                      </a:pPr>
+                      <a:r>
+                        <a:rPr kumimoji="1" lang="ja-JP" altLang="en-US" sz="1800" b="0" i="0" u="none" strike="noStrike" kern="1200" cap="none" spc="0" normalizeH="0" baseline="0" noProof="0" dirty="0">
+                          <a:ln>
+                            <a:noFill/>
+                          </a:ln>
+                          <a:solidFill>
+                            <a:prstClr val="black"/>
+                          </a:solidFill>
+                          <a:effectLst/>
+                          <a:uLnTx/>
+                          <a:uFillTx/>
+                          <a:latin typeface="Meiryo UI"/>
+                          <a:ea typeface="Meiryo UI"/>
+                          <a:cs typeface="+mn-cs"/>
+                        </a:rPr>
+                        <a:t>質問コーナー</a:t>
+                      </a:r>
+                    </a:p>
+                  </a:txBody>
+                  <a:tcPr anchor="ctr"/>
+                </a:tc>
+                <a:tc>
+                  <a:txBody>
+                    <a:bodyPr/>
+                    <a:lstStyle/>
+                    <a:p>
+                      <a:endParaRPr kumimoji="1" lang="ja-JP" altLang="en-US" sz="1800" b="0" dirty="0"/>
+                    </a:p>
+                  </a:txBody>
+                  <a:tcPr anchor="ctr"/>
+                </a:tc>
+                <a:extLst>
+                  <a:ext uri="{0D108BD9-81ED-4DB2-BD59-A6C34878D82A}">
+                    <a16:rowId xmlns:a16="http://schemas.microsoft.com/office/drawing/2014/main" val="3528777321"/>
+                  </a:ext>
+                </a:extLst>
+              </a:tr>
+            </a:tbl>
+          </a:graphicData>
+        </a:graphic>
+      </p:graphicFrame>
+      <p:sp>
+        <p:nvSpPr>
+          <p:cNvPr id="3" name="テキスト ボックス 2">
+            <a:extLst>
+              <a:ext uri="{FF2B5EF4-FFF2-40B4-BE49-F238E27FC236}">
+                <a16:creationId xmlns:a16="http://schemas.microsoft.com/office/drawing/2014/main" id="{313E621B-EF53-AE51-708C-A6ECB825136D}"/>
+              </a:ext>
+            </a:extLst>
+          </p:cNvPr>
+          <p:cNvSpPr txBox="1"/>
+          <p:nvPr/>
+        </p:nvSpPr>
+        <p:spPr>
+          <a:xfrm>
+            <a:off x="1664337" y="5894686"/>
+            <a:ext cx="8863324" cy="461665"/>
+          </a:xfrm>
+          <a:prstGeom prst="rect">
+            <a:avLst/>
+          </a:prstGeom>
+          <a:noFill/>
+        </p:spPr>
+        <p:txBody>
+          <a:bodyPr wrap="none" rtlCol="0">
+            <a:spAutoFit/>
+          </a:bodyPr>
+          <a:lstStyle/>
+          <a:p>
+            <a:r>
+              <a:rPr kumimoji="1" lang="ja-JP" altLang="en-US" sz="2400" dirty="0"/>
+              <a:t>両日とも、午後はアドバンスな内容と個別質問・相談などを受け付けます</a:t>
+            </a:r>
+          </a:p>
+        </p:txBody>
+      </p:sp>
+    </p:spTree>
+    <p:extLst>
+      <p:ext uri="{BB962C8B-B14F-4D97-AF65-F5344CB8AC3E}">
+        <p14:creationId xmlns:p14="http://schemas.microsoft.com/office/powerpoint/2010/main" val="4144629360"/>
+      </p:ext>
+    </p:extLst>
+  </p:cSld>
+  <p:clrMapOvr>
+    <a:masterClrMapping/>
+  </p:clrMapOvr>
+</p:sld>
+</file>
+
+<file path=ppt/slides/slide20.xml><?xml version="1.0" encoding="utf-8"?>
 <p:sld xmlns:a="http://schemas.openxmlformats.org/drawingml/2006/main" xmlns:r="http://schemas.openxmlformats.org/officeDocument/2006/relationships" xmlns:p="http://schemas.openxmlformats.org/presentationml/2006/main">
   <p:cSld>
     <p:spTree>
@@ -34329,7 +35675,7 @@
           <a:p>
             <a:fld id="{895CAF78-E814-F147-85DE-99D10320521C}" type="slidenum">
               <a:rPr kumimoji="1" lang="ja-JP" altLang="en-US" smtClean="0"/>
-              <a:t>19</a:t>
+              <a:t>20</a:t>
             </a:fld>
             <a:endParaRPr kumimoji="1" lang="ja-JP" altLang="en-US"/>
           </a:p>
@@ -36586,907 +37932,7 @@
 </p:sld>
 </file>
 
-<file path=ppt/slides/slide2.xml><?xml version="1.0" encoding="utf-8"?>
-<p:sld xmlns:a="http://schemas.openxmlformats.org/drawingml/2006/main" xmlns:r="http://schemas.openxmlformats.org/officeDocument/2006/relationships" xmlns:p="http://schemas.openxmlformats.org/presentationml/2006/main">
-  <p:cSld>
-    <p:spTree>
-      <p:nvGrpSpPr>
-        <p:cNvPr id="1" name=""/>
-        <p:cNvGrpSpPr/>
-        <p:nvPr/>
-      </p:nvGrpSpPr>
-      <p:grpSpPr>
-        <a:xfrm>
-          <a:off x="0" y="0"/>
-          <a:ext cx="0" cy="0"/>
-          <a:chOff x="0" y="0"/>
-          <a:chExt cx="0" cy="0"/>
-        </a:xfrm>
-      </p:grpSpPr>
-      <p:sp>
-        <p:nvSpPr>
-          <p:cNvPr id="5" name="タイトル 4">
-            <a:extLst>
-              <a:ext uri="{FF2B5EF4-FFF2-40B4-BE49-F238E27FC236}">
-                <a16:creationId xmlns:a16="http://schemas.microsoft.com/office/drawing/2014/main" id="{C1FC9F18-50DA-105C-A313-171C2AD0C0F1}"/>
-              </a:ext>
-            </a:extLst>
-          </p:cNvPr>
-          <p:cNvSpPr>
-            <a:spLocks noGrp="1"/>
-          </p:cNvSpPr>
-          <p:nvPr>
-            <p:ph type="title"/>
-          </p:nvPr>
-        </p:nvSpPr>
-        <p:spPr/>
-        <p:txBody>
-          <a:bodyPr>
-            <a:normAutofit fontScale="90000"/>
-          </a:bodyPr>
-          <a:lstStyle/>
-          <a:p>
-            <a:r>
-              <a:rPr lang="ja-JP" altLang="en-US" dirty="0"/>
-              <a:t>バイオ技術：シラバス</a:t>
-            </a:r>
-          </a:p>
-        </p:txBody>
-      </p:sp>
-      <p:sp>
-        <p:nvSpPr>
-          <p:cNvPr id="4" name="スライド番号プレースホルダー 3">
-            <a:extLst>
-              <a:ext uri="{FF2B5EF4-FFF2-40B4-BE49-F238E27FC236}">
-                <a16:creationId xmlns:a16="http://schemas.microsoft.com/office/drawing/2014/main" id="{ADAB212A-6199-0385-7143-9DED346BE670}"/>
-              </a:ext>
-            </a:extLst>
-          </p:cNvPr>
-          <p:cNvSpPr>
-            <a:spLocks noGrp="1"/>
-          </p:cNvSpPr>
-          <p:nvPr>
-            <p:ph type="sldNum" sz="quarter" idx="12"/>
-          </p:nvPr>
-        </p:nvSpPr>
-        <p:spPr/>
-        <p:txBody>
-          <a:bodyPr/>
-          <a:lstStyle/>
-          <a:p>
-            <a:fld id="{895CAF78-E814-F147-85DE-99D10320521C}" type="slidenum">
-              <a:rPr kumimoji="1" lang="ja-JP" altLang="en-US" smtClean="0"/>
-              <a:t>2</a:t>
-            </a:fld>
-            <a:endParaRPr kumimoji="1" lang="ja-JP" altLang="en-US"/>
-          </a:p>
-        </p:txBody>
-      </p:sp>
-      <p:graphicFrame>
-        <p:nvGraphicFramePr>
-          <p:cNvPr id="2" name="表 1">
-            <a:extLst>
-              <a:ext uri="{FF2B5EF4-FFF2-40B4-BE49-F238E27FC236}">
-                <a16:creationId xmlns:a16="http://schemas.microsoft.com/office/drawing/2014/main" id="{528F8E4B-FDBE-2FEA-64C3-2D095EE957DB}"/>
-              </a:ext>
-            </a:extLst>
-          </p:cNvPr>
-          <p:cNvGraphicFramePr>
-            <a:graphicFrameLocks noGrp="1"/>
-          </p:cNvGraphicFramePr>
-          <p:nvPr>
-            <p:extLst>
-              <p:ext uri="{D42A27DB-BD31-4B8C-83A1-F6EECF244321}">
-                <p14:modId xmlns:p14="http://schemas.microsoft.com/office/powerpoint/2010/main" val="815725271"/>
-              </p:ext>
-            </p:extLst>
-          </p:nvPr>
-        </p:nvGraphicFramePr>
-        <p:xfrm>
-          <a:off x="1285388" y="1234440"/>
-          <a:ext cx="9621223" cy="4389120"/>
-        </p:xfrm>
-        <a:graphic>
-          <a:graphicData uri="http://schemas.openxmlformats.org/drawingml/2006/table">
-            <a:tbl>
-              <a:tblPr firstRow="1" bandRow="1">
-                <a:tableStyleId>{93296810-A885-4BE3-A3E7-6D5BEEA58F35}</a:tableStyleId>
-              </a:tblPr>
-              <a:tblGrid>
-                <a:gridCol w="941058">
-                  <a:extLst>
-                    <a:ext uri="{9D8B030D-6E8A-4147-A177-3AD203B41FA5}">
-                      <a16:colId xmlns:a16="http://schemas.microsoft.com/office/drawing/2014/main" val="2758469367"/>
-                    </a:ext>
-                  </a:extLst>
-                </a:gridCol>
-                <a:gridCol w="791651">
-                  <a:extLst>
-                    <a:ext uri="{9D8B030D-6E8A-4147-A177-3AD203B41FA5}">
-                      <a16:colId xmlns:a16="http://schemas.microsoft.com/office/drawing/2014/main" val="1809397895"/>
-                    </a:ext>
-                  </a:extLst>
-                </a:gridCol>
-                <a:gridCol w="2346643">
-                  <a:extLst>
-                    <a:ext uri="{9D8B030D-6E8A-4147-A177-3AD203B41FA5}">
-                      <a16:colId xmlns:a16="http://schemas.microsoft.com/office/drawing/2014/main" val="3098326455"/>
-                    </a:ext>
-                  </a:extLst>
-                </a:gridCol>
-                <a:gridCol w="5541871">
-                  <a:extLst>
-                    <a:ext uri="{9D8B030D-6E8A-4147-A177-3AD203B41FA5}">
-                      <a16:colId xmlns:a16="http://schemas.microsoft.com/office/drawing/2014/main" val="2533419394"/>
-                    </a:ext>
-                  </a:extLst>
-                </a:gridCol>
-              </a:tblGrid>
-              <a:tr h="0">
-                <a:tc>
-                  <a:txBody>
-                    <a:bodyPr/>
-                    <a:lstStyle/>
-                    <a:p>
-                      <a:r>
-                        <a:rPr kumimoji="1" lang="ja-JP" altLang="en-US" sz="1800" dirty="0"/>
-                        <a:t>日付</a:t>
-                      </a:r>
-                    </a:p>
-                  </a:txBody>
-                  <a:tcPr anchor="ctr"/>
-                </a:tc>
-                <a:tc>
-                  <a:txBody>
-                    <a:bodyPr/>
-                    <a:lstStyle/>
-                    <a:p>
-                      <a:r>
-                        <a:rPr kumimoji="1" lang="ja-JP" altLang="en-US" sz="1800" dirty="0"/>
-                        <a:t>回数</a:t>
-                      </a:r>
-                    </a:p>
-                  </a:txBody>
-                  <a:tcPr anchor="ctr"/>
-                </a:tc>
-                <a:tc>
-                  <a:txBody>
-                    <a:bodyPr/>
-                    <a:lstStyle/>
-                    <a:p>
-                      <a:r>
-                        <a:rPr kumimoji="1" lang="ja-JP" altLang="en-US" sz="1800" dirty="0"/>
-                        <a:t>授業内容</a:t>
-                      </a:r>
-                    </a:p>
-                  </a:txBody>
-                  <a:tcPr anchor="ctr"/>
-                </a:tc>
-                <a:tc>
-                  <a:txBody>
-                    <a:bodyPr/>
-                    <a:lstStyle/>
-                    <a:p>
-                      <a:r>
-                        <a:rPr kumimoji="1" lang="ja-JP" altLang="en-US" sz="1800" dirty="0"/>
-                        <a:t>キーワード</a:t>
-                      </a:r>
-                      <a:endParaRPr kumimoji="1" lang="en-US" altLang="ja-JP" sz="1800" dirty="0"/>
-                    </a:p>
-                  </a:txBody>
-                  <a:tcPr anchor="ctr"/>
-                </a:tc>
-                <a:extLst>
-                  <a:ext uri="{0D108BD9-81ED-4DB2-BD59-A6C34878D82A}">
-                    <a16:rowId xmlns:a16="http://schemas.microsoft.com/office/drawing/2014/main" val="3770844526"/>
-                  </a:ext>
-                </a:extLst>
-              </a:tr>
-              <a:tr h="165127">
-                <a:tc>
-                  <a:txBody>
-                    <a:bodyPr/>
-                    <a:lstStyle/>
-                    <a:p>
-                      <a:pPr algn="ctr"/>
-                      <a:r>
-                        <a:rPr kumimoji="1" lang="en-US" altLang="ja-JP" sz="1800" b="0" dirty="0"/>
-                        <a:t>1</a:t>
-                      </a:r>
-                      <a:r>
-                        <a:rPr kumimoji="1" lang="ja-JP" altLang="en-US" sz="1800" b="0" dirty="0"/>
-                        <a:t>日目</a:t>
-                      </a:r>
-                    </a:p>
-                  </a:txBody>
-                  <a:tcPr anchor="ctr"/>
-                </a:tc>
-                <a:tc>
-                  <a:txBody>
-                    <a:bodyPr/>
-                    <a:lstStyle/>
-                    <a:p>
-                      <a:pPr algn="ctr"/>
-                      <a:r>
-                        <a:rPr kumimoji="1" lang="en-US" altLang="ja-JP" sz="1800" b="0" dirty="0"/>
-                        <a:t>1</a:t>
-                      </a:r>
-                      <a:endParaRPr kumimoji="1" lang="ja-JP" altLang="en-US" sz="1800" b="0" dirty="0"/>
-                    </a:p>
-                  </a:txBody>
-                  <a:tcPr anchor="ctr"/>
-                </a:tc>
-                <a:tc>
-                  <a:txBody>
-                    <a:bodyPr/>
-                    <a:lstStyle/>
-                    <a:p>
-                      <a:r>
-                        <a:rPr kumimoji="1" lang="ja-JP" altLang="en-US" sz="1800" b="0" dirty="0"/>
-                        <a:t>基礎</a:t>
-                      </a:r>
-                    </a:p>
-                  </a:txBody>
-                  <a:tcPr anchor="ctr"/>
-                </a:tc>
-                <a:tc>
-                  <a:txBody>
-                    <a:bodyPr/>
-                    <a:lstStyle/>
-                    <a:p>
-                      <a:r>
-                        <a:rPr kumimoji="1" lang="en-US" altLang="ja-JP" sz="1800" b="0" dirty="0" err="1"/>
-                        <a:t>colab</a:t>
-                      </a:r>
-                      <a:r>
-                        <a:rPr kumimoji="1" lang="ja-JP" altLang="en-US" sz="1800" b="0" dirty="0"/>
-                        <a:t>の使い方</a:t>
-                      </a:r>
-                      <a:endParaRPr kumimoji="1" lang="en-US" altLang="ja-JP" sz="1800" b="0" dirty="0"/>
-                    </a:p>
-                    <a:p>
-                      <a:r>
-                        <a:rPr kumimoji="1" lang="en-US" altLang="ja-JP" sz="1800" b="0" dirty="0"/>
-                        <a:t>TPM</a:t>
-                      </a:r>
-                      <a:r>
-                        <a:rPr kumimoji="1" lang="ja-JP" altLang="en-US" sz="1800" b="0" dirty="0"/>
-                        <a:t>データの読み込み、発現分布の確認</a:t>
-                      </a:r>
-                      <a:endParaRPr kumimoji="1" lang="ja-JP" altLang="en-US" sz="1800" b="1" dirty="0"/>
-                    </a:p>
-                  </a:txBody>
-                  <a:tcPr anchor="ctr"/>
-                </a:tc>
-                <a:extLst>
-                  <a:ext uri="{0D108BD9-81ED-4DB2-BD59-A6C34878D82A}">
-                    <a16:rowId xmlns:a16="http://schemas.microsoft.com/office/drawing/2014/main" val="73351816"/>
-                  </a:ext>
-                </a:extLst>
-              </a:tr>
-              <a:tr h="165127">
-                <a:tc>
-                  <a:txBody>
-                    <a:bodyPr/>
-                    <a:lstStyle/>
-                    <a:p>
-                      <a:pPr algn="ctr"/>
-                      <a:endParaRPr kumimoji="1" lang="ja-JP" altLang="en-US" sz="1800" b="0" dirty="0"/>
-                    </a:p>
-                  </a:txBody>
-                  <a:tcPr anchor="ctr"/>
-                </a:tc>
-                <a:tc>
-                  <a:txBody>
-                    <a:bodyPr/>
-                    <a:lstStyle/>
-                    <a:p>
-                      <a:pPr algn="ctr"/>
-                      <a:r>
-                        <a:rPr kumimoji="1" lang="en-US" altLang="ja-JP" sz="1800" b="0" dirty="0"/>
-                        <a:t>2</a:t>
-                      </a:r>
-                      <a:endParaRPr kumimoji="1" lang="ja-JP" altLang="en-US" sz="1800" b="0" dirty="0"/>
-                    </a:p>
-                  </a:txBody>
-                  <a:tcPr anchor="ctr"/>
-                </a:tc>
-                <a:tc>
-                  <a:txBody>
-                    <a:bodyPr/>
-                    <a:lstStyle/>
-                    <a:p>
-                      <a:r>
-                        <a:rPr kumimoji="1" lang="en-US" altLang="ja-JP" sz="1800" b="0" dirty="0"/>
-                        <a:t>RNA-seq</a:t>
-                      </a:r>
-                      <a:r>
-                        <a:rPr kumimoji="1" lang="ja-JP" altLang="en-US" sz="1800" b="0" dirty="0"/>
-                        <a:t>データ解析</a:t>
-                      </a:r>
-                    </a:p>
-                  </a:txBody>
-                  <a:tcPr anchor="ctr"/>
-                </a:tc>
-                <a:tc>
-                  <a:txBody>
-                    <a:bodyPr/>
-                    <a:lstStyle/>
-                    <a:p>
-                      <a:r>
-                        <a:rPr kumimoji="1" lang="ja-JP" altLang="en-US" sz="1800" b="0" dirty="0"/>
-                        <a:t>サンプル間の類似度（階層的クラスタリング）</a:t>
-                      </a:r>
-                      <a:endParaRPr kumimoji="1" lang="en-US" altLang="ja-JP" sz="1800" b="0" dirty="0"/>
-                    </a:p>
-                    <a:p>
-                      <a:pPr marL="0" marR="0" lvl="0" indent="0" algn="l" defTabSz="457200" rtl="0" eaLnBrk="1" fontAlgn="auto" latinLnBrk="0" hangingPunct="1">
-                        <a:lnSpc>
-                          <a:spcPct val="100000"/>
-                        </a:lnSpc>
-                        <a:spcBef>
-                          <a:spcPts val="0"/>
-                        </a:spcBef>
-                        <a:spcAft>
-                          <a:spcPts val="0"/>
-                        </a:spcAft>
-                        <a:buClrTx/>
-                        <a:buSzTx/>
-                        <a:buFontTx/>
-                        <a:buNone/>
-                        <a:tabLst/>
-                        <a:defRPr/>
-                      </a:pPr>
-                      <a:r>
-                        <a:rPr kumimoji="1" lang="ja-JP" altLang="en-US" sz="1800" b="0" dirty="0"/>
-                        <a:t>発現変動遺伝子の抽出（ボルケーノプロット）</a:t>
-                      </a:r>
-                    </a:p>
-                  </a:txBody>
-                  <a:tcPr anchor="ctr"/>
-                </a:tc>
-                <a:extLst>
-                  <a:ext uri="{0D108BD9-81ED-4DB2-BD59-A6C34878D82A}">
-                    <a16:rowId xmlns:a16="http://schemas.microsoft.com/office/drawing/2014/main" val="783916811"/>
-                  </a:ext>
-                </a:extLst>
-              </a:tr>
-              <a:tr h="165127">
-                <a:tc>
-                  <a:txBody>
-                    <a:bodyPr/>
-                    <a:lstStyle/>
-                    <a:p>
-                      <a:pPr algn="ctr"/>
-                      <a:endParaRPr kumimoji="1" lang="ja-JP" altLang="en-US" sz="1800" b="0" dirty="0"/>
-                    </a:p>
-                  </a:txBody>
-                  <a:tcPr anchor="ctr"/>
-                </a:tc>
-                <a:tc>
-                  <a:txBody>
-                    <a:bodyPr/>
-                    <a:lstStyle/>
-                    <a:p>
-                      <a:pPr algn="ctr"/>
-                      <a:r>
-                        <a:rPr kumimoji="1" lang="en-US" altLang="ja-JP" sz="1800" b="0" dirty="0"/>
-                        <a:t>3</a:t>
-                      </a:r>
-                      <a:endParaRPr kumimoji="1" lang="ja-JP" altLang="en-US" sz="1800" b="0" dirty="0"/>
-                    </a:p>
-                  </a:txBody>
-                  <a:tcPr anchor="ctr"/>
-                </a:tc>
-                <a:tc>
-                  <a:txBody>
-                    <a:bodyPr/>
-                    <a:lstStyle/>
-                    <a:p>
-                      <a:r>
-                        <a:rPr kumimoji="1" lang="ja-JP" altLang="en-US" sz="1800" b="0" dirty="0"/>
-                        <a:t>シングルセルデータ解析</a:t>
-                      </a:r>
-                    </a:p>
-                  </a:txBody>
-                  <a:tcPr anchor="ctr"/>
-                </a:tc>
-                <a:tc>
-                  <a:txBody>
-                    <a:bodyPr/>
-                    <a:lstStyle/>
-                    <a:p>
-                      <a:pPr marL="0" marR="0" lvl="0" indent="0" algn="l" defTabSz="457200" rtl="0" eaLnBrk="1" fontAlgn="auto" latinLnBrk="0" hangingPunct="1">
-                        <a:lnSpc>
-                          <a:spcPct val="100000"/>
-                        </a:lnSpc>
-                        <a:spcBef>
-                          <a:spcPts val="0"/>
-                        </a:spcBef>
-                        <a:spcAft>
-                          <a:spcPts val="0"/>
-                        </a:spcAft>
-                        <a:buClrTx/>
-                        <a:buSzTx/>
-                        <a:buFontTx/>
-                        <a:buNone/>
-                        <a:tabLst/>
-                        <a:defRPr/>
-                      </a:pPr>
-                      <a:r>
-                        <a:rPr kumimoji="1" lang="ja-JP" altLang="en-US" sz="1800" b="0" dirty="0"/>
-                        <a:t>シングルセル解析の意義、データの取り扱い</a:t>
-                      </a:r>
-                    </a:p>
-                    <a:p>
-                      <a:r>
-                        <a:rPr kumimoji="1" lang="ja-JP" altLang="en-US" sz="1800" b="0" dirty="0"/>
-                        <a:t>次元削減（</a:t>
-                      </a:r>
-                      <a:r>
-                        <a:rPr kumimoji="1" lang="en-US" altLang="ja-JP" sz="1800" b="0" dirty="0"/>
-                        <a:t>PCA</a:t>
-                      </a:r>
-                      <a:r>
-                        <a:rPr kumimoji="1" lang="ja-JP" altLang="en-US" sz="1800" b="0" dirty="0"/>
-                        <a:t>、</a:t>
-                      </a:r>
-                      <a:r>
-                        <a:rPr kumimoji="1" lang="en-US" altLang="ja-JP" sz="1800" b="0" dirty="0"/>
-                        <a:t>t-SNE</a:t>
-                      </a:r>
-                      <a:r>
-                        <a:rPr kumimoji="1" lang="ja-JP" altLang="en-US" sz="1800" b="0" dirty="0"/>
-                        <a:t>、</a:t>
-                      </a:r>
-                      <a:r>
-                        <a:rPr kumimoji="1" lang="en-US" altLang="ja-JP" sz="1800" b="0" dirty="0"/>
-                        <a:t>UMAP</a:t>
-                      </a:r>
-                      <a:r>
-                        <a:rPr kumimoji="1" lang="ja-JP" altLang="en-US" sz="1800" b="0" dirty="0"/>
-                        <a:t>）</a:t>
-                      </a:r>
-                    </a:p>
-                  </a:txBody>
-                  <a:tcPr anchor="ctr"/>
-                </a:tc>
-                <a:extLst>
-                  <a:ext uri="{0D108BD9-81ED-4DB2-BD59-A6C34878D82A}">
-                    <a16:rowId xmlns:a16="http://schemas.microsoft.com/office/drawing/2014/main" val="3648206193"/>
-                  </a:ext>
-                </a:extLst>
-              </a:tr>
-              <a:tr h="0">
-                <a:tc>
-                  <a:txBody>
-                    <a:bodyPr/>
-                    <a:lstStyle/>
-                    <a:p>
-                      <a:pPr algn="ctr"/>
-                      <a:endParaRPr kumimoji="1" lang="ja-JP" altLang="en-US" sz="1800" b="0" dirty="0"/>
-                    </a:p>
-                  </a:txBody>
-                  <a:tcPr anchor="ctr"/>
-                </a:tc>
-                <a:tc>
-                  <a:txBody>
-                    <a:bodyPr/>
-                    <a:lstStyle/>
-                    <a:p>
-                      <a:pPr algn="ctr"/>
-                      <a:r>
-                        <a:rPr kumimoji="1" lang="en-US" altLang="ja-JP" sz="1800" b="0" dirty="0"/>
-                        <a:t>4</a:t>
-                      </a:r>
-                      <a:endParaRPr kumimoji="1" lang="ja-JP" altLang="en-US" sz="1800" b="0" dirty="0"/>
-                    </a:p>
-                  </a:txBody>
-                  <a:tcPr anchor="ctr"/>
-                </a:tc>
-                <a:tc>
-                  <a:txBody>
-                    <a:bodyPr/>
-                    <a:lstStyle/>
-                    <a:p>
-                      <a:r>
-                        <a:rPr kumimoji="1" lang="ja-JP" altLang="en-US" sz="1800" b="0" dirty="0"/>
-                        <a:t>質問コーナー</a:t>
-                      </a:r>
-                    </a:p>
-                  </a:txBody>
-                  <a:tcPr anchor="ctr"/>
-                </a:tc>
-                <a:tc>
-                  <a:txBody>
-                    <a:bodyPr/>
-                    <a:lstStyle/>
-                    <a:p>
-                      <a:endParaRPr kumimoji="1" lang="ja-JP" altLang="en-US" sz="1800" b="0" dirty="0"/>
-                    </a:p>
-                  </a:txBody>
-                  <a:tcPr anchor="ctr"/>
-                </a:tc>
-                <a:extLst>
-                  <a:ext uri="{0D108BD9-81ED-4DB2-BD59-A6C34878D82A}">
-                    <a16:rowId xmlns:a16="http://schemas.microsoft.com/office/drawing/2014/main" val="1720809971"/>
-                  </a:ext>
-                </a:extLst>
-              </a:tr>
-              <a:tr h="165127">
-                <a:tc>
-                  <a:txBody>
-                    <a:bodyPr/>
-                    <a:lstStyle/>
-                    <a:p>
-                      <a:pPr algn="ctr"/>
-                      <a:r>
-                        <a:rPr kumimoji="1" lang="en-US" altLang="ja-JP" sz="1800" b="0" dirty="0"/>
-                        <a:t>2</a:t>
-                      </a:r>
-                      <a:r>
-                        <a:rPr kumimoji="1" lang="ja-JP" altLang="en-US" sz="1800" b="0" dirty="0"/>
-                        <a:t>日目</a:t>
-                      </a:r>
-                    </a:p>
-                  </a:txBody>
-                  <a:tcPr anchor="ctr"/>
-                </a:tc>
-                <a:tc>
-                  <a:txBody>
-                    <a:bodyPr/>
-                    <a:lstStyle/>
-                    <a:p>
-                      <a:pPr algn="ctr"/>
-                      <a:r>
-                        <a:rPr kumimoji="1" lang="en-US" altLang="ja-JP" sz="1800" b="0" dirty="0"/>
-                        <a:t>5</a:t>
-                      </a:r>
-                      <a:endParaRPr kumimoji="1" lang="ja-JP" altLang="en-US" sz="1800" b="0" dirty="0"/>
-                    </a:p>
-                  </a:txBody>
-                  <a:tcPr anchor="ctr"/>
-                </a:tc>
-                <a:tc>
-                  <a:txBody>
-                    <a:bodyPr/>
-                    <a:lstStyle/>
-                    <a:p>
-                      <a:r>
-                        <a:rPr kumimoji="1" lang="ja-JP" altLang="en-US" sz="1800" b="0" dirty="0"/>
-                        <a:t>機械学習①</a:t>
-                      </a:r>
-                    </a:p>
-                  </a:txBody>
-                  <a:tcPr anchor="ctr"/>
-                </a:tc>
-                <a:tc>
-                  <a:txBody>
-                    <a:bodyPr/>
-                    <a:lstStyle/>
-                    <a:p>
-                      <a:r>
-                        <a:rPr kumimoji="1" lang="ja-JP" altLang="en-US" sz="1800" b="0" dirty="0"/>
-                        <a:t>機械学習の基礎</a:t>
-                      </a:r>
-                      <a:endParaRPr kumimoji="1" lang="en-US" altLang="ja-JP" sz="1800" b="0" dirty="0"/>
-                    </a:p>
-                    <a:p>
-                      <a:r>
-                        <a:rPr kumimoji="1" lang="ja-JP" altLang="en-US" sz="1800" b="0" dirty="0"/>
-                        <a:t>分類・予測</a:t>
-                      </a:r>
-                    </a:p>
-                  </a:txBody>
-                  <a:tcPr anchor="ctr"/>
-                </a:tc>
-                <a:extLst>
-                  <a:ext uri="{0D108BD9-81ED-4DB2-BD59-A6C34878D82A}">
-                    <a16:rowId xmlns:a16="http://schemas.microsoft.com/office/drawing/2014/main" val="3520846079"/>
-                  </a:ext>
-                </a:extLst>
-              </a:tr>
-              <a:tr h="0">
-                <a:tc>
-                  <a:txBody>
-                    <a:bodyPr/>
-                    <a:lstStyle/>
-                    <a:p>
-                      <a:pPr algn="ctr"/>
-                      <a:endParaRPr kumimoji="1" lang="ja-JP" altLang="en-US" sz="1800" b="0" dirty="0"/>
-                    </a:p>
-                  </a:txBody>
-                  <a:tcPr anchor="ctr"/>
-                </a:tc>
-                <a:tc>
-                  <a:txBody>
-                    <a:bodyPr/>
-                    <a:lstStyle/>
-                    <a:p>
-                      <a:pPr algn="ctr"/>
-                      <a:r>
-                        <a:rPr kumimoji="1" lang="en-US" altLang="ja-JP" sz="1800" b="0" dirty="0"/>
-                        <a:t>6</a:t>
-                      </a:r>
-                      <a:endParaRPr kumimoji="1" lang="ja-JP" altLang="en-US" sz="1800" b="0" dirty="0"/>
-                    </a:p>
-                  </a:txBody>
-                  <a:tcPr anchor="ctr"/>
-                </a:tc>
-                <a:tc>
-                  <a:txBody>
-                    <a:bodyPr/>
-                    <a:lstStyle/>
-                    <a:p>
-                      <a:r>
-                        <a:rPr kumimoji="1" lang="ja-JP" altLang="en-US" sz="1800" b="0" dirty="0"/>
-                        <a:t>機械学習②</a:t>
-                      </a:r>
-                    </a:p>
-                  </a:txBody>
-                  <a:tcPr anchor="ctr"/>
-                </a:tc>
-                <a:tc>
-                  <a:txBody>
-                    <a:bodyPr/>
-                    <a:lstStyle/>
-                    <a:p>
-                      <a:pPr marL="0" marR="0" lvl="0" indent="0" algn="l" defTabSz="457200" rtl="0" eaLnBrk="1" fontAlgn="auto" latinLnBrk="0" hangingPunct="1">
-                        <a:lnSpc>
-                          <a:spcPct val="100000"/>
-                        </a:lnSpc>
-                        <a:spcBef>
-                          <a:spcPts val="0"/>
-                        </a:spcBef>
-                        <a:spcAft>
-                          <a:spcPts val="0"/>
-                        </a:spcAft>
-                        <a:buClrTx/>
-                        <a:buSzTx/>
-                        <a:buFontTx/>
-                        <a:buNone/>
-                        <a:tabLst/>
-                        <a:defRPr/>
-                      </a:pPr>
-                      <a:r>
-                        <a:rPr kumimoji="1" lang="ja-JP" altLang="en-US" sz="1800" b="0" dirty="0"/>
-                        <a:t>画像判別・画像分類</a:t>
-                      </a:r>
-                    </a:p>
-                  </a:txBody>
-                  <a:tcPr anchor="ctr"/>
-                </a:tc>
-                <a:extLst>
-                  <a:ext uri="{0D108BD9-81ED-4DB2-BD59-A6C34878D82A}">
-                    <a16:rowId xmlns:a16="http://schemas.microsoft.com/office/drawing/2014/main" val="2215375432"/>
-                  </a:ext>
-                </a:extLst>
-              </a:tr>
-              <a:tr h="0">
-                <a:tc>
-                  <a:txBody>
-                    <a:bodyPr/>
-                    <a:lstStyle/>
-                    <a:p>
-                      <a:pPr algn="ctr"/>
-                      <a:endParaRPr kumimoji="1" lang="ja-JP" altLang="en-US" sz="1800" b="0" dirty="0"/>
-                    </a:p>
-                  </a:txBody>
-                  <a:tcPr anchor="ctr"/>
-                </a:tc>
-                <a:tc>
-                  <a:txBody>
-                    <a:bodyPr/>
-                    <a:lstStyle/>
-                    <a:p>
-                      <a:pPr algn="ctr"/>
-                      <a:r>
-                        <a:rPr kumimoji="1" lang="en-US" altLang="ja-JP" sz="1800" b="0" dirty="0"/>
-                        <a:t>7</a:t>
-                      </a:r>
-                      <a:endParaRPr kumimoji="1" lang="ja-JP" altLang="en-US" sz="1800" b="0" dirty="0"/>
-                    </a:p>
-                  </a:txBody>
-                  <a:tcPr anchor="ctr"/>
-                </a:tc>
-                <a:tc>
-                  <a:txBody>
-                    <a:bodyPr/>
-                    <a:lstStyle/>
-                    <a:p>
-                      <a:pPr marL="0" marR="0" lvl="0" indent="0" algn="l" defTabSz="457200" rtl="0" eaLnBrk="1" fontAlgn="auto" latinLnBrk="0" hangingPunct="1">
-                        <a:lnSpc>
-                          <a:spcPct val="100000"/>
-                        </a:lnSpc>
-                        <a:spcBef>
-                          <a:spcPts val="0"/>
-                        </a:spcBef>
-                        <a:spcAft>
-                          <a:spcPts val="0"/>
-                        </a:spcAft>
-                        <a:buClrTx/>
-                        <a:buSzTx/>
-                        <a:buFontTx/>
-                        <a:buNone/>
-                        <a:tabLst/>
-                        <a:defRPr/>
-                      </a:pPr>
-                      <a:r>
-                        <a:rPr kumimoji="1" lang="ja-JP" altLang="en-US" sz="1800" b="0" i="0" u="none" strike="noStrike" kern="1200" cap="none" spc="0" normalizeH="0" baseline="0" noProof="0" dirty="0">
-                          <a:ln>
-                            <a:noFill/>
-                          </a:ln>
-                          <a:solidFill>
-                            <a:prstClr val="black"/>
-                          </a:solidFill>
-                          <a:effectLst/>
-                          <a:uLnTx/>
-                          <a:uFillTx/>
-                          <a:latin typeface="Meiryo UI"/>
-                          <a:ea typeface="Meiryo UI"/>
-                          <a:cs typeface="+mn-cs"/>
-                        </a:rPr>
-                        <a:t>質問コーナー</a:t>
-                      </a:r>
-                    </a:p>
-                  </a:txBody>
-                  <a:tcPr anchor="ctr"/>
-                </a:tc>
-                <a:tc>
-                  <a:txBody>
-                    <a:bodyPr/>
-                    <a:lstStyle/>
-                    <a:p>
-                      <a:endParaRPr kumimoji="1" lang="ja-JP" altLang="en-US" sz="1800" b="0" dirty="0"/>
-                    </a:p>
-                  </a:txBody>
-                  <a:tcPr anchor="ctr"/>
-                </a:tc>
-                <a:extLst>
-                  <a:ext uri="{0D108BD9-81ED-4DB2-BD59-A6C34878D82A}">
-                    <a16:rowId xmlns:a16="http://schemas.microsoft.com/office/drawing/2014/main" val="2343400593"/>
-                  </a:ext>
-                </a:extLst>
-              </a:tr>
-              <a:tr h="0">
-                <a:tc>
-                  <a:txBody>
-                    <a:bodyPr/>
-                    <a:lstStyle/>
-                    <a:p>
-                      <a:pPr algn="ctr"/>
-                      <a:endParaRPr kumimoji="1" lang="ja-JP" altLang="en-US" sz="1800" b="0" dirty="0"/>
-                    </a:p>
-                  </a:txBody>
-                  <a:tcPr anchor="ctr"/>
-                </a:tc>
-                <a:tc>
-                  <a:txBody>
-                    <a:bodyPr/>
-                    <a:lstStyle/>
-                    <a:p>
-                      <a:pPr algn="ctr"/>
-                      <a:r>
-                        <a:rPr kumimoji="1" lang="en-US" altLang="ja-JP" sz="1800" b="0" dirty="0"/>
-                        <a:t>8</a:t>
-                      </a:r>
-                      <a:endParaRPr kumimoji="1" lang="ja-JP" altLang="en-US" sz="1800" b="0" dirty="0"/>
-                    </a:p>
-                  </a:txBody>
-                  <a:tcPr anchor="ctr"/>
-                </a:tc>
-                <a:tc>
-                  <a:txBody>
-                    <a:bodyPr/>
-                    <a:lstStyle/>
-                    <a:p>
-                      <a:pPr marL="0" marR="0" lvl="0" indent="0" algn="l" defTabSz="457200" rtl="0" eaLnBrk="1" fontAlgn="auto" latinLnBrk="0" hangingPunct="1">
-                        <a:lnSpc>
-                          <a:spcPct val="100000"/>
-                        </a:lnSpc>
-                        <a:spcBef>
-                          <a:spcPts val="0"/>
-                        </a:spcBef>
-                        <a:spcAft>
-                          <a:spcPts val="0"/>
-                        </a:spcAft>
-                        <a:buClrTx/>
-                        <a:buSzTx/>
-                        <a:buFontTx/>
-                        <a:buNone/>
-                        <a:tabLst/>
-                        <a:defRPr/>
-                      </a:pPr>
-                      <a:r>
-                        <a:rPr kumimoji="1" lang="ja-JP" altLang="en-US" sz="1800" b="0" i="0" u="none" strike="noStrike" kern="1200" cap="none" spc="0" normalizeH="0" baseline="0" noProof="0" dirty="0">
-                          <a:ln>
-                            <a:noFill/>
-                          </a:ln>
-                          <a:solidFill>
-                            <a:prstClr val="black"/>
-                          </a:solidFill>
-                          <a:effectLst/>
-                          <a:uLnTx/>
-                          <a:uFillTx/>
-                          <a:latin typeface="Meiryo UI"/>
-                          <a:ea typeface="Meiryo UI"/>
-                          <a:cs typeface="+mn-cs"/>
-                        </a:rPr>
-                        <a:t>質問コーナー</a:t>
-                      </a:r>
-                    </a:p>
-                  </a:txBody>
-                  <a:tcPr anchor="ctr"/>
-                </a:tc>
-                <a:tc>
-                  <a:txBody>
-                    <a:bodyPr/>
-                    <a:lstStyle/>
-                    <a:p>
-                      <a:endParaRPr kumimoji="1" lang="ja-JP" altLang="en-US" sz="1800" b="0" dirty="0"/>
-                    </a:p>
-                  </a:txBody>
-                  <a:tcPr anchor="ctr"/>
-                </a:tc>
-                <a:extLst>
-                  <a:ext uri="{0D108BD9-81ED-4DB2-BD59-A6C34878D82A}">
-                    <a16:rowId xmlns:a16="http://schemas.microsoft.com/office/drawing/2014/main" val="3528777321"/>
-                  </a:ext>
-                </a:extLst>
-              </a:tr>
-            </a:tbl>
-          </a:graphicData>
-        </a:graphic>
-      </p:graphicFrame>
-      <p:sp>
-        <p:nvSpPr>
-          <p:cNvPr id="3" name="テキスト ボックス 2">
-            <a:extLst>
-              <a:ext uri="{FF2B5EF4-FFF2-40B4-BE49-F238E27FC236}">
-                <a16:creationId xmlns:a16="http://schemas.microsoft.com/office/drawing/2014/main" id="{313E621B-EF53-AE51-708C-A6ECB825136D}"/>
-              </a:ext>
-            </a:extLst>
-          </p:cNvPr>
-          <p:cNvSpPr txBox="1"/>
-          <p:nvPr/>
-        </p:nvSpPr>
-        <p:spPr>
-          <a:xfrm>
-            <a:off x="1664337" y="5894686"/>
-            <a:ext cx="8863324" cy="461665"/>
-          </a:xfrm>
-          <a:prstGeom prst="rect">
-            <a:avLst/>
-          </a:prstGeom>
-          <a:noFill/>
-        </p:spPr>
-        <p:txBody>
-          <a:bodyPr wrap="none" rtlCol="0">
-            <a:spAutoFit/>
-          </a:bodyPr>
-          <a:lstStyle/>
-          <a:p>
-            <a:r>
-              <a:rPr kumimoji="1" lang="ja-JP" altLang="en-US" sz="2400" dirty="0"/>
-              <a:t>両日とも、午後はアドバンスな内容と個別質問・相談などを受け付けます</a:t>
-            </a:r>
-          </a:p>
-        </p:txBody>
-      </p:sp>
-    </p:spTree>
-    <p:extLst>
-      <p:ext uri="{BB962C8B-B14F-4D97-AF65-F5344CB8AC3E}">
-        <p14:creationId xmlns:p14="http://schemas.microsoft.com/office/powerpoint/2010/main" val="4144629360"/>
-      </p:ext>
-    </p:extLst>
-  </p:cSld>
-  <p:clrMapOvr>
-    <a:masterClrMapping/>
-  </p:clrMapOvr>
-</p:sld>
-</file>
-
-<file path=ppt/slides/slide20.xml><?xml version="1.0" encoding="utf-8"?>
+<file path=ppt/slides/slide21.xml><?xml version="1.0" encoding="utf-8"?>
 <p:sld xmlns:a="http://schemas.openxmlformats.org/drawingml/2006/main" xmlns:r="http://schemas.openxmlformats.org/officeDocument/2006/relationships" xmlns:p="http://schemas.openxmlformats.org/presentationml/2006/main">
   <p:cSld>
     <p:spTree>
@@ -37556,7 +38002,7 @@
           <a:p>
             <a:fld id="{895CAF78-E814-F147-85DE-99D10320521C}" type="slidenum">
               <a:rPr kumimoji="1" lang="ja-JP" altLang="en-US" smtClean="0"/>
-              <a:t>20</a:t>
+              <a:t>21</a:t>
             </a:fld>
             <a:endParaRPr kumimoji="1" lang="ja-JP" altLang="en-US"/>
           </a:p>
@@ -37622,7 +38068,7 @@
 </p:sld>
 </file>
 
-<file path=ppt/slides/slide21.xml><?xml version="1.0" encoding="utf-8"?>
+<file path=ppt/slides/slide22.xml><?xml version="1.0" encoding="utf-8"?>
 <p:sld xmlns:a="http://schemas.openxmlformats.org/drawingml/2006/main" xmlns:r="http://schemas.openxmlformats.org/officeDocument/2006/relationships" xmlns:p="http://schemas.openxmlformats.org/presentationml/2006/main">
   <p:cSld>
     <p:spTree>
@@ -37692,7 +38138,7 @@
           <a:p>
             <a:fld id="{895CAF78-E814-F147-85DE-99D10320521C}" type="slidenum">
               <a:rPr kumimoji="1" lang="ja-JP" altLang="en-US" smtClean="0"/>
-              <a:t>21</a:t>
+              <a:t>22</a:t>
             </a:fld>
             <a:endParaRPr kumimoji="1" lang="ja-JP" altLang="en-US"/>
           </a:p>
@@ -37832,7 +38278,7 @@
 </p:sld>
 </file>
 
-<file path=ppt/slides/slide22.xml><?xml version="1.0" encoding="utf-8"?>
+<file path=ppt/slides/slide23.xml><?xml version="1.0" encoding="utf-8"?>
 <p:sld xmlns:a="http://schemas.openxmlformats.org/drawingml/2006/main" xmlns:r="http://schemas.openxmlformats.org/officeDocument/2006/relationships" xmlns:p="http://schemas.openxmlformats.org/presentationml/2006/main">
   <p:cSld>
     <p:spTree>
@@ -37902,7 +38348,7 @@
           <a:p>
             <a:fld id="{895CAF78-E814-F147-85DE-99D10320521C}" type="slidenum">
               <a:rPr kumimoji="1" lang="ja-JP" altLang="en-US" smtClean="0"/>
-              <a:t>22</a:t>
+              <a:t>23</a:t>
             </a:fld>
             <a:endParaRPr kumimoji="1" lang="ja-JP" altLang="en-US"/>
           </a:p>
@@ -38042,7 +38488,7 @@
 </p:sld>
 </file>
 
-<file path=ppt/slides/slide23.xml><?xml version="1.0" encoding="utf-8"?>
+<file path=ppt/slides/slide24.xml><?xml version="1.0" encoding="utf-8"?>
 <p:sld xmlns:a="http://schemas.openxmlformats.org/drawingml/2006/main" xmlns:r="http://schemas.openxmlformats.org/officeDocument/2006/relationships" xmlns:p="http://schemas.openxmlformats.org/presentationml/2006/main">
   <p:cSld>
     <p:spTree>
@@ -38112,7 +38558,7 @@
           <a:p>
             <a:fld id="{895CAF78-E814-F147-85DE-99D10320521C}" type="slidenum">
               <a:rPr kumimoji="1" lang="ja-JP" altLang="en-US" smtClean="0"/>
-              <a:t>23</a:t>
+              <a:t>24</a:t>
             </a:fld>
             <a:endParaRPr kumimoji="1" lang="ja-JP" altLang="en-US"/>
           </a:p>
@@ -38161,7 +38607,7 @@
 </p:sld>
 </file>
 
-<file path=ppt/slides/slide24.xml><?xml version="1.0" encoding="utf-8"?>
+<file path=ppt/slides/slide25.xml><?xml version="1.0" encoding="utf-8"?>
 <p:sld xmlns:a="http://schemas.openxmlformats.org/drawingml/2006/main" xmlns:r="http://schemas.openxmlformats.org/officeDocument/2006/relationships" xmlns:p="http://schemas.openxmlformats.org/presentationml/2006/main">
   <p:cSld>
     <p:spTree>
@@ -38237,7 +38683,7 @@
           <a:p>
             <a:fld id="{895CAF78-E814-F147-85DE-99D10320521C}" type="slidenum">
               <a:rPr kumimoji="1" lang="ja-JP" altLang="en-US" smtClean="0"/>
-              <a:t>24</a:t>
+              <a:t>25</a:t>
             </a:fld>
             <a:endParaRPr kumimoji="1" lang="ja-JP" altLang="en-US"/>
           </a:p>
@@ -38562,7 +39008,7 @@
 </p:sld>
 </file>
 
-<file path=ppt/slides/slide25.xml><?xml version="1.0" encoding="utf-8"?>
+<file path=ppt/slides/slide26.xml><?xml version="1.0" encoding="utf-8"?>
 <p:sld xmlns:a="http://schemas.openxmlformats.org/drawingml/2006/main" xmlns:r="http://schemas.openxmlformats.org/officeDocument/2006/relationships" xmlns:p="http://schemas.openxmlformats.org/presentationml/2006/main">
   <p:cSld>
     <p:spTree>
@@ -38632,7 +39078,7 @@
           <a:p>
             <a:fld id="{895CAF78-E814-F147-85DE-99D10320521C}" type="slidenum">
               <a:rPr kumimoji="1" lang="ja-JP" altLang="en-US" smtClean="0"/>
-              <a:t>25</a:t>
+              <a:t>26</a:t>
             </a:fld>
             <a:endParaRPr kumimoji="1" lang="ja-JP" altLang="en-US"/>
           </a:p>
@@ -38681,7 +39127,7 @@
 </p:sld>
 </file>
 
-<file path=ppt/slides/slide26.xml><?xml version="1.0" encoding="utf-8"?>
+<file path=ppt/slides/slide27.xml><?xml version="1.0" encoding="utf-8"?>
 <p:sld xmlns:a="http://schemas.openxmlformats.org/drawingml/2006/main" xmlns:r="http://schemas.openxmlformats.org/officeDocument/2006/relationships" xmlns:p="http://schemas.openxmlformats.org/presentationml/2006/main">
   <p:cSld>
     <p:spTree>
@@ -38751,7 +39197,7 @@
           <a:p>
             <a:fld id="{895CAF78-E814-F147-85DE-99D10320521C}" type="slidenum">
               <a:rPr kumimoji="1" lang="ja-JP" altLang="en-US" smtClean="0"/>
-              <a:t>26</a:t>
+              <a:t>27</a:t>
             </a:fld>
             <a:endParaRPr kumimoji="1" lang="ja-JP" altLang="en-US"/>
           </a:p>
@@ -38800,7 +39246,7 @@
 </p:sld>
 </file>
 
-<file path=ppt/slides/slide27.xml><?xml version="1.0" encoding="utf-8"?>
+<file path=ppt/slides/slide28.xml><?xml version="1.0" encoding="utf-8"?>
 <p:sld xmlns:a="http://schemas.openxmlformats.org/drawingml/2006/main" xmlns:r="http://schemas.openxmlformats.org/officeDocument/2006/relationships" xmlns:p="http://schemas.openxmlformats.org/presentationml/2006/main">
   <p:cSld>
     <p:spTree>
@@ -38968,7 +39414,7 @@
           <a:p>
             <a:fld id="{895CAF78-E814-F147-85DE-99D10320521C}" type="slidenum">
               <a:rPr kumimoji="1" lang="ja-JP" altLang="en-US" smtClean="0"/>
-              <a:t>27</a:t>
+              <a:t>28</a:t>
             </a:fld>
             <a:endParaRPr kumimoji="1" lang="ja-JP" altLang="en-US"/>
           </a:p>
@@ -38987,7 +39433,7 @@
 </p:sld>
 </file>
 
-<file path=ppt/slides/slide28.xml><?xml version="1.0" encoding="utf-8"?>
+<file path=ppt/slides/slide29.xml><?xml version="1.0" encoding="utf-8"?>
 <p:sld xmlns:a="http://schemas.openxmlformats.org/drawingml/2006/main" xmlns:r="http://schemas.openxmlformats.org/officeDocument/2006/relationships" xmlns:p="http://schemas.openxmlformats.org/presentationml/2006/main">
   <p:cSld>
     <p:spTree>
@@ -39084,7 +39530,7 @@
           <a:p>
             <a:fld id="{895CAF78-E814-F147-85DE-99D10320521C}" type="slidenum">
               <a:rPr kumimoji="1" lang="ja-JP" altLang="en-US" smtClean="0"/>
-              <a:t>28</a:t>
+              <a:t>29</a:t>
             </a:fld>
             <a:endParaRPr kumimoji="1" lang="ja-JP" altLang="en-US"/>
           </a:p>
@@ -39094,169 +39540,6 @@
     <p:extLst>
       <p:ext uri="{BB962C8B-B14F-4D97-AF65-F5344CB8AC3E}">
         <p14:creationId xmlns:p14="http://schemas.microsoft.com/office/powerpoint/2010/main" val="1259066294"/>
-      </p:ext>
-    </p:extLst>
-  </p:cSld>
-  <p:clrMapOvr>
-    <a:masterClrMapping/>
-  </p:clrMapOvr>
-</p:sld>
-</file>
-
-<file path=ppt/slides/slide29.xml><?xml version="1.0" encoding="utf-8"?>
-<p:sld xmlns:a="http://schemas.openxmlformats.org/drawingml/2006/main" xmlns:r="http://schemas.openxmlformats.org/officeDocument/2006/relationships" xmlns:p="http://schemas.openxmlformats.org/presentationml/2006/main">
-  <p:cSld>
-    <p:spTree>
-      <p:nvGrpSpPr>
-        <p:cNvPr id="1" name=""/>
-        <p:cNvGrpSpPr/>
-        <p:nvPr/>
-      </p:nvGrpSpPr>
-      <p:grpSpPr>
-        <a:xfrm>
-          <a:off x="0" y="0"/>
-          <a:ext cx="0" cy="0"/>
-          <a:chOff x="0" y="0"/>
-          <a:chExt cx="0" cy="0"/>
-        </a:xfrm>
-      </p:grpSpPr>
-      <p:sp>
-        <p:nvSpPr>
-          <p:cNvPr id="5" name="タイトル 4">
-            <a:extLst>
-              <a:ext uri="{FF2B5EF4-FFF2-40B4-BE49-F238E27FC236}">
-                <a16:creationId xmlns:a16="http://schemas.microsoft.com/office/drawing/2014/main" id="{B3CA88FB-0DDD-C115-9BAF-7CE786C521C5}"/>
-              </a:ext>
-            </a:extLst>
-          </p:cNvPr>
-          <p:cNvSpPr>
-            <a:spLocks noGrp="1"/>
-          </p:cNvSpPr>
-          <p:nvPr>
-            <p:ph type="title"/>
-          </p:nvPr>
-        </p:nvSpPr>
-        <p:spPr/>
-        <p:txBody>
-          <a:bodyPr>
-            <a:normAutofit fontScale="90000"/>
-          </a:bodyPr>
-          <a:lstStyle/>
-          <a:p>
-            <a:r>
-              <a:rPr lang="ja-JP" altLang="en-US" dirty="0"/>
-              <a:t>シングルセル </a:t>
-            </a:r>
-            <a:r>
-              <a:rPr lang="en-US" altLang="ja-JP" dirty="0"/>
-              <a:t>RNA-seq </a:t>
-            </a:r>
-            <a:r>
-              <a:rPr lang="ja-JP" altLang="en-US" dirty="0"/>
-              <a:t>とは</a:t>
-            </a:r>
-          </a:p>
-        </p:txBody>
-      </p:sp>
-      <p:sp>
-        <p:nvSpPr>
-          <p:cNvPr id="4" name="スライド番号プレースホルダー 3">
-            <a:extLst>
-              <a:ext uri="{FF2B5EF4-FFF2-40B4-BE49-F238E27FC236}">
-                <a16:creationId xmlns:a16="http://schemas.microsoft.com/office/drawing/2014/main" id="{CA45A154-47B7-95F3-9094-0C906BB698CD}"/>
-              </a:ext>
-            </a:extLst>
-          </p:cNvPr>
-          <p:cNvSpPr>
-            <a:spLocks noGrp="1"/>
-          </p:cNvSpPr>
-          <p:nvPr>
-            <p:ph type="sldNum" sz="quarter" idx="12"/>
-          </p:nvPr>
-        </p:nvSpPr>
-        <p:spPr/>
-        <p:txBody>
-          <a:bodyPr/>
-          <a:lstStyle/>
-          <a:p>
-            <a:fld id="{895CAF78-E814-F147-85DE-99D10320521C}" type="slidenum">
-              <a:rPr kumimoji="1" lang="ja-JP" altLang="en-US" smtClean="0"/>
-              <a:t>29</a:t>
-            </a:fld>
-            <a:endParaRPr kumimoji="1" lang="ja-JP" altLang="en-US"/>
-          </a:p>
-        </p:txBody>
-      </p:sp>
-      <p:pic>
-        <p:nvPicPr>
-          <p:cNvPr id="6" name="図 5">
-            <a:extLst>
-              <a:ext uri="{FF2B5EF4-FFF2-40B4-BE49-F238E27FC236}">
-                <a16:creationId xmlns:a16="http://schemas.microsoft.com/office/drawing/2014/main" id="{8EE0C846-01C8-97D7-897F-9B88E4AEBA3C}"/>
-              </a:ext>
-            </a:extLst>
-          </p:cNvPr>
-          <p:cNvPicPr>
-            <a:picLocks noChangeAspect="1"/>
-          </p:cNvPicPr>
-          <p:nvPr/>
-        </p:nvPicPr>
-        <p:blipFill>
-          <a:blip r:embed="rId2"/>
-          <a:stretch>
-            <a:fillRect/>
-          </a:stretch>
-        </p:blipFill>
-        <p:spPr>
-          <a:xfrm>
-            <a:off x="1795750" y="815270"/>
-            <a:ext cx="8259376" cy="5864302"/>
-          </a:xfrm>
-          <a:prstGeom prst="rect">
-            <a:avLst/>
-          </a:prstGeom>
-        </p:spPr>
-      </p:pic>
-      <p:sp>
-        <p:nvSpPr>
-          <p:cNvPr id="7" name="テキスト ボックス 6">
-            <a:extLst>
-              <a:ext uri="{FF2B5EF4-FFF2-40B4-BE49-F238E27FC236}">
-                <a16:creationId xmlns:a16="http://schemas.microsoft.com/office/drawing/2014/main" id="{58A4F625-D32E-09A7-E284-93D52B274953}"/>
-              </a:ext>
-            </a:extLst>
-          </p:cNvPr>
-          <p:cNvSpPr txBox="1"/>
-          <p:nvPr/>
-        </p:nvSpPr>
-        <p:spPr>
-          <a:xfrm>
-            <a:off x="7021417" y="6538913"/>
-            <a:ext cx="4120872" cy="307777"/>
-          </a:xfrm>
-          <a:prstGeom prst="rect">
-            <a:avLst/>
-          </a:prstGeom>
-          <a:noFill/>
-        </p:spPr>
-        <p:txBody>
-          <a:bodyPr wrap="none" rtlCol="0">
-            <a:spAutoFit/>
-          </a:bodyPr>
-          <a:lstStyle/>
-          <a:p>
-            <a:r>
-              <a:rPr kumimoji="1" lang="en-US" altLang="ja-JP" sz="1400" dirty="0"/>
-              <a:t>https://www.rhelixa.com/service/scrna-seq/</a:t>
-            </a:r>
-            <a:endParaRPr kumimoji="1" lang="ja-JP" altLang="en-US" sz="1400" dirty="0"/>
-          </a:p>
-        </p:txBody>
-      </p:sp>
-    </p:spTree>
-    <p:extLst>
-      <p:ext uri="{BB962C8B-B14F-4D97-AF65-F5344CB8AC3E}">
-        <p14:creationId xmlns:p14="http://schemas.microsoft.com/office/powerpoint/2010/main" val="3853399756"/>
       </p:ext>
     </p:extLst>
   </p:cSld>
@@ -39543,7 +39826,7 @@
             </a:r>
             <a:r>
               <a:rPr lang="ja-JP" altLang="en-US" dirty="0"/>
-              <a:t>解析</a:t>
+              <a:t>データ解析</a:t>
             </a:r>
             <a:endParaRPr lang="en-US" altLang="ja-JP" dirty="0"/>
           </a:p>
@@ -40007,7 +40290,7 @@
           <a:p>
             <a:r>
               <a:rPr lang="ja-JP" altLang="en-US" dirty="0"/>
-              <a:t>シングルセル解析</a:t>
+              <a:t>シングルセルデータ解析</a:t>
             </a:r>
             <a:endParaRPr lang="en-US" altLang="ja-JP" dirty="0"/>
           </a:p>
@@ -40153,6 +40436,169 @@
 </file>
 
 <file path=ppt/slides/slide30.xml><?xml version="1.0" encoding="utf-8"?>
+<p:sld xmlns:a="http://schemas.openxmlformats.org/drawingml/2006/main" xmlns:r="http://schemas.openxmlformats.org/officeDocument/2006/relationships" xmlns:p="http://schemas.openxmlformats.org/presentationml/2006/main">
+  <p:cSld>
+    <p:spTree>
+      <p:nvGrpSpPr>
+        <p:cNvPr id="1" name=""/>
+        <p:cNvGrpSpPr/>
+        <p:nvPr/>
+      </p:nvGrpSpPr>
+      <p:grpSpPr>
+        <a:xfrm>
+          <a:off x="0" y="0"/>
+          <a:ext cx="0" cy="0"/>
+          <a:chOff x="0" y="0"/>
+          <a:chExt cx="0" cy="0"/>
+        </a:xfrm>
+      </p:grpSpPr>
+      <p:sp>
+        <p:nvSpPr>
+          <p:cNvPr id="5" name="タイトル 4">
+            <a:extLst>
+              <a:ext uri="{FF2B5EF4-FFF2-40B4-BE49-F238E27FC236}">
+                <a16:creationId xmlns:a16="http://schemas.microsoft.com/office/drawing/2014/main" id="{B3CA88FB-0DDD-C115-9BAF-7CE786C521C5}"/>
+              </a:ext>
+            </a:extLst>
+          </p:cNvPr>
+          <p:cNvSpPr>
+            <a:spLocks noGrp="1"/>
+          </p:cNvSpPr>
+          <p:nvPr>
+            <p:ph type="title"/>
+          </p:nvPr>
+        </p:nvSpPr>
+        <p:spPr/>
+        <p:txBody>
+          <a:bodyPr>
+            <a:normAutofit fontScale="90000"/>
+          </a:bodyPr>
+          <a:lstStyle/>
+          <a:p>
+            <a:r>
+              <a:rPr lang="ja-JP" altLang="en-US" dirty="0"/>
+              <a:t>シングルセル </a:t>
+            </a:r>
+            <a:r>
+              <a:rPr lang="en-US" altLang="ja-JP" dirty="0"/>
+              <a:t>RNA-seq </a:t>
+            </a:r>
+            <a:r>
+              <a:rPr lang="ja-JP" altLang="en-US" dirty="0"/>
+              <a:t>とは</a:t>
+            </a:r>
+          </a:p>
+        </p:txBody>
+      </p:sp>
+      <p:sp>
+        <p:nvSpPr>
+          <p:cNvPr id="4" name="スライド番号プレースホルダー 3">
+            <a:extLst>
+              <a:ext uri="{FF2B5EF4-FFF2-40B4-BE49-F238E27FC236}">
+                <a16:creationId xmlns:a16="http://schemas.microsoft.com/office/drawing/2014/main" id="{CA45A154-47B7-95F3-9094-0C906BB698CD}"/>
+              </a:ext>
+            </a:extLst>
+          </p:cNvPr>
+          <p:cNvSpPr>
+            <a:spLocks noGrp="1"/>
+          </p:cNvSpPr>
+          <p:nvPr>
+            <p:ph type="sldNum" sz="quarter" idx="12"/>
+          </p:nvPr>
+        </p:nvSpPr>
+        <p:spPr/>
+        <p:txBody>
+          <a:bodyPr/>
+          <a:lstStyle/>
+          <a:p>
+            <a:fld id="{895CAF78-E814-F147-85DE-99D10320521C}" type="slidenum">
+              <a:rPr kumimoji="1" lang="ja-JP" altLang="en-US" smtClean="0"/>
+              <a:t>30</a:t>
+            </a:fld>
+            <a:endParaRPr kumimoji="1" lang="ja-JP" altLang="en-US"/>
+          </a:p>
+        </p:txBody>
+      </p:sp>
+      <p:pic>
+        <p:nvPicPr>
+          <p:cNvPr id="6" name="図 5">
+            <a:extLst>
+              <a:ext uri="{FF2B5EF4-FFF2-40B4-BE49-F238E27FC236}">
+                <a16:creationId xmlns:a16="http://schemas.microsoft.com/office/drawing/2014/main" id="{8EE0C846-01C8-97D7-897F-9B88E4AEBA3C}"/>
+              </a:ext>
+            </a:extLst>
+          </p:cNvPr>
+          <p:cNvPicPr>
+            <a:picLocks noChangeAspect="1"/>
+          </p:cNvPicPr>
+          <p:nvPr/>
+        </p:nvPicPr>
+        <p:blipFill>
+          <a:blip r:embed="rId2"/>
+          <a:stretch>
+            <a:fillRect/>
+          </a:stretch>
+        </p:blipFill>
+        <p:spPr>
+          <a:xfrm>
+            <a:off x="1795750" y="815270"/>
+            <a:ext cx="8259376" cy="5864302"/>
+          </a:xfrm>
+          <a:prstGeom prst="rect">
+            <a:avLst/>
+          </a:prstGeom>
+        </p:spPr>
+      </p:pic>
+      <p:sp>
+        <p:nvSpPr>
+          <p:cNvPr id="7" name="テキスト ボックス 6">
+            <a:extLst>
+              <a:ext uri="{FF2B5EF4-FFF2-40B4-BE49-F238E27FC236}">
+                <a16:creationId xmlns:a16="http://schemas.microsoft.com/office/drawing/2014/main" id="{58A4F625-D32E-09A7-E284-93D52B274953}"/>
+              </a:ext>
+            </a:extLst>
+          </p:cNvPr>
+          <p:cNvSpPr txBox="1"/>
+          <p:nvPr/>
+        </p:nvSpPr>
+        <p:spPr>
+          <a:xfrm>
+            <a:off x="7021417" y="6538913"/>
+            <a:ext cx="4120872" cy="307777"/>
+          </a:xfrm>
+          <a:prstGeom prst="rect">
+            <a:avLst/>
+          </a:prstGeom>
+          <a:noFill/>
+        </p:spPr>
+        <p:txBody>
+          <a:bodyPr wrap="none" rtlCol="0">
+            <a:spAutoFit/>
+          </a:bodyPr>
+          <a:lstStyle/>
+          <a:p>
+            <a:r>
+              <a:rPr kumimoji="1" lang="en-US" altLang="ja-JP" sz="1400" dirty="0"/>
+              <a:t>https://www.rhelixa.com/service/scrna-seq/</a:t>
+            </a:r>
+            <a:endParaRPr kumimoji="1" lang="ja-JP" altLang="en-US" sz="1400" dirty="0"/>
+          </a:p>
+        </p:txBody>
+      </p:sp>
+    </p:spTree>
+    <p:extLst>
+      <p:ext uri="{BB962C8B-B14F-4D97-AF65-F5344CB8AC3E}">
+        <p14:creationId xmlns:p14="http://schemas.microsoft.com/office/powerpoint/2010/main" val="3853399756"/>
+      </p:ext>
+    </p:extLst>
+  </p:cSld>
+  <p:clrMapOvr>
+    <a:masterClrMapping/>
+  </p:clrMapOvr>
+</p:sld>
+</file>
+
+<file path=ppt/slides/slide31.xml><?xml version="1.0" encoding="utf-8"?>
 <p:sld xmlns:a="http://schemas.openxmlformats.org/drawingml/2006/main" xmlns:r="http://schemas.openxmlformats.org/officeDocument/2006/relationships" xmlns:p="http://schemas.openxmlformats.org/presentationml/2006/main">
   <p:cSld>
     <p:spTree>
@@ -40329,7 +40775,7 @@
           <a:p>
             <a:fld id="{895CAF78-E814-F147-85DE-99D10320521C}" type="slidenum">
               <a:rPr kumimoji="1" lang="ja-JP" altLang="en-US" smtClean="0"/>
-              <a:t>30</a:t>
+              <a:t>31</a:t>
             </a:fld>
             <a:endParaRPr kumimoji="1" lang="ja-JP" altLang="en-US"/>
           </a:p>

--- a/バイオ技術_第1日目.pptx
+++ b/バイオ技術_第1日目.pptx
@@ -21,21 +21,22 @@
     <p:sldId id="310" r:id="rId15"/>
     <p:sldId id="311" r:id="rId16"/>
     <p:sldId id="312" r:id="rId17"/>
-    <p:sldId id="328" r:id="rId18"/>
-    <p:sldId id="330" r:id="rId19"/>
-    <p:sldId id="274" r:id="rId20"/>
-    <p:sldId id="276" r:id="rId21"/>
-    <p:sldId id="302" r:id="rId22"/>
-    <p:sldId id="280" r:id="rId23"/>
-    <p:sldId id="279" r:id="rId24"/>
-    <p:sldId id="281" r:id="rId25"/>
-    <p:sldId id="282" r:id="rId26"/>
-    <p:sldId id="329" r:id="rId27"/>
-    <p:sldId id="284" r:id="rId28"/>
-    <p:sldId id="2146851130" r:id="rId29"/>
-    <p:sldId id="326" r:id="rId30"/>
-    <p:sldId id="2146851131" r:id="rId31"/>
-    <p:sldId id="325" r:id="rId32"/>
+    <p:sldId id="2146851133" r:id="rId18"/>
+    <p:sldId id="328" r:id="rId19"/>
+    <p:sldId id="330" r:id="rId20"/>
+    <p:sldId id="274" r:id="rId21"/>
+    <p:sldId id="276" r:id="rId22"/>
+    <p:sldId id="302" r:id="rId23"/>
+    <p:sldId id="280" r:id="rId24"/>
+    <p:sldId id="279" r:id="rId25"/>
+    <p:sldId id="281" r:id="rId26"/>
+    <p:sldId id="282" r:id="rId27"/>
+    <p:sldId id="329" r:id="rId28"/>
+    <p:sldId id="284" r:id="rId29"/>
+    <p:sldId id="2146851130" r:id="rId30"/>
+    <p:sldId id="326" r:id="rId31"/>
+    <p:sldId id="2146851131" r:id="rId32"/>
+    <p:sldId id="325" r:id="rId33"/>
   </p:sldIdLst>
   <p:sldSz cx="12192000" cy="6858000"/>
   <p:notesSz cx="6858000" cy="9144000"/>
@@ -331,7 +332,7 @@
           <a:p>
             <a:fld id="{4C822B3A-0432-4A17-9759-C2F25A9B548E}" type="datetime1">
               <a:rPr kumimoji="1" lang="ja-JP" altLang="en-US" smtClean="0"/>
-              <a:t>2025/8/2</a:t>
+              <a:t>2025/8/4</a:t>
             </a:fld>
             <a:endParaRPr kumimoji="1" lang="ja-JP" altLang="en-US"/>
           </a:p>
@@ -471,7 +472,7 @@
           <a:p>
             <a:fld id="{A494C097-342E-4F43-8CA6-3DBDB1664F4C}" type="datetime1">
               <a:rPr kumimoji="1" lang="ja-JP" altLang="en-US" smtClean="0"/>
-              <a:t>2025/8/2</a:t>
+              <a:t>2025/8/4</a:t>
             </a:fld>
             <a:endParaRPr kumimoji="1" lang="ja-JP" altLang="en-US"/>
           </a:p>
@@ -621,7 +622,7 @@
           <a:p>
             <a:fld id="{2B835E32-2D46-4DE1-B330-9D3FB84D851E}" type="datetime1">
               <a:rPr kumimoji="1" lang="ja-JP" altLang="en-US" smtClean="0"/>
-              <a:t>2025/8/2</a:t>
+              <a:t>2025/8/4</a:t>
             </a:fld>
             <a:endParaRPr kumimoji="1" lang="ja-JP" altLang="en-US"/>
           </a:p>
@@ -766,7 +767,7 @@
           <a:p>
             <a:fld id="{002AD361-968A-4FBF-9FD3-AF363EA9937D}" type="datetime1">
               <a:rPr kumimoji="1" lang="ja-JP" altLang="en-US" smtClean="0"/>
-              <a:t>2025/8/2</a:t>
+              <a:t>2025/8/4</a:t>
             </a:fld>
             <a:endParaRPr kumimoji="1" lang="ja-JP" altLang="en-US"/>
           </a:p>
@@ -1011,7 +1012,7 @@
           <a:p>
             <a:fld id="{AA1C3AEF-A7F9-45D4-9A71-E38CA601D7D4}" type="datetime1">
               <a:rPr kumimoji="1" lang="ja-JP" altLang="en-US" smtClean="0"/>
-              <a:t>2025/8/2</a:t>
+              <a:t>2025/8/4</a:t>
             </a:fld>
             <a:endParaRPr kumimoji="1" lang="ja-JP" altLang="en-US"/>
           </a:p>
@@ -1240,7 +1241,7 @@
           <a:p>
             <a:fld id="{3AD70BF7-6F02-4157-9154-AD19503795D2}" type="datetime1">
               <a:rPr kumimoji="1" lang="ja-JP" altLang="en-US" smtClean="0"/>
-              <a:t>2025/8/2</a:t>
+              <a:t>2025/8/4</a:t>
             </a:fld>
             <a:endParaRPr kumimoji="1" lang="ja-JP" altLang="en-US"/>
           </a:p>
@@ -1603,7 +1604,7 @@
           <a:p>
             <a:fld id="{6F0B75B1-8360-44EF-9CE4-FA35BCEF221F}" type="datetime1">
               <a:rPr kumimoji="1" lang="ja-JP" altLang="en-US" smtClean="0"/>
-              <a:t>2025/8/2</a:t>
+              <a:t>2025/8/4</a:t>
             </a:fld>
             <a:endParaRPr kumimoji="1" lang="ja-JP" altLang="en-US"/>
           </a:p>
@@ -1720,7 +1721,7 @@
           <a:p>
             <a:fld id="{1D7333A9-23D0-4CE2-AE57-8C99AF0EAEF9}" type="datetime1">
               <a:rPr kumimoji="1" lang="ja-JP" altLang="en-US" smtClean="0"/>
-              <a:t>2025/8/2</a:t>
+              <a:t>2025/8/4</a:t>
             </a:fld>
             <a:endParaRPr kumimoji="1" lang="ja-JP" altLang="en-US"/>
           </a:p>
@@ -1815,7 +1816,7 @@
           <a:p>
             <a:fld id="{07321BCF-D9B3-4EAA-AB0E-A39A1078809E}" type="datetime1">
               <a:rPr kumimoji="1" lang="ja-JP" altLang="en-US" smtClean="0"/>
-              <a:t>2025/8/2</a:t>
+              <a:t>2025/8/4</a:t>
             </a:fld>
             <a:endParaRPr kumimoji="1" lang="ja-JP" altLang="en-US"/>
           </a:p>
@@ -2062,7 +2063,7 @@
           <a:p>
             <a:fld id="{BBD93D85-1D1F-43E8-8FC0-5AAF98DAF8F8}" type="datetime1">
               <a:rPr kumimoji="1" lang="ja-JP" altLang="en-US" smtClean="0"/>
-              <a:t>2025/8/2</a:t>
+              <a:t>2025/8/4</a:t>
             </a:fld>
             <a:endParaRPr kumimoji="1" lang="ja-JP" altLang="en-US"/>
           </a:p>
@@ -2317,7 +2318,7 @@
           <a:p>
             <a:fld id="{FC5E36A4-CF1C-426F-BC93-245F4AC7F9CC}" type="datetime1">
               <a:rPr kumimoji="1" lang="ja-JP" altLang="en-US" smtClean="0"/>
-              <a:t>2025/8/2</a:t>
+              <a:t>2025/8/4</a:t>
             </a:fld>
             <a:endParaRPr kumimoji="1" lang="ja-JP" altLang="en-US"/>
           </a:p>
@@ -2560,7 +2561,7 @@
           <a:p>
             <a:fld id="{B5C09AC7-2B02-4A21-833F-9D7920DB6664}" type="datetime1">
               <a:rPr kumimoji="1" lang="ja-JP" altLang="en-US" smtClean="0"/>
-              <a:t>2025/8/2</a:t>
+              <a:t>2025/8/4</a:t>
             </a:fld>
             <a:endParaRPr kumimoji="1" lang="ja-JP" altLang="en-US"/>
           </a:p>
@@ -5470,6 +5471,121 @@
       </p:grpSpPr>
       <p:sp>
         <p:nvSpPr>
+          <p:cNvPr id="4" name="タイトル 3">
+            <a:extLst>
+              <a:ext uri="{FF2B5EF4-FFF2-40B4-BE49-F238E27FC236}">
+                <a16:creationId xmlns:a16="http://schemas.microsoft.com/office/drawing/2014/main" id="{427A6C68-C58F-6632-6589-B762E44B90D9}"/>
+              </a:ext>
+            </a:extLst>
+          </p:cNvPr>
+          <p:cNvSpPr>
+            <a:spLocks noGrp="1"/>
+          </p:cNvSpPr>
+          <p:nvPr>
+            <p:ph type="title"/>
+          </p:nvPr>
+        </p:nvSpPr>
+        <p:spPr/>
+        <p:txBody>
+          <a:bodyPr>
+            <a:normAutofit fontScale="90000"/>
+          </a:bodyPr>
+          <a:lstStyle/>
+          <a:p>
+            <a:endParaRPr lang="ja-JP" altLang="en-US"/>
+          </a:p>
+        </p:txBody>
+      </p:sp>
+      <p:sp>
+        <p:nvSpPr>
+          <p:cNvPr id="5" name="コンテンツ プレースホルダー 4">
+            <a:extLst>
+              <a:ext uri="{FF2B5EF4-FFF2-40B4-BE49-F238E27FC236}">
+                <a16:creationId xmlns:a16="http://schemas.microsoft.com/office/drawing/2014/main" id="{1279436D-F7B6-791D-2343-503872D416AB}"/>
+              </a:ext>
+            </a:extLst>
+          </p:cNvPr>
+          <p:cNvSpPr>
+            <a:spLocks noGrp="1"/>
+          </p:cNvSpPr>
+          <p:nvPr>
+            <p:ph idx="1"/>
+          </p:nvPr>
+        </p:nvSpPr>
+        <p:spPr/>
+        <p:txBody>
+          <a:bodyPr/>
+          <a:lstStyle/>
+          <a:p>
+            <a:r>
+              <a:rPr lang="en-US" altLang="ja-JP" dirty="0"/>
+              <a:t>bioinformatics_1-1.ipynb</a:t>
+            </a:r>
+            <a:endParaRPr lang="ja-JP" altLang="en-US" dirty="0"/>
+          </a:p>
+        </p:txBody>
+      </p:sp>
+      <p:sp>
+        <p:nvSpPr>
+          <p:cNvPr id="3" name="スライド番号プレースホルダー 2">
+            <a:extLst>
+              <a:ext uri="{FF2B5EF4-FFF2-40B4-BE49-F238E27FC236}">
+                <a16:creationId xmlns:a16="http://schemas.microsoft.com/office/drawing/2014/main" id="{7C070369-BFA3-8372-3E41-0C19C5BEF2D6}"/>
+              </a:ext>
+            </a:extLst>
+          </p:cNvPr>
+          <p:cNvSpPr>
+            <a:spLocks noGrp="1"/>
+          </p:cNvSpPr>
+          <p:nvPr>
+            <p:ph type="sldNum" sz="quarter" idx="12"/>
+          </p:nvPr>
+        </p:nvSpPr>
+        <p:spPr/>
+        <p:txBody>
+          <a:bodyPr/>
+          <a:lstStyle/>
+          <a:p>
+            <a:fld id="{895CAF78-E814-F147-85DE-99D10320521C}" type="slidenum">
+              <a:rPr kumimoji="1" lang="ja-JP" altLang="en-US" smtClean="0"/>
+              <a:t>17</a:t>
+            </a:fld>
+            <a:endParaRPr kumimoji="1" lang="ja-JP" altLang="en-US"/>
+          </a:p>
+        </p:txBody>
+      </p:sp>
+    </p:spTree>
+    <p:extLst>
+      <p:ext uri="{BB962C8B-B14F-4D97-AF65-F5344CB8AC3E}">
+        <p14:creationId xmlns:p14="http://schemas.microsoft.com/office/powerpoint/2010/main" val="2434126031"/>
+      </p:ext>
+    </p:extLst>
+  </p:cSld>
+  <p:clrMapOvr>
+    <a:masterClrMapping/>
+  </p:clrMapOvr>
+</p:sld>
+</file>
+
+<file path=ppt/slides/slide18.xml><?xml version="1.0" encoding="utf-8"?>
+<p:sld xmlns:a="http://schemas.openxmlformats.org/drawingml/2006/main" xmlns:r="http://schemas.openxmlformats.org/officeDocument/2006/relationships" xmlns:p="http://schemas.openxmlformats.org/presentationml/2006/main">
+  <p:cSld>
+    <p:spTree>
+      <p:nvGrpSpPr>
+        <p:cNvPr id="1" name=""/>
+        <p:cNvGrpSpPr/>
+        <p:nvPr/>
+      </p:nvGrpSpPr>
+      <p:grpSpPr>
+        <a:xfrm>
+          <a:off x="0" y="0"/>
+          <a:ext cx="0" cy="0"/>
+          <a:chOff x="0" y="0"/>
+          <a:chExt cx="0" cy="0"/>
+        </a:xfrm>
+      </p:grpSpPr>
+      <p:sp>
+        <p:nvSpPr>
           <p:cNvPr id="2" name="タイトル 1">
             <a:extLst>
               <a:ext uri="{FF2B5EF4-FFF2-40B4-BE49-F238E27FC236}">
@@ -5552,7 +5668,7 @@
           <a:p>
             <a:fld id="{895CAF78-E814-F147-85DE-99D10320521C}" type="slidenum">
               <a:rPr kumimoji="1" lang="ja-JP" altLang="en-US" smtClean="0"/>
-              <a:t>17</a:t>
+              <a:t>18</a:t>
             </a:fld>
             <a:endParaRPr kumimoji="1" lang="ja-JP" altLang="en-US"/>
           </a:p>
@@ -5571,7 +5687,7 @@
 </p:sld>
 </file>
 
-<file path=ppt/slides/slide18.xml><?xml version="1.0" encoding="utf-8"?>
+<file path=ppt/slides/slide19.xml><?xml version="1.0" encoding="utf-8"?>
 <p:sld xmlns:a="http://schemas.openxmlformats.org/drawingml/2006/main" xmlns:r="http://schemas.openxmlformats.org/officeDocument/2006/relationships" xmlns:p="http://schemas.openxmlformats.org/presentationml/2006/main">
   <p:cSld>
     <p:spTree>
@@ -5641,7 +5757,7 @@
           <a:p>
             <a:fld id="{895CAF78-E814-F147-85DE-99D10320521C}" type="slidenum">
               <a:rPr kumimoji="1" lang="ja-JP" altLang="en-US" smtClean="0"/>
-              <a:t>18</a:t>
+              <a:t>19</a:t>
             </a:fld>
             <a:endParaRPr kumimoji="1" lang="ja-JP" altLang="en-US"/>
           </a:p>
@@ -11529,7 +11645,940 @@
 </p:sld>
 </file>
 
-<file path=ppt/slides/slide19.xml><?xml version="1.0" encoding="utf-8"?>
+<file path=ppt/slides/slide2.xml><?xml version="1.0" encoding="utf-8"?>
+<p:sld xmlns:a="http://schemas.openxmlformats.org/drawingml/2006/main" xmlns:r="http://schemas.openxmlformats.org/officeDocument/2006/relationships" xmlns:p="http://schemas.openxmlformats.org/presentationml/2006/main">
+  <p:cSld>
+    <p:spTree>
+      <p:nvGrpSpPr>
+        <p:cNvPr id="1" name=""/>
+        <p:cNvGrpSpPr/>
+        <p:nvPr/>
+      </p:nvGrpSpPr>
+      <p:grpSpPr>
+        <a:xfrm>
+          <a:off x="0" y="0"/>
+          <a:ext cx="0" cy="0"/>
+          <a:chOff x="0" y="0"/>
+          <a:chExt cx="0" cy="0"/>
+        </a:xfrm>
+      </p:grpSpPr>
+      <p:sp>
+        <p:nvSpPr>
+          <p:cNvPr id="5" name="タイトル 4">
+            <a:extLst>
+              <a:ext uri="{FF2B5EF4-FFF2-40B4-BE49-F238E27FC236}">
+                <a16:creationId xmlns:a16="http://schemas.microsoft.com/office/drawing/2014/main" id="{C1FC9F18-50DA-105C-A313-171C2AD0C0F1}"/>
+              </a:ext>
+            </a:extLst>
+          </p:cNvPr>
+          <p:cNvSpPr>
+            <a:spLocks noGrp="1"/>
+          </p:cNvSpPr>
+          <p:nvPr>
+            <p:ph type="title"/>
+          </p:nvPr>
+        </p:nvSpPr>
+        <p:spPr/>
+        <p:txBody>
+          <a:bodyPr>
+            <a:normAutofit fontScale="90000"/>
+          </a:bodyPr>
+          <a:lstStyle/>
+          <a:p>
+            <a:r>
+              <a:rPr lang="ja-JP" altLang="en-US" dirty="0"/>
+              <a:t>バイオ技術：シラバス</a:t>
+            </a:r>
+          </a:p>
+        </p:txBody>
+      </p:sp>
+      <p:sp>
+        <p:nvSpPr>
+          <p:cNvPr id="4" name="スライド番号プレースホルダー 3">
+            <a:extLst>
+              <a:ext uri="{FF2B5EF4-FFF2-40B4-BE49-F238E27FC236}">
+                <a16:creationId xmlns:a16="http://schemas.microsoft.com/office/drawing/2014/main" id="{ADAB212A-6199-0385-7143-9DED346BE670}"/>
+              </a:ext>
+            </a:extLst>
+          </p:cNvPr>
+          <p:cNvSpPr>
+            <a:spLocks noGrp="1"/>
+          </p:cNvSpPr>
+          <p:nvPr>
+            <p:ph type="sldNum" sz="quarter" idx="12"/>
+          </p:nvPr>
+        </p:nvSpPr>
+        <p:spPr/>
+        <p:txBody>
+          <a:bodyPr/>
+          <a:lstStyle/>
+          <a:p>
+            <a:fld id="{895CAF78-E814-F147-85DE-99D10320521C}" type="slidenum">
+              <a:rPr kumimoji="1" lang="ja-JP" altLang="en-US" smtClean="0"/>
+              <a:t>2</a:t>
+            </a:fld>
+            <a:endParaRPr kumimoji="1" lang="ja-JP" altLang="en-US"/>
+          </a:p>
+        </p:txBody>
+      </p:sp>
+      <p:graphicFrame>
+        <p:nvGraphicFramePr>
+          <p:cNvPr id="2" name="表 1">
+            <a:extLst>
+              <a:ext uri="{FF2B5EF4-FFF2-40B4-BE49-F238E27FC236}">
+                <a16:creationId xmlns:a16="http://schemas.microsoft.com/office/drawing/2014/main" id="{528F8E4B-FDBE-2FEA-64C3-2D095EE957DB}"/>
+              </a:ext>
+            </a:extLst>
+          </p:cNvPr>
+          <p:cNvGraphicFramePr>
+            <a:graphicFrameLocks noGrp="1"/>
+          </p:cNvGraphicFramePr>
+          <p:nvPr>
+            <p:extLst>
+              <p:ext uri="{D42A27DB-BD31-4B8C-83A1-F6EECF244321}">
+                <p14:modId xmlns:p14="http://schemas.microsoft.com/office/powerpoint/2010/main" val="2264783085"/>
+              </p:ext>
+            </p:extLst>
+          </p:nvPr>
+        </p:nvGraphicFramePr>
+        <p:xfrm>
+          <a:off x="1285387" y="929586"/>
+          <a:ext cx="9621223" cy="4389120"/>
+        </p:xfrm>
+        <a:graphic>
+          <a:graphicData uri="http://schemas.openxmlformats.org/drawingml/2006/table">
+            <a:tbl>
+              <a:tblPr firstRow="1" bandRow="1">
+                <a:tableStyleId>{93296810-A885-4BE3-A3E7-6D5BEEA58F35}</a:tableStyleId>
+              </a:tblPr>
+              <a:tblGrid>
+                <a:gridCol w="941058">
+                  <a:extLst>
+                    <a:ext uri="{9D8B030D-6E8A-4147-A177-3AD203B41FA5}">
+                      <a16:colId xmlns:a16="http://schemas.microsoft.com/office/drawing/2014/main" val="2758469367"/>
+                    </a:ext>
+                  </a:extLst>
+                </a:gridCol>
+                <a:gridCol w="791651">
+                  <a:extLst>
+                    <a:ext uri="{9D8B030D-6E8A-4147-A177-3AD203B41FA5}">
+                      <a16:colId xmlns:a16="http://schemas.microsoft.com/office/drawing/2014/main" val="1809397895"/>
+                    </a:ext>
+                  </a:extLst>
+                </a:gridCol>
+                <a:gridCol w="2346643">
+                  <a:extLst>
+                    <a:ext uri="{9D8B030D-6E8A-4147-A177-3AD203B41FA5}">
+                      <a16:colId xmlns:a16="http://schemas.microsoft.com/office/drawing/2014/main" val="3098326455"/>
+                    </a:ext>
+                  </a:extLst>
+                </a:gridCol>
+                <a:gridCol w="5541871">
+                  <a:extLst>
+                    <a:ext uri="{9D8B030D-6E8A-4147-A177-3AD203B41FA5}">
+                      <a16:colId xmlns:a16="http://schemas.microsoft.com/office/drawing/2014/main" val="2533419394"/>
+                    </a:ext>
+                  </a:extLst>
+                </a:gridCol>
+              </a:tblGrid>
+              <a:tr h="0">
+                <a:tc>
+                  <a:txBody>
+                    <a:bodyPr/>
+                    <a:lstStyle/>
+                    <a:p>
+                      <a:r>
+                        <a:rPr kumimoji="1" lang="ja-JP" altLang="en-US" sz="1800" dirty="0"/>
+                        <a:t>日付</a:t>
+                      </a:r>
+                    </a:p>
+                  </a:txBody>
+                  <a:tcPr anchor="ctr"/>
+                </a:tc>
+                <a:tc>
+                  <a:txBody>
+                    <a:bodyPr/>
+                    <a:lstStyle/>
+                    <a:p>
+                      <a:r>
+                        <a:rPr kumimoji="1" lang="ja-JP" altLang="en-US" sz="1800" dirty="0"/>
+                        <a:t>回数</a:t>
+                      </a:r>
+                    </a:p>
+                  </a:txBody>
+                  <a:tcPr anchor="ctr"/>
+                </a:tc>
+                <a:tc>
+                  <a:txBody>
+                    <a:bodyPr/>
+                    <a:lstStyle/>
+                    <a:p>
+                      <a:r>
+                        <a:rPr kumimoji="1" lang="ja-JP" altLang="en-US" sz="1800" dirty="0"/>
+                        <a:t>授業内容</a:t>
+                      </a:r>
+                    </a:p>
+                  </a:txBody>
+                  <a:tcPr anchor="ctr"/>
+                </a:tc>
+                <a:tc>
+                  <a:txBody>
+                    <a:bodyPr/>
+                    <a:lstStyle/>
+                    <a:p>
+                      <a:r>
+                        <a:rPr kumimoji="1" lang="ja-JP" altLang="en-US" sz="1800" dirty="0"/>
+                        <a:t>キーワード</a:t>
+                      </a:r>
+                      <a:endParaRPr kumimoji="1" lang="en-US" altLang="ja-JP" sz="1800" dirty="0"/>
+                    </a:p>
+                  </a:txBody>
+                  <a:tcPr anchor="ctr"/>
+                </a:tc>
+                <a:extLst>
+                  <a:ext uri="{0D108BD9-81ED-4DB2-BD59-A6C34878D82A}">
+                    <a16:rowId xmlns:a16="http://schemas.microsoft.com/office/drawing/2014/main" val="3770844526"/>
+                  </a:ext>
+                </a:extLst>
+              </a:tr>
+              <a:tr h="165127">
+                <a:tc>
+                  <a:txBody>
+                    <a:bodyPr/>
+                    <a:lstStyle/>
+                    <a:p>
+                      <a:pPr algn="ctr"/>
+                      <a:r>
+                        <a:rPr kumimoji="1" lang="en-US" altLang="ja-JP" sz="1800" b="0" dirty="0"/>
+                        <a:t>1</a:t>
+                      </a:r>
+                      <a:r>
+                        <a:rPr kumimoji="1" lang="ja-JP" altLang="en-US" sz="1800" b="0" dirty="0"/>
+                        <a:t>日目</a:t>
+                      </a:r>
+                    </a:p>
+                  </a:txBody>
+                  <a:tcPr anchor="ctr"/>
+                </a:tc>
+                <a:tc>
+                  <a:txBody>
+                    <a:bodyPr/>
+                    <a:lstStyle/>
+                    <a:p>
+                      <a:pPr algn="ctr"/>
+                      <a:r>
+                        <a:rPr kumimoji="1" lang="en-US" altLang="ja-JP" sz="1800" b="0" dirty="0"/>
+                        <a:t>1</a:t>
+                      </a:r>
+                      <a:endParaRPr kumimoji="1" lang="ja-JP" altLang="en-US" sz="1800" b="0" dirty="0"/>
+                    </a:p>
+                  </a:txBody>
+                  <a:tcPr anchor="ctr"/>
+                </a:tc>
+                <a:tc>
+                  <a:txBody>
+                    <a:bodyPr/>
+                    <a:lstStyle/>
+                    <a:p>
+                      <a:r>
+                        <a:rPr kumimoji="1" lang="en-US" altLang="ja-JP" sz="1800" b="0" dirty="0"/>
+                        <a:t>Python</a:t>
+                      </a:r>
+                      <a:r>
+                        <a:rPr kumimoji="1" lang="ja-JP" altLang="en-US" sz="1800" b="0" dirty="0"/>
+                        <a:t>の準備</a:t>
+                      </a:r>
+                    </a:p>
+                  </a:txBody>
+                  <a:tcPr anchor="ctr"/>
+                </a:tc>
+                <a:tc>
+                  <a:txBody>
+                    <a:bodyPr/>
+                    <a:lstStyle/>
+                    <a:p>
+                      <a:r>
+                        <a:rPr kumimoji="1" lang="en-US" altLang="ja-JP" sz="1800" b="0" dirty="0" err="1"/>
+                        <a:t>colab</a:t>
+                      </a:r>
+                      <a:r>
+                        <a:rPr kumimoji="1" lang="ja-JP" altLang="en-US" sz="1800" b="0" dirty="0"/>
+                        <a:t>の使い方</a:t>
+                      </a:r>
+                      <a:endParaRPr kumimoji="1" lang="en-US" altLang="ja-JP" sz="1800" b="0" dirty="0"/>
+                    </a:p>
+                    <a:p>
+                      <a:r>
+                        <a:rPr kumimoji="1" lang="en-US" altLang="ja-JP" sz="1800" b="0" dirty="0"/>
+                        <a:t>TPM</a:t>
+                      </a:r>
+                      <a:r>
+                        <a:rPr kumimoji="1" lang="ja-JP" altLang="en-US" sz="1800" b="0" dirty="0"/>
+                        <a:t>データの読み込み、発現分布の確認</a:t>
+                      </a:r>
+                      <a:endParaRPr kumimoji="1" lang="ja-JP" altLang="en-US" sz="1800" b="1" dirty="0"/>
+                    </a:p>
+                  </a:txBody>
+                  <a:tcPr anchor="ctr"/>
+                </a:tc>
+                <a:extLst>
+                  <a:ext uri="{0D108BD9-81ED-4DB2-BD59-A6C34878D82A}">
+                    <a16:rowId xmlns:a16="http://schemas.microsoft.com/office/drawing/2014/main" val="73351816"/>
+                  </a:ext>
+                </a:extLst>
+              </a:tr>
+              <a:tr h="165127">
+                <a:tc>
+                  <a:txBody>
+                    <a:bodyPr/>
+                    <a:lstStyle/>
+                    <a:p>
+                      <a:pPr algn="ctr"/>
+                      <a:endParaRPr kumimoji="1" lang="ja-JP" altLang="en-US" sz="1800" b="0" dirty="0"/>
+                    </a:p>
+                  </a:txBody>
+                  <a:tcPr anchor="ctr"/>
+                </a:tc>
+                <a:tc>
+                  <a:txBody>
+                    <a:bodyPr/>
+                    <a:lstStyle/>
+                    <a:p>
+                      <a:pPr algn="ctr"/>
+                      <a:r>
+                        <a:rPr kumimoji="1" lang="en-US" altLang="ja-JP" sz="1800" b="0" dirty="0"/>
+                        <a:t>2</a:t>
+                      </a:r>
+                      <a:endParaRPr kumimoji="1" lang="ja-JP" altLang="en-US" sz="1800" b="0" dirty="0"/>
+                    </a:p>
+                  </a:txBody>
+                  <a:tcPr anchor="ctr"/>
+                </a:tc>
+                <a:tc>
+                  <a:txBody>
+                    <a:bodyPr/>
+                    <a:lstStyle/>
+                    <a:p>
+                      <a:r>
+                        <a:rPr kumimoji="1" lang="en-US" altLang="ja-JP" sz="1800" b="0" dirty="0"/>
+                        <a:t>RNA-seq</a:t>
+                      </a:r>
+                      <a:r>
+                        <a:rPr kumimoji="1" lang="ja-JP" altLang="en-US" sz="1800" b="0" dirty="0"/>
+                        <a:t>データ解析</a:t>
+                      </a:r>
+                    </a:p>
+                  </a:txBody>
+                  <a:tcPr anchor="ctr"/>
+                </a:tc>
+                <a:tc>
+                  <a:txBody>
+                    <a:bodyPr/>
+                    <a:lstStyle/>
+                    <a:p>
+                      <a:r>
+                        <a:rPr kumimoji="1" lang="ja-JP" altLang="en-US" sz="1800" b="0" dirty="0"/>
+                        <a:t>サンプル間の類似度（階層的クラスタリング）</a:t>
+                      </a:r>
+                      <a:endParaRPr kumimoji="1" lang="en-US" altLang="ja-JP" sz="1800" b="0" dirty="0"/>
+                    </a:p>
+                    <a:p>
+                      <a:pPr marL="0" marR="0" lvl="0" indent="0" algn="l" defTabSz="457200" rtl="0" eaLnBrk="1" fontAlgn="auto" latinLnBrk="0" hangingPunct="1">
+                        <a:lnSpc>
+                          <a:spcPct val="100000"/>
+                        </a:lnSpc>
+                        <a:spcBef>
+                          <a:spcPts val="0"/>
+                        </a:spcBef>
+                        <a:spcAft>
+                          <a:spcPts val="0"/>
+                        </a:spcAft>
+                        <a:buClrTx/>
+                        <a:buSzTx/>
+                        <a:buFontTx/>
+                        <a:buNone/>
+                        <a:tabLst/>
+                        <a:defRPr/>
+                      </a:pPr>
+                      <a:r>
+                        <a:rPr kumimoji="1" lang="ja-JP" altLang="en-US" sz="1800" b="0" dirty="0"/>
+                        <a:t>発現変動遺伝子の抽出（ボルケーノプロット）</a:t>
+                      </a:r>
+                    </a:p>
+                  </a:txBody>
+                  <a:tcPr anchor="ctr"/>
+                </a:tc>
+                <a:extLst>
+                  <a:ext uri="{0D108BD9-81ED-4DB2-BD59-A6C34878D82A}">
+                    <a16:rowId xmlns:a16="http://schemas.microsoft.com/office/drawing/2014/main" val="783916811"/>
+                  </a:ext>
+                </a:extLst>
+              </a:tr>
+              <a:tr h="165127">
+                <a:tc>
+                  <a:txBody>
+                    <a:bodyPr/>
+                    <a:lstStyle/>
+                    <a:p>
+                      <a:pPr algn="ctr"/>
+                      <a:endParaRPr kumimoji="1" lang="ja-JP" altLang="en-US" sz="1800" b="0" dirty="0"/>
+                    </a:p>
+                  </a:txBody>
+                  <a:tcPr anchor="ctr"/>
+                </a:tc>
+                <a:tc>
+                  <a:txBody>
+                    <a:bodyPr/>
+                    <a:lstStyle/>
+                    <a:p>
+                      <a:pPr algn="ctr"/>
+                      <a:r>
+                        <a:rPr kumimoji="1" lang="en-US" altLang="ja-JP" sz="1800" b="0" dirty="0"/>
+                        <a:t>3</a:t>
+                      </a:r>
+                      <a:endParaRPr kumimoji="1" lang="ja-JP" altLang="en-US" sz="1800" b="0" dirty="0"/>
+                    </a:p>
+                  </a:txBody>
+                  <a:tcPr anchor="ctr"/>
+                </a:tc>
+                <a:tc>
+                  <a:txBody>
+                    <a:bodyPr/>
+                    <a:lstStyle/>
+                    <a:p>
+                      <a:r>
+                        <a:rPr kumimoji="1" lang="ja-JP" altLang="en-US" sz="1800" b="0" dirty="0"/>
+                        <a:t>シングルセルデータ解析</a:t>
+                      </a:r>
+                    </a:p>
+                  </a:txBody>
+                  <a:tcPr anchor="ctr"/>
+                </a:tc>
+                <a:tc>
+                  <a:txBody>
+                    <a:bodyPr/>
+                    <a:lstStyle/>
+                    <a:p>
+                      <a:pPr marL="0" marR="0" lvl="0" indent="0" algn="l" defTabSz="457200" rtl="0" eaLnBrk="1" fontAlgn="auto" latinLnBrk="0" hangingPunct="1">
+                        <a:lnSpc>
+                          <a:spcPct val="100000"/>
+                        </a:lnSpc>
+                        <a:spcBef>
+                          <a:spcPts val="0"/>
+                        </a:spcBef>
+                        <a:spcAft>
+                          <a:spcPts val="0"/>
+                        </a:spcAft>
+                        <a:buClrTx/>
+                        <a:buSzTx/>
+                        <a:buFontTx/>
+                        <a:buNone/>
+                        <a:tabLst/>
+                        <a:defRPr/>
+                      </a:pPr>
+                      <a:r>
+                        <a:rPr kumimoji="1" lang="ja-JP" altLang="en-US" sz="1800" b="0" dirty="0"/>
+                        <a:t>シングルセル解析の意義、データの取り扱い</a:t>
+                      </a:r>
+                    </a:p>
+                    <a:p>
+                      <a:r>
+                        <a:rPr kumimoji="1" lang="ja-JP" altLang="en-US" sz="1800" b="0" dirty="0"/>
+                        <a:t>次元削減（</a:t>
+                      </a:r>
+                      <a:r>
+                        <a:rPr kumimoji="1" lang="en-US" altLang="ja-JP" sz="1800" b="0" dirty="0"/>
+                        <a:t>PCA</a:t>
+                      </a:r>
+                      <a:r>
+                        <a:rPr kumimoji="1" lang="ja-JP" altLang="en-US" sz="1800" b="0" dirty="0"/>
+                        <a:t>、</a:t>
+                      </a:r>
+                      <a:r>
+                        <a:rPr kumimoji="1" lang="en-US" altLang="ja-JP" sz="1800" b="0" dirty="0"/>
+                        <a:t>t-SNE</a:t>
+                      </a:r>
+                      <a:r>
+                        <a:rPr kumimoji="1" lang="ja-JP" altLang="en-US" sz="1800" b="0" dirty="0"/>
+                        <a:t>、</a:t>
+                      </a:r>
+                      <a:r>
+                        <a:rPr kumimoji="1" lang="en-US" altLang="ja-JP" sz="1800" b="0" dirty="0"/>
+                        <a:t>UMAP</a:t>
+                      </a:r>
+                      <a:r>
+                        <a:rPr kumimoji="1" lang="ja-JP" altLang="en-US" sz="1800" b="0" dirty="0"/>
+                        <a:t>）</a:t>
+                      </a:r>
+                    </a:p>
+                  </a:txBody>
+                  <a:tcPr anchor="ctr"/>
+                </a:tc>
+                <a:extLst>
+                  <a:ext uri="{0D108BD9-81ED-4DB2-BD59-A6C34878D82A}">
+                    <a16:rowId xmlns:a16="http://schemas.microsoft.com/office/drawing/2014/main" val="3648206193"/>
+                  </a:ext>
+                </a:extLst>
+              </a:tr>
+              <a:tr h="0">
+                <a:tc>
+                  <a:txBody>
+                    <a:bodyPr/>
+                    <a:lstStyle/>
+                    <a:p>
+                      <a:pPr algn="ctr"/>
+                      <a:endParaRPr kumimoji="1" lang="ja-JP" altLang="en-US" sz="1800" b="0" dirty="0"/>
+                    </a:p>
+                  </a:txBody>
+                  <a:tcPr anchor="ctr"/>
+                </a:tc>
+                <a:tc>
+                  <a:txBody>
+                    <a:bodyPr/>
+                    <a:lstStyle/>
+                    <a:p>
+                      <a:pPr algn="ctr"/>
+                      <a:r>
+                        <a:rPr kumimoji="1" lang="en-US" altLang="ja-JP" sz="1800" b="0" dirty="0"/>
+                        <a:t>4</a:t>
+                      </a:r>
+                      <a:endParaRPr kumimoji="1" lang="ja-JP" altLang="en-US" sz="1800" b="0" dirty="0"/>
+                    </a:p>
+                  </a:txBody>
+                  <a:tcPr anchor="ctr"/>
+                </a:tc>
+                <a:tc>
+                  <a:txBody>
+                    <a:bodyPr/>
+                    <a:lstStyle/>
+                    <a:p>
+                      <a:r>
+                        <a:rPr kumimoji="1" lang="ja-JP" altLang="en-US" sz="1800" b="0" dirty="0"/>
+                        <a:t>質問コーナー</a:t>
+                      </a:r>
+                    </a:p>
+                  </a:txBody>
+                  <a:tcPr anchor="ctr"/>
+                </a:tc>
+                <a:tc>
+                  <a:txBody>
+                    <a:bodyPr/>
+                    <a:lstStyle/>
+                    <a:p>
+                      <a:endParaRPr kumimoji="1" lang="ja-JP" altLang="en-US" sz="1800" b="0" dirty="0"/>
+                    </a:p>
+                  </a:txBody>
+                  <a:tcPr anchor="ctr"/>
+                </a:tc>
+                <a:extLst>
+                  <a:ext uri="{0D108BD9-81ED-4DB2-BD59-A6C34878D82A}">
+                    <a16:rowId xmlns:a16="http://schemas.microsoft.com/office/drawing/2014/main" val="1720809971"/>
+                  </a:ext>
+                </a:extLst>
+              </a:tr>
+              <a:tr h="165127">
+                <a:tc>
+                  <a:txBody>
+                    <a:bodyPr/>
+                    <a:lstStyle/>
+                    <a:p>
+                      <a:pPr algn="ctr"/>
+                      <a:r>
+                        <a:rPr kumimoji="1" lang="en-US" altLang="ja-JP" sz="1800" b="0" dirty="0"/>
+                        <a:t>2</a:t>
+                      </a:r>
+                      <a:r>
+                        <a:rPr kumimoji="1" lang="ja-JP" altLang="en-US" sz="1800" b="0" dirty="0"/>
+                        <a:t>日目</a:t>
+                      </a:r>
+                    </a:p>
+                  </a:txBody>
+                  <a:tcPr anchor="ctr"/>
+                </a:tc>
+                <a:tc>
+                  <a:txBody>
+                    <a:bodyPr/>
+                    <a:lstStyle/>
+                    <a:p>
+                      <a:pPr algn="ctr"/>
+                      <a:r>
+                        <a:rPr kumimoji="1" lang="en-US" altLang="ja-JP" sz="1800" b="0" dirty="0"/>
+                        <a:t>5</a:t>
+                      </a:r>
+                      <a:endParaRPr kumimoji="1" lang="ja-JP" altLang="en-US" sz="1800" b="0" dirty="0"/>
+                    </a:p>
+                  </a:txBody>
+                  <a:tcPr anchor="ctr"/>
+                </a:tc>
+                <a:tc>
+                  <a:txBody>
+                    <a:bodyPr/>
+                    <a:lstStyle/>
+                    <a:p>
+                      <a:r>
+                        <a:rPr kumimoji="1" lang="ja-JP" altLang="en-US" sz="1800" b="0" dirty="0"/>
+                        <a:t>機械学習法の概要</a:t>
+                      </a:r>
+                    </a:p>
+                  </a:txBody>
+                  <a:tcPr anchor="ctr"/>
+                </a:tc>
+                <a:tc>
+                  <a:txBody>
+                    <a:bodyPr/>
+                    <a:lstStyle/>
+                    <a:p>
+                      <a:r>
+                        <a:rPr kumimoji="1" lang="ja-JP" altLang="en-US" sz="1800" b="0" dirty="0"/>
+                        <a:t>機械学習の基礎</a:t>
+                      </a:r>
+                      <a:endParaRPr kumimoji="1" lang="en-US" altLang="ja-JP" sz="1800" b="0" dirty="0"/>
+                    </a:p>
+                    <a:p>
+                      <a:r>
+                        <a:rPr kumimoji="1" lang="ja-JP" altLang="en-US" sz="1800" b="0" dirty="0"/>
+                        <a:t>分類・予測</a:t>
+                      </a:r>
+                    </a:p>
+                  </a:txBody>
+                  <a:tcPr anchor="ctr"/>
+                </a:tc>
+                <a:extLst>
+                  <a:ext uri="{0D108BD9-81ED-4DB2-BD59-A6C34878D82A}">
+                    <a16:rowId xmlns:a16="http://schemas.microsoft.com/office/drawing/2014/main" val="3520846079"/>
+                  </a:ext>
+                </a:extLst>
+              </a:tr>
+              <a:tr h="0">
+                <a:tc>
+                  <a:txBody>
+                    <a:bodyPr/>
+                    <a:lstStyle/>
+                    <a:p>
+                      <a:pPr algn="ctr"/>
+                      <a:endParaRPr kumimoji="1" lang="ja-JP" altLang="en-US" sz="1800" b="0" dirty="0"/>
+                    </a:p>
+                  </a:txBody>
+                  <a:tcPr anchor="ctr"/>
+                </a:tc>
+                <a:tc>
+                  <a:txBody>
+                    <a:bodyPr/>
+                    <a:lstStyle/>
+                    <a:p>
+                      <a:pPr algn="ctr"/>
+                      <a:r>
+                        <a:rPr kumimoji="1" lang="en-US" altLang="ja-JP" sz="1800" b="0" dirty="0"/>
+                        <a:t>6</a:t>
+                      </a:r>
+                      <a:endParaRPr kumimoji="1" lang="ja-JP" altLang="en-US" sz="1800" b="0" dirty="0"/>
+                    </a:p>
+                  </a:txBody>
+                  <a:tcPr anchor="ctr"/>
+                </a:tc>
+                <a:tc>
+                  <a:txBody>
+                    <a:bodyPr/>
+                    <a:lstStyle/>
+                    <a:p>
+                      <a:r>
+                        <a:rPr kumimoji="1" lang="ja-JP" altLang="en-US" sz="1800" b="0" dirty="0"/>
+                        <a:t>画像</a:t>
+                      </a:r>
+                      <a:r>
+                        <a:rPr kumimoji="1" lang="en-US" altLang="ja-JP" sz="1800" b="0" dirty="0"/>
+                        <a:t>AI</a:t>
+                      </a:r>
+                      <a:r>
+                        <a:rPr kumimoji="1" lang="ja-JP" altLang="en-US" sz="1800" b="0" dirty="0"/>
+                        <a:t>の概要</a:t>
+                      </a:r>
+                    </a:p>
+                  </a:txBody>
+                  <a:tcPr anchor="ctr"/>
+                </a:tc>
+                <a:tc>
+                  <a:txBody>
+                    <a:bodyPr/>
+                    <a:lstStyle/>
+                    <a:p>
+                      <a:pPr marL="0" marR="0" lvl="0" indent="0" algn="l" defTabSz="457200" rtl="0" eaLnBrk="1" fontAlgn="auto" latinLnBrk="0" hangingPunct="1">
+                        <a:lnSpc>
+                          <a:spcPct val="100000"/>
+                        </a:lnSpc>
+                        <a:spcBef>
+                          <a:spcPts val="0"/>
+                        </a:spcBef>
+                        <a:spcAft>
+                          <a:spcPts val="0"/>
+                        </a:spcAft>
+                        <a:buClrTx/>
+                        <a:buSzTx/>
+                        <a:buFontTx/>
+                        <a:buNone/>
+                        <a:tabLst/>
+                        <a:defRPr/>
+                      </a:pPr>
+                      <a:r>
+                        <a:rPr kumimoji="1" lang="ja-JP" altLang="en-US" sz="1800" b="0" dirty="0"/>
+                        <a:t>画像判別・画像分類</a:t>
+                      </a:r>
+                    </a:p>
+                  </a:txBody>
+                  <a:tcPr anchor="ctr"/>
+                </a:tc>
+                <a:extLst>
+                  <a:ext uri="{0D108BD9-81ED-4DB2-BD59-A6C34878D82A}">
+                    <a16:rowId xmlns:a16="http://schemas.microsoft.com/office/drawing/2014/main" val="2215375432"/>
+                  </a:ext>
+                </a:extLst>
+              </a:tr>
+              <a:tr h="0">
+                <a:tc>
+                  <a:txBody>
+                    <a:bodyPr/>
+                    <a:lstStyle/>
+                    <a:p>
+                      <a:pPr algn="ctr"/>
+                      <a:endParaRPr kumimoji="1" lang="ja-JP" altLang="en-US" sz="1800" b="0" dirty="0"/>
+                    </a:p>
+                  </a:txBody>
+                  <a:tcPr anchor="ctr"/>
+                </a:tc>
+                <a:tc>
+                  <a:txBody>
+                    <a:bodyPr/>
+                    <a:lstStyle/>
+                    <a:p>
+                      <a:pPr algn="ctr"/>
+                      <a:r>
+                        <a:rPr kumimoji="1" lang="en-US" altLang="ja-JP" sz="1800" b="0" dirty="0"/>
+                        <a:t>7</a:t>
+                      </a:r>
+                      <a:endParaRPr kumimoji="1" lang="ja-JP" altLang="en-US" sz="1800" b="0" dirty="0"/>
+                    </a:p>
+                  </a:txBody>
+                  <a:tcPr anchor="ctr"/>
+                </a:tc>
+                <a:tc>
+                  <a:txBody>
+                    <a:bodyPr/>
+                    <a:lstStyle/>
+                    <a:p>
+                      <a:pPr marL="0" marR="0" lvl="0" indent="0" algn="l" defTabSz="457200" rtl="0" eaLnBrk="1" fontAlgn="auto" latinLnBrk="0" hangingPunct="1">
+                        <a:lnSpc>
+                          <a:spcPct val="100000"/>
+                        </a:lnSpc>
+                        <a:spcBef>
+                          <a:spcPts val="0"/>
+                        </a:spcBef>
+                        <a:spcAft>
+                          <a:spcPts val="0"/>
+                        </a:spcAft>
+                        <a:buClrTx/>
+                        <a:buSzTx/>
+                        <a:buFontTx/>
+                        <a:buNone/>
+                        <a:tabLst/>
+                        <a:defRPr/>
+                      </a:pPr>
+                      <a:r>
+                        <a:rPr kumimoji="1" lang="ja-JP" altLang="en-US" sz="1800" b="0" i="0" u="none" strike="noStrike" kern="1200" cap="none" spc="0" normalizeH="0" baseline="0" noProof="0">
+                          <a:ln>
+                            <a:noFill/>
+                          </a:ln>
+                          <a:solidFill>
+                            <a:prstClr val="black"/>
+                          </a:solidFill>
+                          <a:effectLst/>
+                          <a:uLnTx/>
+                          <a:uFillTx/>
+                          <a:latin typeface="Meiryo UI"/>
+                          <a:ea typeface="Meiryo UI"/>
+                          <a:cs typeface="+mn-cs"/>
+                        </a:rPr>
+                        <a:t>応用</a:t>
+                      </a:r>
+                      <a:endParaRPr kumimoji="1" lang="ja-JP" altLang="en-US" sz="1800" b="0" i="0" u="none" strike="noStrike" kern="1200" cap="none" spc="0" normalizeH="0" baseline="0" noProof="0" dirty="0">
+                        <a:ln>
+                          <a:noFill/>
+                        </a:ln>
+                        <a:solidFill>
+                          <a:prstClr val="black"/>
+                        </a:solidFill>
+                        <a:effectLst/>
+                        <a:uLnTx/>
+                        <a:uFillTx/>
+                        <a:latin typeface="Meiryo UI"/>
+                        <a:ea typeface="Meiryo UI"/>
+                        <a:cs typeface="+mn-cs"/>
+                      </a:endParaRPr>
+                    </a:p>
+                  </a:txBody>
+                  <a:tcPr anchor="ctr"/>
+                </a:tc>
+                <a:tc>
+                  <a:txBody>
+                    <a:bodyPr/>
+                    <a:lstStyle/>
+                    <a:p>
+                      <a:endParaRPr kumimoji="1" lang="ja-JP" altLang="en-US" sz="1800" b="0" dirty="0"/>
+                    </a:p>
+                  </a:txBody>
+                  <a:tcPr anchor="ctr"/>
+                </a:tc>
+                <a:extLst>
+                  <a:ext uri="{0D108BD9-81ED-4DB2-BD59-A6C34878D82A}">
+                    <a16:rowId xmlns:a16="http://schemas.microsoft.com/office/drawing/2014/main" val="2343400593"/>
+                  </a:ext>
+                </a:extLst>
+              </a:tr>
+              <a:tr h="0">
+                <a:tc>
+                  <a:txBody>
+                    <a:bodyPr/>
+                    <a:lstStyle/>
+                    <a:p>
+                      <a:pPr algn="ctr"/>
+                      <a:endParaRPr kumimoji="1" lang="ja-JP" altLang="en-US" sz="1800" b="0" dirty="0"/>
+                    </a:p>
+                  </a:txBody>
+                  <a:tcPr anchor="ctr"/>
+                </a:tc>
+                <a:tc>
+                  <a:txBody>
+                    <a:bodyPr/>
+                    <a:lstStyle/>
+                    <a:p>
+                      <a:pPr algn="ctr"/>
+                      <a:r>
+                        <a:rPr kumimoji="1" lang="en-US" altLang="ja-JP" sz="1800" b="0" dirty="0"/>
+                        <a:t>8</a:t>
+                      </a:r>
+                      <a:endParaRPr kumimoji="1" lang="ja-JP" altLang="en-US" sz="1800" b="0" dirty="0"/>
+                    </a:p>
+                  </a:txBody>
+                  <a:tcPr anchor="ctr"/>
+                </a:tc>
+                <a:tc>
+                  <a:txBody>
+                    <a:bodyPr/>
+                    <a:lstStyle/>
+                    <a:p>
+                      <a:pPr marL="0" marR="0" lvl="0" indent="0" algn="l" defTabSz="457200" rtl="0" eaLnBrk="1" fontAlgn="auto" latinLnBrk="0" hangingPunct="1">
+                        <a:lnSpc>
+                          <a:spcPct val="100000"/>
+                        </a:lnSpc>
+                        <a:spcBef>
+                          <a:spcPts val="0"/>
+                        </a:spcBef>
+                        <a:spcAft>
+                          <a:spcPts val="0"/>
+                        </a:spcAft>
+                        <a:buClrTx/>
+                        <a:buSzTx/>
+                        <a:buFontTx/>
+                        <a:buNone/>
+                        <a:tabLst/>
+                        <a:defRPr/>
+                      </a:pPr>
+                      <a:r>
+                        <a:rPr kumimoji="1" lang="ja-JP" altLang="en-US" sz="1800" b="0" i="0" u="none" strike="noStrike" kern="1200" cap="none" spc="0" normalizeH="0" baseline="0" noProof="0" dirty="0">
+                          <a:ln>
+                            <a:noFill/>
+                          </a:ln>
+                          <a:solidFill>
+                            <a:prstClr val="black"/>
+                          </a:solidFill>
+                          <a:effectLst/>
+                          <a:uLnTx/>
+                          <a:uFillTx/>
+                          <a:latin typeface="Meiryo UI"/>
+                          <a:ea typeface="Meiryo UI"/>
+                          <a:cs typeface="+mn-cs"/>
+                        </a:rPr>
+                        <a:t>質問コーナー</a:t>
+                      </a:r>
+                    </a:p>
+                  </a:txBody>
+                  <a:tcPr anchor="ctr"/>
+                </a:tc>
+                <a:tc>
+                  <a:txBody>
+                    <a:bodyPr/>
+                    <a:lstStyle/>
+                    <a:p>
+                      <a:endParaRPr kumimoji="1" lang="ja-JP" altLang="en-US" sz="1800" b="0" dirty="0"/>
+                    </a:p>
+                  </a:txBody>
+                  <a:tcPr anchor="ctr"/>
+                </a:tc>
+                <a:extLst>
+                  <a:ext uri="{0D108BD9-81ED-4DB2-BD59-A6C34878D82A}">
+                    <a16:rowId xmlns:a16="http://schemas.microsoft.com/office/drawing/2014/main" val="3528777321"/>
+                  </a:ext>
+                </a:extLst>
+              </a:tr>
+            </a:tbl>
+          </a:graphicData>
+        </a:graphic>
+      </p:graphicFrame>
+      <p:sp>
+        <p:nvSpPr>
+          <p:cNvPr id="3" name="テキスト ボックス 2">
+            <a:extLst>
+              <a:ext uri="{FF2B5EF4-FFF2-40B4-BE49-F238E27FC236}">
+                <a16:creationId xmlns:a16="http://schemas.microsoft.com/office/drawing/2014/main" id="{313E621B-EF53-AE51-708C-A6ECB825136D}"/>
+              </a:ext>
+            </a:extLst>
+          </p:cNvPr>
+          <p:cNvSpPr txBox="1"/>
+          <p:nvPr/>
+        </p:nvSpPr>
+        <p:spPr>
+          <a:xfrm>
+            <a:off x="1813627" y="5707916"/>
+            <a:ext cx="7819769" cy="830997"/>
+          </a:xfrm>
+          <a:prstGeom prst="rect">
+            <a:avLst/>
+          </a:prstGeom>
+          <a:noFill/>
+        </p:spPr>
+        <p:txBody>
+          <a:bodyPr wrap="none" rtlCol="0">
+            <a:spAutoFit/>
+          </a:bodyPr>
+          <a:lstStyle/>
+          <a:p>
+            <a:r>
+              <a:rPr kumimoji="1" lang="ja-JP" altLang="en-US" sz="2400" dirty="0"/>
+              <a:t>両日とも、午前中は講義と演習を行います。</a:t>
+            </a:r>
+            <a:endParaRPr kumimoji="1" lang="en-US" altLang="ja-JP" sz="2400" dirty="0"/>
+          </a:p>
+          <a:p>
+            <a:r>
+              <a:rPr kumimoji="1" lang="ja-JP" altLang="en-US" sz="2400" dirty="0"/>
+              <a:t>午後はアドバンスな内容と個別質問・相談などを受け付けます。</a:t>
+            </a:r>
+          </a:p>
+        </p:txBody>
+      </p:sp>
+    </p:spTree>
+    <p:extLst>
+      <p:ext uri="{BB962C8B-B14F-4D97-AF65-F5344CB8AC3E}">
+        <p14:creationId xmlns:p14="http://schemas.microsoft.com/office/powerpoint/2010/main" val="4144629360"/>
+      </p:ext>
+    </p:extLst>
+  </p:cSld>
+  <p:clrMapOvr>
+    <a:masterClrMapping/>
+  </p:clrMapOvr>
+</p:sld>
+</file>
+
+<file path=ppt/slides/slide20.xml><?xml version="1.0" encoding="utf-8"?>
 <p:sld xmlns:a="http://schemas.openxmlformats.org/drawingml/2006/main" xmlns:r="http://schemas.openxmlformats.org/officeDocument/2006/relationships" xmlns:p="http://schemas.openxmlformats.org/presentationml/2006/main">
   <p:cSld>
     <p:spTree>
@@ -11603,7 +12652,7 @@
           <a:p>
             <a:fld id="{895CAF78-E814-F147-85DE-99D10320521C}" type="slidenum">
               <a:rPr kumimoji="1" lang="ja-JP" altLang="en-US" smtClean="0"/>
-              <a:t>19</a:t>
+              <a:t>20</a:t>
             </a:fld>
             <a:endParaRPr kumimoji="1" lang="ja-JP" altLang="en-US"/>
           </a:p>
@@ -34682,933 +35731,7 @@
 </p:sld>
 </file>
 
-<file path=ppt/slides/slide2.xml><?xml version="1.0" encoding="utf-8"?>
-<p:sld xmlns:a="http://schemas.openxmlformats.org/drawingml/2006/main" xmlns:r="http://schemas.openxmlformats.org/officeDocument/2006/relationships" xmlns:p="http://schemas.openxmlformats.org/presentationml/2006/main">
-  <p:cSld>
-    <p:spTree>
-      <p:nvGrpSpPr>
-        <p:cNvPr id="1" name=""/>
-        <p:cNvGrpSpPr/>
-        <p:nvPr/>
-      </p:nvGrpSpPr>
-      <p:grpSpPr>
-        <a:xfrm>
-          <a:off x="0" y="0"/>
-          <a:ext cx="0" cy="0"/>
-          <a:chOff x="0" y="0"/>
-          <a:chExt cx="0" cy="0"/>
-        </a:xfrm>
-      </p:grpSpPr>
-      <p:sp>
-        <p:nvSpPr>
-          <p:cNvPr id="5" name="タイトル 4">
-            <a:extLst>
-              <a:ext uri="{FF2B5EF4-FFF2-40B4-BE49-F238E27FC236}">
-                <a16:creationId xmlns:a16="http://schemas.microsoft.com/office/drawing/2014/main" id="{C1FC9F18-50DA-105C-A313-171C2AD0C0F1}"/>
-              </a:ext>
-            </a:extLst>
-          </p:cNvPr>
-          <p:cNvSpPr>
-            <a:spLocks noGrp="1"/>
-          </p:cNvSpPr>
-          <p:nvPr>
-            <p:ph type="title"/>
-          </p:nvPr>
-        </p:nvSpPr>
-        <p:spPr/>
-        <p:txBody>
-          <a:bodyPr>
-            <a:normAutofit fontScale="90000"/>
-          </a:bodyPr>
-          <a:lstStyle/>
-          <a:p>
-            <a:r>
-              <a:rPr lang="ja-JP" altLang="en-US" dirty="0"/>
-              <a:t>バイオ技術：シラバス</a:t>
-            </a:r>
-          </a:p>
-        </p:txBody>
-      </p:sp>
-      <p:sp>
-        <p:nvSpPr>
-          <p:cNvPr id="4" name="スライド番号プレースホルダー 3">
-            <a:extLst>
-              <a:ext uri="{FF2B5EF4-FFF2-40B4-BE49-F238E27FC236}">
-                <a16:creationId xmlns:a16="http://schemas.microsoft.com/office/drawing/2014/main" id="{ADAB212A-6199-0385-7143-9DED346BE670}"/>
-              </a:ext>
-            </a:extLst>
-          </p:cNvPr>
-          <p:cNvSpPr>
-            <a:spLocks noGrp="1"/>
-          </p:cNvSpPr>
-          <p:nvPr>
-            <p:ph type="sldNum" sz="quarter" idx="12"/>
-          </p:nvPr>
-        </p:nvSpPr>
-        <p:spPr/>
-        <p:txBody>
-          <a:bodyPr/>
-          <a:lstStyle/>
-          <a:p>
-            <a:fld id="{895CAF78-E814-F147-85DE-99D10320521C}" type="slidenum">
-              <a:rPr kumimoji="1" lang="ja-JP" altLang="en-US" smtClean="0"/>
-              <a:t>2</a:t>
-            </a:fld>
-            <a:endParaRPr kumimoji="1" lang="ja-JP" altLang="en-US"/>
-          </a:p>
-        </p:txBody>
-      </p:sp>
-      <p:graphicFrame>
-        <p:nvGraphicFramePr>
-          <p:cNvPr id="2" name="表 1">
-            <a:extLst>
-              <a:ext uri="{FF2B5EF4-FFF2-40B4-BE49-F238E27FC236}">
-                <a16:creationId xmlns:a16="http://schemas.microsoft.com/office/drawing/2014/main" id="{528F8E4B-FDBE-2FEA-64C3-2D095EE957DB}"/>
-              </a:ext>
-            </a:extLst>
-          </p:cNvPr>
-          <p:cNvGraphicFramePr>
-            <a:graphicFrameLocks noGrp="1"/>
-          </p:cNvGraphicFramePr>
-          <p:nvPr>
-            <p:extLst>
-              <p:ext uri="{D42A27DB-BD31-4B8C-83A1-F6EECF244321}">
-                <p14:modId xmlns:p14="http://schemas.microsoft.com/office/powerpoint/2010/main" val="2524501889"/>
-              </p:ext>
-            </p:extLst>
-          </p:nvPr>
-        </p:nvGraphicFramePr>
-        <p:xfrm>
-          <a:off x="1285388" y="1234440"/>
-          <a:ext cx="9621223" cy="4389120"/>
-        </p:xfrm>
-        <a:graphic>
-          <a:graphicData uri="http://schemas.openxmlformats.org/drawingml/2006/table">
-            <a:tbl>
-              <a:tblPr firstRow="1" bandRow="1">
-                <a:tableStyleId>{93296810-A885-4BE3-A3E7-6D5BEEA58F35}</a:tableStyleId>
-              </a:tblPr>
-              <a:tblGrid>
-                <a:gridCol w="941058">
-                  <a:extLst>
-                    <a:ext uri="{9D8B030D-6E8A-4147-A177-3AD203B41FA5}">
-                      <a16:colId xmlns:a16="http://schemas.microsoft.com/office/drawing/2014/main" val="2758469367"/>
-                    </a:ext>
-                  </a:extLst>
-                </a:gridCol>
-                <a:gridCol w="791651">
-                  <a:extLst>
-                    <a:ext uri="{9D8B030D-6E8A-4147-A177-3AD203B41FA5}">
-                      <a16:colId xmlns:a16="http://schemas.microsoft.com/office/drawing/2014/main" val="1809397895"/>
-                    </a:ext>
-                  </a:extLst>
-                </a:gridCol>
-                <a:gridCol w="2346643">
-                  <a:extLst>
-                    <a:ext uri="{9D8B030D-6E8A-4147-A177-3AD203B41FA5}">
-                      <a16:colId xmlns:a16="http://schemas.microsoft.com/office/drawing/2014/main" val="3098326455"/>
-                    </a:ext>
-                  </a:extLst>
-                </a:gridCol>
-                <a:gridCol w="5541871">
-                  <a:extLst>
-                    <a:ext uri="{9D8B030D-6E8A-4147-A177-3AD203B41FA5}">
-                      <a16:colId xmlns:a16="http://schemas.microsoft.com/office/drawing/2014/main" val="2533419394"/>
-                    </a:ext>
-                  </a:extLst>
-                </a:gridCol>
-              </a:tblGrid>
-              <a:tr h="0">
-                <a:tc>
-                  <a:txBody>
-                    <a:bodyPr/>
-                    <a:lstStyle/>
-                    <a:p>
-                      <a:r>
-                        <a:rPr kumimoji="1" lang="ja-JP" altLang="en-US" sz="1800" dirty="0"/>
-                        <a:t>日付</a:t>
-                      </a:r>
-                    </a:p>
-                  </a:txBody>
-                  <a:tcPr anchor="ctr"/>
-                </a:tc>
-                <a:tc>
-                  <a:txBody>
-                    <a:bodyPr/>
-                    <a:lstStyle/>
-                    <a:p>
-                      <a:r>
-                        <a:rPr kumimoji="1" lang="ja-JP" altLang="en-US" sz="1800" dirty="0"/>
-                        <a:t>回数</a:t>
-                      </a:r>
-                    </a:p>
-                  </a:txBody>
-                  <a:tcPr anchor="ctr"/>
-                </a:tc>
-                <a:tc>
-                  <a:txBody>
-                    <a:bodyPr/>
-                    <a:lstStyle/>
-                    <a:p>
-                      <a:r>
-                        <a:rPr kumimoji="1" lang="ja-JP" altLang="en-US" sz="1800" dirty="0"/>
-                        <a:t>授業内容</a:t>
-                      </a:r>
-                    </a:p>
-                  </a:txBody>
-                  <a:tcPr anchor="ctr"/>
-                </a:tc>
-                <a:tc>
-                  <a:txBody>
-                    <a:bodyPr/>
-                    <a:lstStyle/>
-                    <a:p>
-                      <a:r>
-                        <a:rPr kumimoji="1" lang="ja-JP" altLang="en-US" sz="1800" dirty="0"/>
-                        <a:t>キーワード</a:t>
-                      </a:r>
-                      <a:endParaRPr kumimoji="1" lang="en-US" altLang="ja-JP" sz="1800" dirty="0"/>
-                    </a:p>
-                  </a:txBody>
-                  <a:tcPr anchor="ctr"/>
-                </a:tc>
-                <a:extLst>
-                  <a:ext uri="{0D108BD9-81ED-4DB2-BD59-A6C34878D82A}">
-                    <a16:rowId xmlns:a16="http://schemas.microsoft.com/office/drawing/2014/main" val="3770844526"/>
-                  </a:ext>
-                </a:extLst>
-              </a:tr>
-              <a:tr h="165127">
-                <a:tc>
-                  <a:txBody>
-                    <a:bodyPr/>
-                    <a:lstStyle/>
-                    <a:p>
-                      <a:pPr algn="ctr"/>
-                      <a:r>
-                        <a:rPr kumimoji="1" lang="en-US" altLang="ja-JP" sz="1800" b="0" dirty="0"/>
-                        <a:t>1</a:t>
-                      </a:r>
-                      <a:r>
-                        <a:rPr kumimoji="1" lang="ja-JP" altLang="en-US" sz="1800" b="0" dirty="0"/>
-                        <a:t>日目</a:t>
-                      </a:r>
-                    </a:p>
-                  </a:txBody>
-                  <a:tcPr anchor="ctr"/>
-                </a:tc>
-                <a:tc>
-                  <a:txBody>
-                    <a:bodyPr/>
-                    <a:lstStyle/>
-                    <a:p>
-                      <a:pPr algn="ctr"/>
-                      <a:r>
-                        <a:rPr kumimoji="1" lang="en-US" altLang="ja-JP" sz="1800" b="0" dirty="0"/>
-                        <a:t>1</a:t>
-                      </a:r>
-                      <a:endParaRPr kumimoji="1" lang="ja-JP" altLang="en-US" sz="1800" b="0" dirty="0"/>
-                    </a:p>
-                  </a:txBody>
-                  <a:tcPr anchor="ctr"/>
-                </a:tc>
-                <a:tc>
-                  <a:txBody>
-                    <a:bodyPr/>
-                    <a:lstStyle/>
-                    <a:p>
-                      <a:r>
-                        <a:rPr kumimoji="1" lang="en-US" altLang="ja-JP" sz="1800" b="0" dirty="0" err="1"/>
-                        <a:t>Colab</a:t>
-                      </a:r>
-                      <a:r>
-                        <a:rPr kumimoji="1" lang="ja-JP" altLang="en-US" sz="1800" b="0" dirty="0"/>
-                        <a:t>の準備</a:t>
-                      </a:r>
-                    </a:p>
-                  </a:txBody>
-                  <a:tcPr anchor="ctr"/>
-                </a:tc>
-                <a:tc>
-                  <a:txBody>
-                    <a:bodyPr/>
-                    <a:lstStyle/>
-                    <a:p>
-                      <a:r>
-                        <a:rPr kumimoji="1" lang="en-US" altLang="ja-JP" sz="1800" b="0" dirty="0" err="1"/>
-                        <a:t>colab</a:t>
-                      </a:r>
-                      <a:r>
-                        <a:rPr kumimoji="1" lang="ja-JP" altLang="en-US" sz="1800" b="0" dirty="0"/>
-                        <a:t>の使い方</a:t>
-                      </a:r>
-                      <a:endParaRPr kumimoji="1" lang="en-US" altLang="ja-JP" sz="1800" b="0" dirty="0"/>
-                    </a:p>
-                    <a:p>
-                      <a:r>
-                        <a:rPr kumimoji="1" lang="en-US" altLang="ja-JP" sz="1800" b="0" dirty="0"/>
-                        <a:t>TPM</a:t>
-                      </a:r>
-                      <a:r>
-                        <a:rPr kumimoji="1" lang="ja-JP" altLang="en-US" sz="1800" b="0" dirty="0"/>
-                        <a:t>データの読み込み、発現分布の確認</a:t>
-                      </a:r>
-                      <a:endParaRPr kumimoji="1" lang="ja-JP" altLang="en-US" sz="1800" b="1" dirty="0"/>
-                    </a:p>
-                  </a:txBody>
-                  <a:tcPr anchor="ctr"/>
-                </a:tc>
-                <a:extLst>
-                  <a:ext uri="{0D108BD9-81ED-4DB2-BD59-A6C34878D82A}">
-                    <a16:rowId xmlns:a16="http://schemas.microsoft.com/office/drawing/2014/main" val="73351816"/>
-                  </a:ext>
-                </a:extLst>
-              </a:tr>
-              <a:tr h="165127">
-                <a:tc>
-                  <a:txBody>
-                    <a:bodyPr/>
-                    <a:lstStyle/>
-                    <a:p>
-                      <a:pPr algn="ctr"/>
-                      <a:endParaRPr kumimoji="1" lang="ja-JP" altLang="en-US" sz="1800" b="0" dirty="0"/>
-                    </a:p>
-                  </a:txBody>
-                  <a:tcPr anchor="ctr"/>
-                </a:tc>
-                <a:tc>
-                  <a:txBody>
-                    <a:bodyPr/>
-                    <a:lstStyle/>
-                    <a:p>
-                      <a:pPr algn="ctr"/>
-                      <a:r>
-                        <a:rPr kumimoji="1" lang="en-US" altLang="ja-JP" sz="1800" b="0" dirty="0"/>
-                        <a:t>2</a:t>
-                      </a:r>
-                      <a:endParaRPr kumimoji="1" lang="ja-JP" altLang="en-US" sz="1800" b="0" dirty="0"/>
-                    </a:p>
-                  </a:txBody>
-                  <a:tcPr anchor="ctr"/>
-                </a:tc>
-                <a:tc>
-                  <a:txBody>
-                    <a:bodyPr/>
-                    <a:lstStyle/>
-                    <a:p>
-                      <a:r>
-                        <a:rPr kumimoji="1" lang="en-US" altLang="ja-JP" sz="1800" b="0" dirty="0"/>
-                        <a:t>RNA-seq</a:t>
-                      </a:r>
-                      <a:r>
-                        <a:rPr kumimoji="1" lang="ja-JP" altLang="en-US" sz="1800" b="0" dirty="0"/>
-                        <a:t>データ解析</a:t>
-                      </a:r>
-                    </a:p>
-                  </a:txBody>
-                  <a:tcPr anchor="ctr"/>
-                </a:tc>
-                <a:tc>
-                  <a:txBody>
-                    <a:bodyPr/>
-                    <a:lstStyle/>
-                    <a:p>
-                      <a:r>
-                        <a:rPr kumimoji="1" lang="ja-JP" altLang="en-US" sz="1800" b="0" dirty="0"/>
-                        <a:t>サンプル間の類似度（階層的クラスタリング）</a:t>
-                      </a:r>
-                      <a:endParaRPr kumimoji="1" lang="en-US" altLang="ja-JP" sz="1800" b="0" dirty="0"/>
-                    </a:p>
-                    <a:p>
-                      <a:pPr marL="0" marR="0" lvl="0" indent="0" algn="l" defTabSz="457200" rtl="0" eaLnBrk="1" fontAlgn="auto" latinLnBrk="0" hangingPunct="1">
-                        <a:lnSpc>
-                          <a:spcPct val="100000"/>
-                        </a:lnSpc>
-                        <a:spcBef>
-                          <a:spcPts val="0"/>
-                        </a:spcBef>
-                        <a:spcAft>
-                          <a:spcPts val="0"/>
-                        </a:spcAft>
-                        <a:buClrTx/>
-                        <a:buSzTx/>
-                        <a:buFontTx/>
-                        <a:buNone/>
-                        <a:tabLst/>
-                        <a:defRPr/>
-                      </a:pPr>
-                      <a:r>
-                        <a:rPr kumimoji="1" lang="ja-JP" altLang="en-US" sz="1800" b="0" dirty="0"/>
-                        <a:t>発現変動遺伝子の抽出（ボルケーノプロット）</a:t>
-                      </a:r>
-                    </a:p>
-                  </a:txBody>
-                  <a:tcPr anchor="ctr"/>
-                </a:tc>
-                <a:extLst>
-                  <a:ext uri="{0D108BD9-81ED-4DB2-BD59-A6C34878D82A}">
-                    <a16:rowId xmlns:a16="http://schemas.microsoft.com/office/drawing/2014/main" val="783916811"/>
-                  </a:ext>
-                </a:extLst>
-              </a:tr>
-              <a:tr h="165127">
-                <a:tc>
-                  <a:txBody>
-                    <a:bodyPr/>
-                    <a:lstStyle/>
-                    <a:p>
-                      <a:pPr algn="ctr"/>
-                      <a:endParaRPr kumimoji="1" lang="ja-JP" altLang="en-US" sz="1800" b="0" dirty="0"/>
-                    </a:p>
-                  </a:txBody>
-                  <a:tcPr anchor="ctr"/>
-                </a:tc>
-                <a:tc>
-                  <a:txBody>
-                    <a:bodyPr/>
-                    <a:lstStyle/>
-                    <a:p>
-                      <a:pPr algn="ctr"/>
-                      <a:r>
-                        <a:rPr kumimoji="1" lang="en-US" altLang="ja-JP" sz="1800" b="0" dirty="0"/>
-                        <a:t>3</a:t>
-                      </a:r>
-                      <a:endParaRPr kumimoji="1" lang="ja-JP" altLang="en-US" sz="1800" b="0" dirty="0"/>
-                    </a:p>
-                  </a:txBody>
-                  <a:tcPr anchor="ctr"/>
-                </a:tc>
-                <a:tc>
-                  <a:txBody>
-                    <a:bodyPr/>
-                    <a:lstStyle/>
-                    <a:p>
-                      <a:r>
-                        <a:rPr kumimoji="1" lang="ja-JP" altLang="en-US" sz="1800" b="0" dirty="0"/>
-                        <a:t>シングルセルデータ解析</a:t>
-                      </a:r>
-                    </a:p>
-                  </a:txBody>
-                  <a:tcPr anchor="ctr"/>
-                </a:tc>
-                <a:tc>
-                  <a:txBody>
-                    <a:bodyPr/>
-                    <a:lstStyle/>
-                    <a:p>
-                      <a:pPr marL="0" marR="0" lvl="0" indent="0" algn="l" defTabSz="457200" rtl="0" eaLnBrk="1" fontAlgn="auto" latinLnBrk="0" hangingPunct="1">
-                        <a:lnSpc>
-                          <a:spcPct val="100000"/>
-                        </a:lnSpc>
-                        <a:spcBef>
-                          <a:spcPts val="0"/>
-                        </a:spcBef>
-                        <a:spcAft>
-                          <a:spcPts val="0"/>
-                        </a:spcAft>
-                        <a:buClrTx/>
-                        <a:buSzTx/>
-                        <a:buFontTx/>
-                        <a:buNone/>
-                        <a:tabLst/>
-                        <a:defRPr/>
-                      </a:pPr>
-                      <a:r>
-                        <a:rPr kumimoji="1" lang="ja-JP" altLang="en-US" sz="1800" b="0" dirty="0"/>
-                        <a:t>シングルセル解析の意義、データの取り扱い</a:t>
-                      </a:r>
-                    </a:p>
-                    <a:p>
-                      <a:r>
-                        <a:rPr kumimoji="1" lang="ja-JP" altLang="en-US" sz="1800" b="0" dirty="0"/>
-                        <a:t>次元削減（</a:t>
-                      </a:r>
-                      <a:r>
-                        <a:rPr kumimoji="1" lang="en-US" altLang="ja-JP" sz="1800" b="0" dirty="0"/>
-                        <a:t>PCA</a:t>
-                      </a:r>
-                      <a:r>
-                        <a:rPr kumimoji="1" lang="ja-JP" altLang="en-US" sz="1800" b="0" dirty="0"/>
-                        <a:t>、</a:t>
-                      </a:r>
-                      <a:r>
-                        <a:rPr kumimoji="1" lang="en-US" altLang="ja-JP" sz="1800" b="0" dirty="0"/>
-                        <a:t>t-SNE</a:t>
-                      </a:r>
-                      <a:r>
-                        <a:rPr kumimoji="1" lang="ja-JP" altLang="en-US" sz="1800" b="0" dirty="0"/>
-                        <a:t>、</a:t>
-                      </a:r>
-                      <a:r>
-                        <a:rPr kumimoji="1" lang="en-US" altLang="ja-JP" sz="1800" b="0" dirty="0"/>
-                        <a:t>UMAP</a:t>
-                      </a:r>
-                      <a:r>
-                        <a:rPr kumimoji="1" lang="ja-JP" altLang="en-US" sz="1800" b="0" dirty="0"/>
-                        <a:t>）</a:t>
-                      </a:r>
-                    </a:p>
-                  </a:txBody>
-                  <a:tcPr anchor="ctr"/>
-                </a:tc>
-                <a:extLst>
-                  <a:ext uri="{0D108BD9-81ED-4DB2-BD59-A6C34878D82A}">
-                    <a16:rowId xmlns:a16="http://schemas.microsoft.com/office/drawing/2014/main" val="3648206193"/>
-                  </a:ext>
-                </a:extLst>
-              </a:tr>
-              <a:tr h="0">
-                <a:tc>
-                  <a:txBody>
-                    <a:bodyPr/>
-                    <a:lstStyle/>
-                    <a:p>
-                      <a:pPr algn="ctr"/>
-                      <a:endParaRPr kumimoji="1" lang="ja-JP" altLang="en-US" sz="1800" b="0" dirty="0"/>
-                    </a:p>
-                  </a:txBody>
-                  <a:tcPr anchor="ctr"/>
-                </a:tc>
-                <a:tc>
-                  <a:txBody>
-                    <a:bodyPr/>
-                    <a:lstStyle/>
-                    <a:p>
-                      <a:pPr algn="ctr"/>
-                      <a:r>
-                        <a:rPr kumimoji="1" lang="en-US" altLang="ja-JP" sz="1800" b="0" dirty="0"/>
-                        <a:t>4</a:t>
-                      </a:r>
-                      <a:endParaRPr kumimoji="1" lang="ja-JP" altLang="en-US" sz="1800" b="0" dirty="0"/>
-                    </a:p>
-                  </a:txBody>
-                  <a:tcPr anchor="ctr"/>
-                </a:tc>
-                <a:tc>
-                  <a:txBody>
-                    <a:bodyPr/>
-                    <a:lstStyle/>
-                    <a:p>
-                      <a:r>
-                        <a:rPr kumimoji="1" lang="ja-JP" altLang="en-US" sz="1800" b="0" dirty="0"/>
-                        <a:t>質問コーナー</a:t>
-                      </a:r>
-                    </a:p>
-                  </a:txBody>
-                  <a:tcPr anchor="ctr"/>
-                </a:tc>
-                <a:tc>
-                  <a:txBody>
-                    <a:bodyPr/>
-                    <a:lstStyle/>
-                    <a:p>
-                      <a:endParaRPr kumimoji="1" lang="ja-JP" altLang="en-US" sz="1800" b="0" dirty="0"/>
-                    </a:p>
-                  </a:txBody>
-                  <a:tcPr anchor="ctr"/>
-                </a:tc>
-                <a:extLst>
-                  <a:ext uri="{0D108BD9-81ED-4DB2-BD59-A6C34878D82A}">
-                    <a16:rowId xmlns:a16="http://schemas.microsoft.com/office/drawing/2014/main" val="1720809971"/>
-                  </a:ext>
-                </a:extLst>
-              </a:tr>
-              <a:tr h="165127">
-                <a:tc>
-                  <a:txBody>
-                    <a:bodyPr/>
-                    <a:lstStyle/>
-                    <a:p>
-                      <a:pPr algn="ctr"/>
-                      <a:r>
-                        <a:rPr kumimoji="1" lang="en-US" altLang="ja-JP" sz="1800" b="0" dirty="0"/>
-                        <a:t>2</a:t>
-                      </a:r>
-                      <a:r>
-                        <a:rPr kumimoji="1" lang="ja-JP" altLang="en-US" sz="1800" b="0" dirty="0"/>
-                        <a:t>日目</a:t>
-                      </a:r>
-                    </a:p>
-                  </a:txBody>
-                  <a:tcPr anchor="ctr"/>
-                </a:tc>
-                <a:tc>
-                  <a:txBody>
-                    <a:bodyPr/>
-                    <a:lstStyle/>
-                    <a:p>
-                      <a:pPr algn="ctr"/>
-                      <a:r>
-                        <a:rPr kumimoji="1" lang="en-US" altLang="ja-JP" sz="1800" b="0" dirty="0"/>
-                        <a:t>5</a:t>
-                      </a:r>
-                      <a:endParaRPr kumimoji="1" lang="ja-JP" altLang="en-US" sz="1800" b="0" dirty="0"/>
-                    </a:p>
-                  </a:txBody>
-                  <a:tcPr anchor="ctr"/>
-                </a:tc>
-                <a:tc>
-                  <a:txBody>
-                    <a:bodyPr/>
-                    <a:lstStyle/>
-                    <a:p>
-                      <a:r>
-                        <a:rPr kumimoji="1" lang="ja-JP" altLang="en-US" sz="1800" b="0" dirty="0"/>
-                        <a:t>機械学習法の概要</a:t>
-                      </a:r>
-                    </a:p>
-                  </a:txBody>
-                  <a:tcPr anchor="ctr"/>
-                </a:tc>
-                <a:tc>
-                  <a:txBody>
-                    <a:bodyPr/>
-                    <a:lstStyle/>
-                    <a:p>
-                      <a:r>
-                        <a:rPr kumimoji="1" lang="ja-JP" altLang="en-US" sz="1800" b="0" dirty="0"/>
-                        <a:t>機械学習の基礎</a:t>
-                      </a:r>
-                      <a:endParaRPr kumimoji="1" lang="en-US" altLang="ja-JP" sz="1800" b="0" dirty="0"/>
-                    </a:p>
-                    <a:p>
-                      <a:r>
-                        <a:rPr kumimoji="1" lang="ja-JP" altLang="en-US" sz="1800" b="0" dirty="0"/>
-                        <a:t>分類・予測</a:t>
-                      </a:r>
-                    </a:p>
-                  </a:txBody>
-                  <a:tcPr anchor="ctr"/>
-                </a:tc>
-                <a:extLst>
-                  <a:ext uri="{0D108BD9-81ED-4DB2-BD59-A6C34878D82A}">
-                    <a16:rowId xmlns:a16="http://schemas.microsoft.com/office/drawing/2014/main" val="3520846079"/>
-                  </a:ext>
-                </a:extLst>
-              </a:tr>
-              <a:tr h="0">
-                <a:tc>
-                  <a:txBody>
-                    <a:bodyPr/>
-                    <a:lstStyle/>
-                    <a:p>
-                      <a:pPr algn="ctr"/>
-                      <a:endParaRPr kumimoji="1" lang="ja-JP" altLang="en-US" sz="1800" b="0" dirty="0"/>
-                    </a:p>
-                  </a:txBody>
-                  <a:tcPr anchor="ctr"/>
-                </a:tc>
-                <a:tc>
-                  <a:txBody>
-                    <a:bodyPr/>
-                    <a:lstStyle/>
-                    <a:p>
-                      <a:pPr algn="ctr"/>
-                      <a:r>
-                        <a:rPr kumimoji="1" lang="en-US" altLang="ja-JP" sz="1800" b="0" dirty="0"/>
-                        <a:t>6</a:t>
-                      </a:r>
-                      <a:endParaRPr kumimoji="1" lang="ja-JP" altLang="en-US" sz="1800" b="0" dirty="0"/>
-                    </a:p>
-                  </a:txBody>
-                  <a:tcPr anchor="ctr"/>
-                </a:tc>
-                <a:tc>
-                  <a:txBody>
-                    <a:bodyPr/>
-                    <a:lstStyle/>
-                    <a:p>
-                      <a:r>
-                        <a:rPr kumimoji="1" lang="ja-JP" altLang="en-US" sz="1800" b="0" dirty="0"/>
-                        <a:t>画像</a:t>
-                      </a:r>
-                      <a:r>
-                        <a:rPr kumimoji="1" lang="en-US" altLang="ja-JP" sz="1800" b="0" dirty="0"/>
-                        <a:t>AI</a:t>
-                      </a:r>
-                      <a:r>
-                        <a:rPr kumimoji="1" lang="ja-JP" altLang="en-US" sz="1800" b="0" dirty="0"/>
-                        <a:t>の概要</a:t>
-                      </a:r>
-                    </a:p>
-                  </a:txBody>
-                  <a:tcPr anchor="ctr"/>
-                </a:tc>
-                <a:tc>
-                  <a:txBody>
-                    <a:bodyPr/>
-                    <a:lstStyle/>
-                    <a:p>
-                      <a:pPr marL="0" marR="0" lvl="0" indent="0" algn="l" defTabSz="457200" rtl="0" eaLnBrk="1" fontAlgn="auto" latinLnBrk="0" hangingPunct="1">
-                        <a:lnSpc>
-                          <a:spcPct val="100000"/>
-                        </a:lnSpc>
-                        <a:spcBef>
-                          <a:spcPts val="0"/>
-                        </a:spcBef>
-                        <a:spcAft>
-                          <a:spcPts val="0"/>
-                        </a:spcAft>
-                        <a:buClrTx/>
-                        <a:buSzTx/>
-                        <a:buFontTx/>
-                        <a:buNone/>
-                        <a:tabLst/>
-                        <a:defRPr/>
-                      </a:pPr>
-                      <a:r>
-                        <a:rPr kumimoji="1" lang="ja-JP" altLang="en-US" sz="1800" b="0" dirty="0"/>
-                        <a:t>画像判別・画像分類</a:t>
-                      </a:r>
-                    </a:p>
-                  </a:txBody>
-                  <a:tcPr anchor="ctr"/>
-                </a:tc>
-                <a:extLst>
-                  <a:ext uri="{0D108BD9-81ED-4DB2-BD59-A6C34878D82A}">
-                    <a16:rowId xmlns:a16="http://schemas.microsoft.com/office/drawing/2014/main" val="2215375432"/>
-                  </a:ext>
-                </a:extLst>
-              </a:tr>
-              <a:tr h="0">
-                <a:tc>
-                  <a:txBody>
-                    <a:bodyPr/>
-                    <a:lstStyle/>
-                    <a:p>
-                      <a:pPr algn="ctr"/>
-                      <a:endParaRPr kumimoji="1" lang="ja-JP" altLang="en-US" sz="1800" b="0" dirty="0"/>
-                    </a:p>
-                  </a:txBody>
-                  <a:tcPr anchor="ctr"/>
-                </a:tc>
-                <a:tc>
-                  <a:txBody>
-                    <a:bodyPr/>
-                    <a:lstStyle/>
-                    <a:p>
-                      <a:pPr algn="ctr"/>
-                      <a:r>
-                        <a:rPr kumimoji="1" lang="en-US" altLang="ja-JP" sz="1800" b="0" dirty="0"/>
-                        <a:t>7</a:t>
-                      </a:r>
-                      <a:endParaRPr kumimoji="1" lang="ja-JP" altLang="en-US" sz="1800" b="0" dirty="0"/>
-                    </a:p>
-                  </a:txBody>
-                  <a:tcPr anchor="ctr"/>
-                </a:tc>
-                <a:tc>
-                  <a:txBody>
-                    <a:bodyPr/>
-                    <a:lstStyle/>
-                    <a:p>
-                      <a:pPr marL="0" marR="0" lvl="0" indent="0" algn="l" defTabSz="457200" rtl="0" eaLnBrk="1" fontAlgn="auto" latinLnBrk="0" hangingPunct="1">
-                        <a:lnSpc>
-                          <a:spcPct val="100000"/>
-                        </a:lnSpc>
-                        <a:spcBef>
-                          <a:spcPts val="0"/>
-                        </a:spcBef>
-                        <a:spcAft>
-                          <a:spcPts val="0"/>
-                        </a:spcAft>
-                        <a:buClrTx/>
-                        <a:buSzTx/>
-                        <a:buFontTx/>
-                        <a:buNone/>
-                        <a:tabLst/>
-                        <a:defRPr/>
-                      </a:pPr>
-                      <a:r>
-                        <a:rPr kumimoji="1" lang="ja-JP" altLang="en-US" sz="1800" b="0" i="0" u="none" strike="noStrike" kern="1200" cap="none" spc="0" normalizeH="0" baseline="0" noProof="0">
-                          <a:ln>
-                            <a:noFill/>
-                          </a:ln>
-                          <a:solidFill>
-                            <a:prstClr val="black"/>
-                          </a:solidFill>
-                          <a:effectLst/>
-                          <a:uLnTx/>
-                          <a:uFillTx/>
-                          <a:latin typeface="Meiryo UI"/>
-                          <a:ea typeface="Meiryo UI"/>
-                          <a:cs typeface="+mn-cs"/>
-                        </a:rPr>
-                        <a:t>応用</a:t>
-                      </a:r>
-                      <a:endParaRPr kumimoji="1" lang="ja-JP" altLang="en-US" sz="1800" b="0" i="0" u="none" strike="noStrike" kern="1200" cap="none" spc="0" normalizeH="0" baseline="0" noProof="0" dirty="0">
-                        <a:ln>
-                          <a:noFill/>
-                        </a:ln>
-                        <a:solidFill>
-                          <a:prstClr val="black"/>
-                        </a:solidFill>
-                        <a:effectLst/>
-                        <a:uLnTx/>
-                        <a:uFillTx/>
-                        <a:latin typeface="Meiryo UI"/>
-                        <a:ea typeface="Meiryo UI"/>
-                        <a:cs typeface="+mn-cs"/>
-                      </a:endParaRPr>
-                    </a:p>
-                  </a:txBody>
-                  <a:tcPr anchor="ctr"/>
-                </a:tc>
-                <a:tc>
-                  <a:txBody>
-                    <a:bodyPr/>
-                    <a:lstStyle/>
-                    <a:p>
-                      <a:endParaRPr kumimoji="1" lang="ja-JP" altLang="en-US" sz="1800" b="0" dirty="0"/>
-                    </a:p>
-                  </a:txBody>
-                  <a:tcPr anchor="ctr"/>
-                </a:tc>
-                <a:extLst>
-                  <a:ext uri="{0D108BD9-81ED-4DB2-BD59-A6C34878D82A}">
-                    <a16:rowId xmlns:a16="http://schemas.microsoft.com/office/drawing/2014/main" val="2343400593"/>
-                  </a:ext>
-                </a:extLst>
-              </a:tr>
-              <a:tr h="0">
-                <a:tc>
-                  <a:txBody>
-                    <a:bodyPr/>
-                    <a:lstStyle/>
-                    <a:p>
-                      <a:pPr algn="ctr"/>
-                      <a:endParaRPr kumimoji="1" lang="ja-JP" altLang="en-US" sz="1800" b="0" dirty="0"/>
-                    </a:p>
-                  </a:txBody>
-                  <a:tcPr anchor="ctr"/>
-                </a:tc>
-                <a:tc>
-                  <a:txBody>
-                    <a:bodyPr/>
-                    <a:lstStyle/>
-                    <a:p>
-                      <a:pPr algn="ctr"/>
-                      <a:r>
-                        <a:rPr kumimoji="1" lang="en-US" altLang="ja-JP" sz="1800" b="0" dirty="0"/>
-                        <a:t>8</a:t>
-                      </a:r>
-                      <a:endParaRPr kumimoji="1" lang="ja-JP" altLang="en-US" sz="1800" b="0" dirty="0"/>
-                    </a:p>
-                  </a:txBody>
-                  <a:tcPr anchor="ctr"/>
-                </a:tc>
-                <a:tc>
-                  <a:txBody>
-                    <a:bodyPr/>
-                    <a:lstStyle/>
-                    <a:p>
-                      <a:pPr marL="0" marR="0" lvl="0" indent="0" algn="l" defTabSz="457200" rtl="0" eaLnBrk="1" fontAlgn="auto" latinLnBrk="0" hangingPunct="1">
-                        <a:lnSpc>
-                          <a:spcPct val="100000"/>
-                        </a:lnSpc>
-                        <a:spcBef>
-                          <a:spcPts val="0"/>
-                        </a:spcBef>
-                        <a:spcAft>
-                          <a:spcPts val="0"/>
-                        </a:spcAft>
-                        <a:buClrTx/>
-                        <a:buSzTx/>
-                        <a:buFontTx/>
-                        <a:buNone/>
-                        <a:tabLst/>
-                        <a:defRPr/>
-                      </a:pPr>
-                      <a:r>
-                        <a:rPr kumimoji="1" lang="ja-JP" altLang="en-US" sz="1800" b="0" i="0" u="none" strike="noStrike" kern="1200" cap="none" spc="0" normalizeH="0" baseline="0" noProof="0" dirty="0">
-                          <a:ln>
-                            <a:noFill/>
-                          </a:ln>
-                          <a:solidFill>
-                            <a:prstClr val="black"/>
-                          </a:solidFill>
-                          <a:effectLst/>
-                          <a:uLnTx/>
-                          <a:uFillTx/>
-                          <a:latin typeface="Meiryo UI"/>
-                          <a:ea typeface="Meiryo UI"/>
-                          <a:cs typeface="+mn-cs"/>
-                        </a:rPr>
-                        <a:t>質問コーナー</a:t>
-                      </a:r>
-                    </a:p>
-                  </a:txBody>
-                  <a:tcPr anchor="ctr"/>
-                </a:tc>
-                <a:tc>
-                  <a:txBody>
-                    <a:bodyPr/>
-                    <a:lstStyle/>
-                    <a:p>
-                      <a:endParaRPr kumimoji="1" lang="ja-JP" altLang="en-US" sz="1800" b="0" dirty="0"/>
-                    </a:p>
-                  </a:txBody>
-                  <a:tcPr anchor="ctr"/>
-                </a:tc>
-                <a:extLst>
-                  <a:ext uri="{0D108BD9-81ED-4DB2-BD59-A6C34878D82A}">
-                    <a16:rowId xmlns:a16="http://schemas.microsoft.com/office/drawing/2014/main" val="3528777321"/>
-                  </a:ext>
-                </a:extLst>
-              </a:tr>
-            </a:tbl>
-          </a:graphicData>
-        </a:graphic>
-      </p:graphicFrame>
-      <p:sp>
-        <p:nvSpPr>
-          <p:cNvPr id="3" name="テキスト ボックス 2">
-            <a:extLst>
-              <a:ext uri="{FF2B5EF4-FFF2-40B4-BE49-F238E27FC236}">
-                <a16:creationId xmlns:a16="http://schemas.microsoft.com/office/drawing/2014/main" id="{313E621B-EF53-AE51-708C-A6ECB825136D}"/>
-              </a:ext>
-            </a:extLst>
-          </p:cNvPr>
-          <p:cNvSpPr txBox="1"/>
-          <p:nvPr/>
-        </p:nvSpPr>
-        <p:spPr>
-          <a:xfrm>
-            <a:off x="1664337" y="5894686"/>
-            <a:ext cx="8863324" cy="461665"/>
-          </a:xfrm>
-          <a:prstGeom prst="rect">
-            <a:avLst/>
-          </a:prstGeom>
-          <a:noFill/>
-        </p:spPr>
-        <p:txBody>
-          <a:bodyPr wrap="none" rtlCol="0">
-            <a:spAutoFit/>
-          </a:bodyPr>
-          <a:lstStyle/>
-          <a:p>
-            <a:r>
-              <a:rPr kumimoji="1" lang="ja-JP" altLang="en-US" sz="2400" dirty="0"/>
-              <a:t>両日とも、午後はアドバンスな内容と個別質問・相談などを受け付けます</a:t>
-            </a:r>
-          </a:p>
-        </p:txBody>
-      </p:sp>
-    </p:spTree>
-    <p:extLst>
-      <p:ext uri="{BB962C8B-B14F-4D97-AF65-F5344CB8AC3E}">
-        <p14:creationId xmlns:p14="http://schemas.microsoft.com/office/powerpoint/2010/main" val="4144629360"/>
-      </p:ext>
-    </p:extLst>
-  </p:cSld>
-  <p:clrMapOvr>
-    <a:masterClrMapping/>
-  </p:clrMapOvr>
-</p:sld>
-</file>
-
-<file path=ppt/slides/slide20.xml><?xml version="1.0" encoding="utf-8"?>
+<file path=ppt/slides/slide21.xml><?xml version="1.0" encoding="utf-8"?>
 <p:sld xmlns:a="http://schemas.openxmlformats.org/drawingml/2006/main" xmlns:r="http://schemas.openxmlformats.org/officeDocument/2006/relationships" xmlns:p="http://schemas.openxmlformats.org/presentationml/2006/main">
   <p:cSld>
     <p:spTree>
@@ -35675,7 +35798,7 @@
           <a:p>
             <a:fld id="{895CAF78-E814-F147-85DE-99D10320521C}" type="slidenum">
               <a:rPr kumimoji="1" lang="ja-JP" altLang="en-US" smtClean="0"/>
-              <a:t>20</a:t>
+              <a:t>21</a:t>
             </a:fld>
             <a:endParaRPr kumimoji="1" lang="ja-JP" altLang="en-US"/>
           </a:p>
@@ -37932,7 +38055,7 @@
 </p:sld>
 </file>
 
-<file path=ppt/slides/slide21.xml><?xml version="1.0" encoding="utf-8"?>
+<file path=ppt/slides/slide22.xml><?xml version="1.0" encoding="utf-8"?>
 <p:sld xmlns:a="http://schemas.openxmlformats.org/drawingml/2006/main" xmlns:r="http://schemas.openxmlformats.org/officeDocument/2006/relationships" xmlns:p="http://schemas.openxmlformats.org/presentationml/2006/main">
   <p:cSld>
     <p:spTree>
@@ -38002,7 +38125,7 @@
           <a:p>
             <a:fld id="{895CAF78-E814-F147-85DE-99D10320521C}" type="slidenum">
               <a:rPr kumimoji="1" lang="ja-JP" altLang="en-US" smtClean="0"/>
-              <a:t>21</a:t>
+              <a:t>22</a:t>
             </a:fld>
             <a:endParaRPr kumimoji="1" lang="ja-JP" altLang="en-US"/>
           </a:p>
@@ -38068,7 +38191,7 @@
 </p:sld>
 </file>
 
-<file path=ppt/slides/slide22.xml><?xml version="1.0" encoding="utf-8"?>
+<file path=ppt/slides/slide23.xml><?xml version="1.0" encoding="utf-8"?>
 <p:sld xmlns:a="http://schemas.openxmlformats.org/drawingml/2006/main" xmlns:r="http://schemas.openxmlformats.org/officeDocument/2006/relationships" xmlns:p="http://schemas.openxmlformats.org/presentationml/2006/main">
   <p:cSld>
     <p:spTree>
@@ -38138,7 +38261,7 @@
           <a:p>
             <a:fld id="{895CAF78-E814-F147-85DE-99D10320521C}" type="slidenum">
               <a:rPr kumimoji="1" lang="ja-JP" altLang="en-US" smtClean="0"/>
-              <a:t>22</a:t>
+              <a:t>23</a:t>
             </a:fld>
             <a:endParaRPr kumimoji="1" lang="ja-JP" altLang="en-US"/>
           </a:p>
@@ -38278,7 +38401,7 @@
 </p:sld>
 </file>
 
-<file path=ppt/slides/slide23.xml><?xml version="1.0" encoding="utf-8"?>
+<file path=ppt/slides/slide24.xml><?xml version="1.0" encoding="utf-8"?>
 <p:sld xmlns:a="http://schemas.openxmlformats.org/drawingml/2006/main" xmlns:r="http://schemas.openxmlformats.org/officeDocument/2006/relationships" xmlns:p="http://schemas.openxmlformats.org/presentationml/2006/main">
   <p:cSld>
     <p:spTree>
@@ -38348,7 +38471,7 @@
           <a:p>
             <a:fld id="{895CAF78-E814-F147-85DE-99D10320521C}" type="slidenum">
               <a:rPr kumimoji="1" lang="ja-JP" altLang="en-US" smtClean="0"/>
-              <a:t>23</a:t>
+              <a:t>24</a:t>
             </a:fld>
             <a:endParaRPr kumimoji="1" lang="ja-JP" altLang="en-US"/>
           </a:p>
@@ -38488,7 +38611,7 @@
 </p:sld>
 </file>
 
-<file path=ppt/slides/slide24.xml><?xml version="1.0" encoding="utf-8"?>
+<file path=ppt/slides/slide25.xml><?xml version="1.0" encoding="utf-8"?>
 <p:sld xmlns:a="http://schemas.openxmlformats.org/drawingml/2006/main" xmlns:r="http://schemas.openxmlformats.org/officeDocument/2006/relationships" xmlns:p="http://schemas.openxmlformats.org/presentationml/2006/main">
   <p:cSld>
     <p:spTree>
@@ -38558,7 +38681,7 @@
           <a:p>
             <a:fld id="{895CAF78-E814-F147-85DE-99D10320521C}" type="slidenum">
               <a:rPr kumimoji="1" lang="ja-JP" altLang="en-US" smtClean="0"/>
-              <a:t>24</a:t>
+              <a:t>25</a:t>
             </a:fld>
             <a:endParaRPr kumimoji="1" lang="ja-JP" altLang="en-US"/>
           </a:p>
@@ -38607,7 +38730,7 @@
 </p:sld>
 </file>
 
-<file path=ppt/slides/slide25.xml><?xml version="1.0" encoding="utf-8"?>
+<file path=ppt/slides/slide26.xml><?xml version="1.0" encoding="utf-8"?>
 <p:sld xmlns:a="http://schemas.openxmlformats.org/drawingml/2006/main" xmlns:r="http://schemas.openxmlformats.org/officeDocument/2006/relationships" xmlns:p="http://schemas.openxmlformats.org/presentationml/2006/main">
   <p:cSld>
     <p:spTree>
@@ -38683,7 +38806,7 @@
           <a:p>
             <a:fld id="{895CAF78-E814-F147-85DE-99D10320521C}" type="slidenum">
               <a:rPr kumimoji="1" lang="ja-JP" altLang="en-US" smtClean="0"/>
-              <a:t>25</a:t>
+              <a:t>26</a:t>
             </a:fld>
             <a:endParaRPr kumimoji="1" lang="ja-JP" altLang="en-US"/>
           </a:p>
@@ -39008,7 +39131,7 @@
 </p:sld>
 </file>
 
-<file path=ppt/slides/slide26.xml><?xml version="1.0" encoding="utf-8"?>
+<file path=ppt/slides/slide27.xml><?xml version="1.0" encoding="utf-8"?>
 <p:sld xmlns:a="http://schemas.openxmlformats.org/drawingml/2006/main" xmlns:r="http://schemas.openxmlformats.org/officeDocument/2006/relationships" xmlns:p="http://schemas.openxmlformats.org/presentationml/2006/main">
   <p:cSld>
     <p:spTree>
@@ -39078,7 +39201,7 @@
           <a:p>
             <a:fld id="{895CAF78-E814-F147-85DE-99D10320521C}" type="slidenum">
               <a:rPr kumimoji="1" lang="ja-JP" altLang="en-US" smtClean="0"/>
-              <a:t>26</a:t>
+              <a:t>27</a:t>
             </a:fld>
             <a:endParaRPr kumimoji="1" lang="ja-JP" altLang="en-US"/>
           </a:p>
@@ -39127,7 +39250,7 @@
 </p:sld>
 </file>
 
-<file path=ppt/slides/slide27.xml><?xml version="1.0" encoding="utf-8"?>
+<file path=ppt/slides/slide28.xml><?xml version="1.0" encoding="utf-8"?>
 <p:sld xmlns:a="http://schemas.openxmlformats.org/drawingml/2006/main" xmlns:r="http://schemas.openxmlformats.org/officeDocument/2006/relationships" xmlns:p="http://schemas.openxmlformats.org/presentationml/2006/main">
   <p:cSld>
     <p:spTree>
@@ -39197,7 +39320,7 @@
           <a:p>
             <a:fld id="{895CAF78-E814-F147-85DE-99D10320521C}" type="slidenum">
               <a:rPr kumimoji="1" lang="ja-JP" altLang="en-US" smtClean="0"/>
-              <a:t>27</a:t>
+              <a:t>28</a:t>
             </a:fld>
             <a:endParaRPr kumimoji="1" lang="ja-JP" altLang="en-US"/>
           </a:p>
@@ -39246,7 +39369,7 @@
 </p:sld>
 </file>
 
-<file path=ppt/slides/slide28.xml><?xml version="1.0" encoding="utf-8"?>
+<file path=ppt/slides/slide29.xml><?xml version="1.0" encoding="utf-8"?>
 <p:sld xmlns:a="http://schemas.openxmlformats.org/drawingml/2006/main" xmlns:r="http://schemas.openxmlformats.org/officeDocument/2006/relationships" xmlns:p="http://schemas.openxmlformats.org/presentationml/2006/main">
   <p:cSld>
     <p:spTree>
@@ -39414,7 +39537,7 @@
           <a:p>
             <a:fld id="{895CAF78-E814-F147-85DE-99D10320521C}" type="slidenum">
               <a:rPr kumimoji="1" lang="ja-JP" altLang="en-US" smtClean="0"/>
-              <a:t>28</a:t>
+              <a:t>29</a:t>
             </a:fld>
             <a:endParaRPr kumimoji="1" lang="ja-JP" altLang="en-US"/>
           </a:p>
@@ -39424,122 +39547,6 @@
     <p:extLst>
       <p:ext uri="{BB962C8B-B14F-4D97-AF65-F5344CB8AC3E}">
         <p14:creationId xmlns:p14="http://schemas.microsoft.com/office/powerpoint/2010/main" val="1458667854"/>
-      </p:ext>
-    </p:extLst>
-  </p:cSld>
-  <p:clrMapOvr>
-    <a:masterClrMapping/>
-  </p:clrMapOvr>
-</p:sld>
-</file>
-
-<file path=ppt/slides/slide29.xml><?xml version="1.0" encoding="utf-8"?>
-<p:sld xmlns:a="http://schemas.openxmlformats.org/drawingml/2006/main" xmlns:r="http://schemas.openxmlformats.org/officeDocument/2006/relationships" xmlns:p="http://schemas.openxmlformats.org/presentationml/2006/main">
-  <p:cSld>
-    <p:spTree>
-      <p:nvGrpSpPr>
-        <p:cNvPr id="1" name=""/>
-        <p:cNvGrpSpPr/>
-        <p:nvPr/>
-      </p:nvGrpSpPr>
-      <p:grpSpPr>
-        <a:xfrm>
-          <a:off x="0" y="0"/>
-          <a:ext cx="0" cy="0"/>
-          <a:chOff x="0" y="0"/>
-          <a:chExt cx="0" cy="0"/>
-        </a:xfrm>
-      </p:grpSpPr>
-      <p:sp>
-        <p:nvSpPr>
-          <p:cNvPr id="8" name="タイトル 7">
-            <a:extLst>
-              <a:ext uri="{FF2B5EF4-FFF2-40B4-BE49-F238E27FC236}">
-                <a16:creationId xmlns:a16="http://schemas.microsoft.com/office/drawing/2014/main" id="{F69FC3C3-AA4E-3535-F22E-E83FD24061F9}"/>
-              </a:ext>
-            </a:extLst>
-          </p:cNvPr>
-          <p:cNvSpPr>
-            <a:spLocks noGrp="1"/>
-          </p:cNvSpPr>
-          <p:nvPr>
-            <p:ph type="title"/>
-          </p:nvPr>
-        </p:nvSpPr>
-        <p:spPr/>
-        <p:txBody>
-          <a:bodyPr/>
-          <a:lstStyle/>
-          <a:p>
-            <a:r>
-              <a:rPr lang="en-US" altLang="ja-JP" dirty="0"/>
-              <a:t>3. </a:t>
-            </a:r>
-            <a:r>
-              <a:rPr lang="ja-JP" altLang="en-US" dirty="0"/>
-              <a:t>シングルセル解析</a:t>
-            </a:r>
-          </a:p>
-        </p:txBody>
-      </p:sp>
-      <p:sp>
-        <p:nvSpPr>
-          <p:cNvPr id="9" name="テキスト プレースホルダー 8">
-            <a:extLst>
-              <a:ext uri="{FF2B5EF4-FFF2-40B4-BE49-F238E27FC236}">
-                <a16:creationId xmlns:a16="http://schemas.microsoft.com/office/drawing/2014/main" id="{7A617F54-51D1-CE0A-ECDC-9C5B2E93A130}"/>
-              </a:ext>
-            </a:extLst>
-          </p:cNvPr>
-          <p:cNvSpPr>
-            <a:spLocks noGrp="1"/>
-          </p:cNvSpPr>
-          <p:nvPr>
-            <p:ph type="body" idx="1"/>
-          </p:nvPr>
-        </p:nvSpPr>
-        <p:spPr/>
-        <p:txBody>
-          <a:bodyPr/>
-          <a:lstStyle/>
-          <a:p>
-            <a:endParaRPr lang="ja-JP" altLang="en-US"/>
-          </a:p>
-        </p:txBody>
-      </p:sp>
-      <p:sp>
-        <p:nvSpPr>
-          <p:cNvPr id="7" name="スライド番号プレースホルダー 6">
-            <a:extLst>
-              <a:ext uri="{FF2B5EF4-FFF2-40B4-BE49-F238E27FC236}">
-                <a16:creationId xmlns:a16="http://schemas.microsoft.com/office/drawing/2014/main" id="{6DCDB7F2-33C9-B9F9-A39D-5762BA0372E6}"/>
-              </a:ext>
-            </a:extLst>
-          </p:cNvPr>
-          <p:cNvSpPr>
-            <a:spLocks noGrp="1"/>
-          </p:cNvSpPr>
-          <p:nvPr>
-            <p:ph type="sldNum" sz="quarter" idx="12"/>
-          </p:nvPr>
-        </p:nvSpPr>
-        <p:spPr/>
-        <p:txBody>
-          <a:bodyPr/>
-          <a:lstStyle/>
-          <a:p>
-            <a:fld id="{895CAF78-E814-F147-85DE-99D10320521C}" type="slidenum">
-              <a:rPr kumimoji="1" lang="ja-JP" altLang="en-US" smtClean="0"/>
-              <a:t>29</a:t>
-            </a:fld>
-            <a:endParaRPr kumimoji="1" lang="ja-JP" altLang="en-US"/>
-          </a:p>
-        </p:txBody>
-      </p:sp>
-    </p:spTree>
-    <p:extLst>
-      <p:ext uri="{BB962C8B-B14F-4D97-AF65-F5344CB8AC3E}">
-        <p14:creationId xmlns:p14="http://schemas.microsoft.com/office/powerpoint/2010/main" val="1259066294"/>
       </p:ext>
     </p:extLst>
   </p:cSld>
@@ -39666,7 +39673,7 @@
         <p:spPr>
           <a:xfrm>
             <a:off x="609600" y="1528485"/>
-            <a:ext cx="3662855" cy="4827866"/>
+            <a:ext cx="3551853" cy="4827866"/>
           </a:xfrm>
         </p:spPr>
         <p:txBody>
@@ -39674,8 +39681,8 @@
           <a:lstStyle/>
           <a:p>
             <a:r>
-              <a:rPr kumimoji="1" lang="en-US" altLang="ja-JP" dirty="0" err="1"/>
-              <a:t>Colab</a:t>
+              <a:rPr lang="en-US" altLang="ja-JP" dirty="0"/>
+              <a:t>Python</a:t>
             </a:r>
             <a:r>
               <a:rPr kumimoji="1" lang="ja-JP" altLang="en-US" dirty="0"/>
@@ -40140,7 +40147,7 @@
         <p:spPr>
           <a:xfrm>
             <a:off x="8092969" y="1528485"/>
-            <a:ext cx="3473670" cy="4827866"/>
+            <a:ext cx="3934190" cy="4827866"/>
           </a:xfrm>
           <a:prstGeom prst="rect">
             <a:avLst/>
@@ -40148,7 +40155,7 @@
         </p:spPr>
         <p:txBody>
           <a:bodyPr vert="horz" lIns="91440" tIns="45720" rIns="91440" bIns="45720" rtlCol="0">
-            <a:normAutofit fontScale="92500" lnSpcReduction="20000"/>
+            <a:normAutofit fontScale="92500" lnSpcReduction="10000"/>
           </a:bodyPr>
           <a:lstStyle>
             <a:lvl1pPr marL="342900" indent="-342900" algn="l" defTabSz="457200" rtl="0" eaLnBrk="1" latinLnBrk="0" hangingPunct="1">
@@ -40454,6 +40461,122 @@
       </p:grpSpPr>
       <p:sp>
         <p:nvSpPr>
+          <p:cNvPr id="8" name="タイトル 7">
+            <a:extLst>
+              <a:ext uri="{FF2B5EF4-FFF2-40B4-BE49-F238E27FC236}">
+                <a16:creationId xmlns:a16="http://schemas.microsoft.com/office/drawing/2014/main" id="{F69FC3C3-AA4E-3535-F22E-E83FD24061F9}"/>
+              </a:ext>
+            </a:extLst>
+          </p:cNvPr>
+          <p:cNvSpPr>
+            <a:spLocks noGrp="1"/>
+          </p:cNvSpPr>
+          <p:nvPr>
+            <p:ph type="title"/>
+          </p:nvPr>
+        </p:nvSpPr>
+        <p:spPr/>
+        <p:txBody>
+          <a:bodyPr/>
+          <a:lstStyle/>
+          <a:p>
+            <a:r>
+              <a:rPr lang="en-US" altLang="ja-JP" dirty="0"/>
+              <a:t>3. </a:t>
+            </a:r>
+            <a:r>
+              <a:rPr lang="ja-JP" altLang="en-US" dirty="0"/>
+              <a:t>シングルセル解析</a:t>
+            </a:r>
+          </a:p>
+        </p:txBody>
+      </p:sp>
+      <p:sp>
+        <p:nvSpPr>
+          <p:cNvPr id="9" name="テキスト プレースホルダー 8">
+            <a:extLst>
+              <a:ext uri="{FF2B5EF4-FFF2-40B4-BE49-F238E27FC236}">
+                <a16:creationId xmlns:a16="http://schemas.microsoft.com/office/drawing/2014/main" id="{7A617F54-51D1-CE0A-ECDC-9C5B2E93A130}"/>
+              </a:ext>
+            </a:extLst>
+          </p:cNvPr>
+          <p:cNvSpPr>
+            <a:spLocks noGrp="1"/>
+          </p:cNvSpPr>
+          <p:nvPr>
+            <p:ph type="body" idx="1"/>
+          </p:nvPr>
+        </p:nvSpPr>
+        <p:spPr/>
+        <p:txBody>
+          <a:bodyPr/>
+          <a:lstStyle/>
+          <a:p>
+            <a:endParaRPr lang="ja-JP" altLang="en-US"/>
+          </a:p>
+        </p:txBody>
+      </p:sp>
+      <p:sp>
+        <p:nvSpPr>
+          <p:cNvPr id="7" name="スライド番号プレースホルダー 6">
+            <a:extLst>
+              <a:ext uri="{FF2B5EF4-FFF2-40B4-BE49-F238E27FC236}">
+                <a16:creationId xmlns:a16="http://schemas.microsoft.com/office/drawing/2014/main" id="{6DCDB7F2-33C9-B9F9-A39D-5762BA0372E6}"/>
+              </a:ext>
+            </a:extLst>
+          </p:cNvPr>
+          <p:cNvSpPr>
+            <a:spLocks noGrp="1"/>
+          </p:cNvSpPr>
+          <p:nvPr>
+            <p:ph type="sldNum" sz="quarter" idx="12"/>
+          </p:nvPr>
+        </p:nvSpPr>
+        <p:spPr/>
+        <p:txBody>
+          <a:bodyPr/>
+          <a:lstStyle/>
+          <a:p>
+            <a:fld id="{895CAF78-E814-F147-85DE-99D10320521C}" type="slidenum">
+              <a:rPr kumimoji="1" lang="ja-JP" altLang="en-US" smtClean="0"/>
+              <a:t>30</a:t>
+            </a:fld>
+            <a:endParaRPr kumimoji="1" lang="ja-JP" altLang="en-US"/>
+          </a:p>
+        </p:txBody>
+      </p:sp>
+    </p:spTree>
+    <p:extLst>
+      <p:ext uri="{BB962C8B-B14F-4D97-AF65-F5344CB8AC3E}">
+        <p14:creationId xmlns:p14="http://schemas.microsoft.com/office/powerpoint/2010/main" val="1259066294"/>
+      </p:ext>
+    </p:extLst>
+  </p:cSld>
+  <p:clrMapOvr>
+    <a:masterClrMapping/>
+  </p:clrMapOvr>
+</p:sld>
+</file>
+
+<file path=ppt/slides/slide31.xml><?xml version="1.0" encoding="utf-8"?>
+<p:sld xmlns:a="http://schemas.openxmlformats.org/drawingml/2006/main" xmlns:r="http://schemas.openxmlformats.org/officeDocument/2006/relationships" xmlns:p="http://schemas.openxmlformats.org/presentationml/2006/main">
+  <p:cSld>
+    <p:spTree>
+      <p:nvGrpSpPr>
+        <p:cNvPr id="1" name=""/>
+        <p:cNvGrpSpPr/>
+        <p:nvPr/>
+      </p:nvGrpSpPr>
+      <p:grpSpPr>
+        <a:xfrm>
+          <a:off x="0" y="0"/>
+          <a:ext cx="0" cy="0"/>
+          <a:chOff x="0" y="0"/>
+          <a:chExt cx="0" cy="0"/>
+        </a:xfrm>
+      </p:grpSpPr>
+      <p:sp>
+        <p:nvSpPr>
           <p:cNvPr id="5" name="タイトル 4">
             <a:extLst>
               <a:ext uri="{FF2B5EF4-FFF2-40B4-BE49-F238E27FC236}">
@@ -40513,7 +40636,7 @@
           <a:p>
             <a:fld id="{895CAF78-E814-F147-85DE-99D10320521C}" type="slidenum">
               <a:rPr kumimoji="1" lang="ja-JP" altLang="en-US" smtClean="0"/>
-              <a:t>30</a:t>
+              <a:t>31</a:t>
             </a:fld>
             <a:endParaRPr kumimoji="1" lang="ja-JP" altLang="en-US"/>
           </a:p>
@@ -40598,7 +40721,7 @@
 </p:sld>
 </file>
 
-<file path=ppt/slides/slide31.xml><?xml version="1.0" encoding="utf-8"?>
+<file path=ppt/slides/slide32.xml><?xml version="1.0" encoding="utf-8"?>
 <p:sld xmlns:a="http://schemas.openxmlformats.org/drawingml/2006/main" xmlns:r="http://schemas.openxmlformats.org/officeDocument/2006/relationships" xmlns:p="http://schemas.openxmlformats.org/presentationml/2006/main">
   <p:cSld>
     <p:spTree>
@@ -40775,7 +40898,7 @@
           <a:p>
             <a:fld id="{895CAF78-E814-F147-85DE-99D10320521C}" type="slidenum">
               <a:rPr kumimoji="1" lang="ja-JP" altLang="en-US" smtClean="0"/>
-              <a:t>31</a:t>
+              <a:t>32</a:t>
             </a:fld>
             <a:endParaRPr kumimoji="1" lang="ja-JP" altLang="en-US"/>
           </a:p>
@@ -40834,15 +40957,7 @@
           <a:p>
             <a:r>
               <a:rPr lang="en-US" altLang="ja-JP" dirty="0"/>
-              <a:t>1. </a:t>
-            </a:r>
-            <a:r>
-              <a:rPr lang="en-US" altLang="ja-JP" dirty="0" err="1"/>
-              <a:t>Colab</a:t>
-            </a:r>
-            <a:r>
-              <a:rPr lang="en-US" altLang="ja-JP" dirty="0"/>
-              <a:t> </a:t>
+              <a:t>1. Python </a:t>
             </a:r>
             <a:r>
               <a:rPr lang="ja-JP" altLang="en-US" dirty="0"/>
